--- a/Courses/Software-Sciences/Module-2-DS-and-Algo/19.1-Unit-Testing-Basics/19.1-Unit-Testing-Basics.pptx
+++ b/Courses/Software-Sciences/Module-2-DS-and-Algo/19.1-Unit-Testing-Basics/19.1-Unit-Testing-Basics.pptx
@@ -73,8 +73,8 @@
     <p:sldId id="732" r:id="rId61"/>
     <p:sldId id="735" r:id="rId62"/>
     <p:sldId id="554" r:id="rId63"/>
-    <p:sldId id="401" r:id="rId64"/>
-    <p:sldId id="493" r:id="rId65"/>
+    <p:sldId id="504" r:id="rId64"/>
+    <p:sldId id="505" r:id="rId65"/>
   </p:sldIdLst>
   <p:sldSz cx="12192000" cy="6858000"/>
   <p:notesSz cx="6858000" cy="9144000"/>
@@ -176,13 +176,13 @@
   <p:extLst>
     <p:ext uri="{521415D9-36F7-43E2-AB2F-B90AF26B5E84}">
       <p14:sectionLst xmlns:p14="http://schemas.microsoft.com/office/powerpoint/2010/main">
-        <p14:section name="Въведение" id="{A4F0A0EE-2057-4776-9645-77555D04BE8F}">
+        <p14:section name="Въведение" id="{FE4BA152-6AFE-46A0-BC4A-99958F3DF7F1}">
           <p14:sldIdLst>
             <p14:sldId id="508"/>
             <p14:sldId id="509"/>
           </p14:sldIdLst>
         </p14:section>
-        <p14:section name="Какво е тестване?" id="{7F956D1F-41F4-4C51-9B52-95991463C747}">
+        <p14:section name="Какво е тестване?" id="{4207193E-CE60-4F35-AEBA-633BF6932F11}">
           <p14:sldIdLst>
             <p14:sldId id="765"/>
             <p14:sldId id="761"/>
@@ -193,7 +193,7 @@
             <p14:sldId id="764"/>
           </p14:sldIdLst>
         </p14:section>
-        <p14:section name="Frameworks за тестване" id="{B7A00AC6-AF30-4071-87EF-3B59C6C9BFF3}">
+        <p14:section name="Frameworks за тестване" id="{F75B829C-67E5-43D5-A226-B99C58D4DDD1}">
           <p14:sldIdLst>
             <p14:sldId id="722"/>
             <p14:sldId id="682"/>
@@ -201,7 +201,7 @@
             <p14:sldId id="721"/>
           </p14:sldIdLst>
         </p14:section>
-        <p14:section name="NUnit Първи стъпки" id="{F1C6CDC1-EE85-4771-8842-64CE17DBC4FD}">
+        <p14:section name="NUnit Първи стъпки" id="{F1D2690E-3CD7-41DF-869A-AA4A6B5D4164}">
           <p14:sldIdLst>
             <p14:sldId id="686"/>
             <p14:sldId id="684"/>
@@ -217,13 +217,13 @@
             <p14:sldId id="532"/>
           </p14:sldIdLst>
         </p14:section>
-        <p14:section name="The AAA Pattern" id="{AEB34C0B-A54E-4993-BAF7-77E24A52C0E4}">
+        <p14:section name="The AAA Pattern" id="{6920BF54-7E2F-4D57-870F-47BC80039042}">
           <p14:sldIdLst>
             <p14:sldId id="709"/>
             <p14:sldId id="526"/>
           </p14:sldIdLst>
         </p14:section>
-        <p14:section name="Assertions" id="{FB782BE9-B065-479E-8417-44B6DC26F669}">
+        <p14:section name="Assertions" id="{19441B9C-283B-46E8-BA7F-830A1194232B}">
           <p14:sldIdLst>
             <p14:sldId id="528"/>
             <p14:sldId id="529"/>
@@ -232,7 +232,7 @@
             <p14:sldId id="531"/>
           </p14:sldIdLst>
         </p14:section>
-        <p14:section name="Примери за компонентно тестове" id="{E9B27A06-9BC8-4248-92AB-48D21264EABF}">
+        <p14:section name="Примери за компонентно тестове" id="{9C4208A2-9280-48D2-8419-F9FC0A377290}">
           <p14:sldIdLst>
             <p14:sldId id="727"/>
             <p14:sldId id="729"/>
@@ -249,7 +249,7 @@
             <p14:sldId id="744"/>
           </p14:sldIdLst>
         </p14:section>
-        <p14:section name="Data-Driven тестване" id="{CD83EA5A-0D81-44FB-948E-699322556915}">
+        <p14:section name="Data-Driven тестване" id="{3F280C88-2B6E-4845-9488-8F253BA2A4CD}">
           <p14:sldIdLst>
             <p14:sldId id="511"/>
             <p14:sldId id="512"/>
@@ -257,7 +257,7 @@
             <p14:sldId id="760"/>
           </p14:sldIdLst>
         </p14:section>
-        <p14:section name="Обхват на тестовете" id="{C3B7E277-E7BD-4164-A01E-63C1EDA7E2BE}">
+        <p14:section name="Обхват на тестовете" id="{1EFFA27A-ECA3-439C-B23F-61EA7FE6B260}">
           <p14:sldIdLst>
             <p14:sldId id="714"/>
             <p14:sldId id="715"/>
@@ -268,7 +268,7 @@
             <p14:sldId id="749"/>
           </p14:sldIdLst>
         </p14:section>
-        <p14:section name="Утвърдени практики в компонентното тестване" id="{E2E80B56-9DC1-4185-8E1A-542525CCD051}">
+        <p14:section name="Утвърдени практики в компонентното тестване" id="{E261963F-5611-4D18-9E4A-5095F6516268}">
           <p14:sldIdLst>
             <p14:sldId id="712"/>
             <p14:sldId id="533"/>
@@ -277,11 +277,11 @@
             <p14:sldId id="735"/>
           </p14:sldIdLst>
         </p14:section>
-        <p14:section name="Обобщение" id="{6197A876-2776-4AA8-89B1-1DCC3F394E56}">
+        <p14:section name="Обобщение" id="{81FA99EA-7E55-4D0D-A685-3C878B95E8DB}">
           <p14:sldIdLst>
             <p14:sldId id="554"/>
-            <p14:sldId id="401"/>
-            <p14:sldId id="493"/>
+            <p14:sldId id="504"/>
+            <p14:sldId id="505"/>
           </p14:sldIdLst>
         </p14:section>
       </p14:sectionLst>
@@ -362,7 +362,7 @@
             </a:lvl1pPr>
           </a:lstStyle>
           <a:p>
-            <a:endParaRPr lang="bg-BG" dirty="0"/>
+            <a:endParaRPr lang="bg-BG"/>
           </a:p>
         </p:txBody>
       </p:sp>
@@ -401,9 +401,9 @@
           <a:p>
             <a:fld id="{4E087215-0C8F-4762-A664-737A353EC9A4}" type="datetimeFigureOut">
               <a:rPr lang="bg-BG" smtClean="0"/>
-              <a:t>14.09.23 г.</a:t>
+              <a:t>17.9.2023 г.</a:t>
             </a:fld>
-            <a:endParaRPr lang="bg-BG" dirty="0"/>
+            <a:endParaRPr lang="bg-BG"/>
           </a:p>
         </p:txBody>
       </p:sp>
@@ -425,8 +425,8 @@
         </p:nvSpPr>
         <p:spPr>
           <a:xfrm>
-            <a:off x="-1" y="8847000"/>
-            <a:ext cx="6443999" cy="297000"/>
+            <a:off x="-1" y="8892000"/>
+            <a:ext cx="6443999" cy="252000"/>
           </a:xfrm>
           <a:prstGeom prst="rect">
             <a:avLst/>
@@ -441,19 +441,24 @@
           </a:lstStyle>
           <a:p>
             <a:r>
-              <a:rPr lang="en-US" sz="1100" dirty="0"/>
-              <a:t>© SoftUni – </a:t>
-            </a:r>
-            <a:r>
-              <a:rPr lang="en-US" sz="1100" u="sng" dirty="0">
+              <a:rPr lang="bg-BG" sz="1100" dirty="0"/>
+              <a:t>Работна група </a:t>
+            </a:r>
+            <a:r>
+              <a:rPr lang="ru-RU" sz="1100" dirty="0"/>
+              <a:t>"Образование по програмиране и ИТ</a:t>
+            </a:r>
+            <a:r>
+              <a:rPr lang="bg-BG" sz="1100" dirty="0"/>
+              <a:t>", с подкрепата на </a:t>
+            </a:r>
+            <a:r>
+              <a:rPr lang="en-US" sz="1100" dirty="0">
                 <a:hlinkClick r:id="rId2"/>
               </a:rPr>
-              <a:t>https://softuni.org</a:t>
-            </a:r>
-            <a:r>
-              <a:rPr lang="en-US" sz="1100" dirty="0"/>
-              <a:t>. Copyrighted document. Unauthorized copy or reproduction is not permitted.</a:t>
-            </a:r>
+              <a:t>SoftUni</a:t>
+            </a:r>
+            <a:endParaRPr lang="en-US" sz="1100" dirty="0"/>
           </a:p>
         </p:txBody>
       </p:sp>
@@ -475,8 +480,8 @@
         </p:nvSpPr>
         <p:spPr>
           <a:xfrm>
-            <a:off x="6443999" y="8847000"/>
-            <a:ext cx="412413" cy="297000"/>
+            <a:off x="6443999" y="8892000"/>
+            <a:ext cx="412413" cy="252000"/>
           </a:xfrm>
           <a:prstGeom prst="rect">
             <a:avLst/>
@@ -559,7 +564,7 @@
             </a:lvl1pPr>
           </a:lstStyle>
           <a:p>
-            <a:endParaRPr lang="en-US" dirty="0"/>
+            <a:endParaRPr lang="en-US"/>
           </a:p>
         </p:txBody>
       </p:sp>
@@ -592,9 +597,9 @@
           <a:p>
             <a:fld id="{72D84649-876A-46C9-8472-14CB09C070D8}" type="datetimeFigureOut">
               <a:rPr lang="en-US" smtClean="0"/>
-              <a:t>9/14/23</a:t>
+              <a:t>9/17/2023</a:t>
             </a:fld>
-            <a:endParaRPr lang="en-US" dirty="0"/>
+            <a:endParaRPr lang="en-US"/>
           </a:p>
         </p:txBody>
       </p:sp>
@@ -627,7 +632,7 @@
           <a:bodyPr vert="horz" lIns="91440" tIns="45720" rIns="91440" bIns="45720" rtlCol="0" anchor="ctr"/>
           <a:lstStyle/>
           <a:p>
-            <a:endParaRPr lang="en-US" dirty="0"/>
+            <a:endParaRPr lang="en-US"/>
           </a:p>
         </p:txBody>
       </p:sp>
@@ -702,8 +707,8 @@
         </p:nvSpPr>
         <p:spPr>
           <a:xfrm>
-            <a:off x="6488999" y="8847000"/>
-            <a:ext cx="367414" cy="297000"/>
+            <a:off x="6488999" y="8892000"/>
+            <a:ext cx="367414" cy="252000"/>
           </a:xfrm>
           <a:prstGeom prst="rect">
             <a:avLst/>
@@ -743,8 +748,8 @@
         </p:nvSpPr>
         <p:spPr>
           <a:xfrm>
-            <a:off x="-1" y="8847000"/>
-            <a:ext cx="6488999" cy="297000"/>
+            <a:off x="-1" y="8892000"/>
+            <a:ext cx="6488999" cy="252000"/>
           </a:xfrm>
           <a:prstGeom prst="rect">
             <a:avLst/>
@@ -759,19 +764,24 @@
           </a:lstStyle>
           <a:p>
             <a:r>
-              <a:rPr lang="en-US" dirty="0"/>
-              <a:t>© SoftUni – </a:t>
-            </a:r>
-            <a:r>
-              <a:rPr lang="en-US" u="sng" dirty="0">
+              <a:rPr lang="bg-BG" sz="1100" dirty="0"/>
+              <a:t>Работна група </a:t>
+            </a:r>
+            <a:r>
+              <a:rPr lang="bg-BG" dirty="0"/>
+              <a:t>"Образование по програмиране и ИТ"</a:t>
+            </a:r>
+            <a:r>
+              <a:rPr lang="bg-BG" sz="1100" dirty="0"/>
+              <a:t>, с подкрепата на </a:t>
+            </a:r>
+            <a:r>
+              <a:rPr lang="en-US" sz="1100" dirty="0">
                 <a:hlinkClick r:id="rId2"/>
               </a:rPr>
-              <a:t>https://softuni.org</a:t>
-            </a:r>
-            <a:r>
-              <a:rPr lang="en-US" dirty="0"/>
-              <a:t>. Copyrighted document. Unauthorized copy or reproduction is not permitted.</a:t>
-            </a:r>
+              <a:t>SoftUni</a:t>
+            </a:r>
+            <a:endParaRPr lang="en-US" sz="1100" dirty="0"/>
           </a:p>
         </p:txBody>
       </p:sp>
@@ -955,10 +965,10 @@
       </p:sp>
       <p:sp>
         <p:nvSpPr>
-          <p:cNvPr id="7" name="Footer Placeholder 7">
+          <p:cNvPr id="2" name="Footer Placeholder 7">
             <a:extLst>
               <a:ext uri="{FF2B5EF4-FFF2-40B4-BE49-F238E27FC236}">
-                <a16:creationId xmlns:a16="http://schemas.microsoft.com/office/drawing/2014/main" id="{B8317A93-4236-4165-975C-EC32335B8B62}"/>
+                <a16:creationId xmlns:a16="http://schemas.microsoft.com/office/drawing/2014/main" id="{E9A3BA91-A5A7-BC93-CBDC-BC31061B345A}"/>
               </a:ext>
             </a:extLst>
           </p:cNvPr>
@@ -971,8 +981,8 @@
         </p:nvSpPr>
         <p:spPr>
           <a:xfrm>
-            <a:off x="-1" y="8847000"/>
-            <a:ext cx="6488999" cy="297000"/>
+            <a:off x="-1" y="8892000"/>
+            <a:ext cx="6488999" cy="252000"/>
           </a:xfrm>
           <a:prstGeom prst="rect">
             <a:avLst/>
@@ -987,26 +997,31 @@
           </a:lstStyle>
           <a:p>
             <a:r>
-              <a:rPr lang="en-US" dirty="0"/>
-              <a:t>© SoftUni – </a:t>
-            </a:r>
-            <a:r>
-              <a:rPr lang="en-US" u="sng" dirty="0">
+              <a:rPr lang="bg-BG" sz="1100" dirty="0"/>
+              <a:t>Работна група </a:t>
+            </a:r>
+            <a:r>
+              <a:rPr lang="bg-BG" dirty="0"/>
+              <a:t>"Образование по програмиране и ИТ"</a:t>
+            </a:r>
+            <a:r>
+              <a:rPr lang="bg-BG" sz="1100" dirty="0"/>
+              <a:t>, с подкрепата на </a:t>
+            </a:r>
+            <a:r>
+              <a:rPr lang="en-US" sz="1100" dirty="0">
                 <a:hlinkClick r:id="rId3"/>
               </a:rPr>
-              <a:t>https://softuni.org</a:t>
-            </a:r>
-            <a:r>
-              <a:rPr lang="en-US" dirty="0"/>
-              <a:t>. Copyrighted document. Unauthorized copy or reproduction is not permitted.</a:t>
-            </a:r>
+              <a:t>SoftUni</a:t>
+            </a:r>
+            <a:endParaRPr lang="en-US" sz="1100" dirty="0"/>
           </a:p>
         </p:txBody>
       </p:sp>
     </p:spTree>
     <p:extLst>
       <p:ext uri="{BB962C8B-B14F-4D97-AF65-F5344CB8AC3E}">
-        <p14:creationId xmlns:p14="http://schemas.microsoft.com/office/powerpoint/2010/main" val="3050685792"/>
+        <p14:creationId xmlns:p14="http://schemas.microsoft.com/office/powerpoint/2010/main" val="1627544472"/>
       </p:ext>
     </p:extLst>
   </p:cSld>
@@ -1196,10 +1211,10 @@
       </p:sp>
       <p:sp>
         <p:nvSpPr>
-          <p:cNvPr id="8" name="Footer Placeholder 7">
+          <p:cNvPr id="4" name="Footer Placeholder 7">
             <a:extLst>
               <a:ext uri="{FF2B5EF4-FFF2-40B4-BE49-F238E27FC236}">
-                <a16:creationId xmlns:a16="http://schemas.microsoft.com/office/drawing/2014/main" id="{026E9044-F5B1-42C9-BDC5-82143B78443A}"/>
+                <a16:creationId xmlns:a16="http://schemas.microsoft.com/office/drawing/2014/main" id="{E8E2B0D9-1543-5B0F-F39D-B3858A399104}"/>
               </a:ext>
             </a:extLst>
           </p:cNvPr>
@@ -1212,8 +1227,8 @@
         </p:nvSpPr>
         <p:spPr>
           <a:xfrm>
-            <a:off x="-1" y="8847000"/>
-            <a:ext cx="6488999" cy="297000"/>
+            <a:off x="-1" y="8892000"/>
+            <a:ext cx="6488999" cy="252000"/>
           </a:xfrm>
           <a:prstGeom prst="rect">
             <a:avLst/>
@@ -1228,26 +1243,31 @@
           </a:lstStyle>
           <a:p>
             <a:r>
-              <a:rPr lang="en-US" dirty="0"/>
-              <a:t>© SoftUni – </a:t>
-            </a:r>
-            <a:r>
-              <a:rPr lang="en-US" u="sng" dirty="0">
+              <a:rPr lang="bg-BG" sz="1100" dirty="0"/>
+              <a:t>Работна група </a:t>
+            </a:r>
+            <a:r>
+              <a:rPr lang="bg-BG" dirty="0"/>
+              <a:t>"Образование по програмиране и ИТ"</a:t>
+            </a:r>
+            <a:r>
+              <a:rPr lang="bg-BG" sz="1100" dirty="0"/>
+              <a:t>, с подкрепата на </a:t>
+            </a:r>
+            <a:r>
+              <a:rPr lang="en-US" sz="1100" dirty="0">
                 <a:hlinkClick r:id="rId3"/>
               </a:rPr>
-              <a:t>https://softuni.org</a:t>
-            </a:r>
-            <a:r>
-              <a:rPr lang="en-US" dirty="0"/>
-              <a:t>. Copyrighted document. Unauthorized copy or reproduction is not permitted.</a:t>
-            </a:r>
+              <a:t>SoftUni</a:t>
+            </a:r>
+            <a:endParaRPr lang="en-US" sz="1100" dirty="0"/>
           </a:p>
         </p:txBody>
       </p:sp>
     </p:spTree>
     <p:extLst>
       <p:ext uri="{BB962C8B-B14F-4D97-AF65-F5344CB8AC3E}">
-        <p14:creationId xmlns:p14="http://schemas.microsoft.com/office/powerpoint/2010/main" val="1567951630"/>
+        <p14:creationId xmlns:p14="http://schemas.microsoft.com/office/powerpoint/2010/main" val="1029988568"/>
       </p:ext>
     </p:extLst>
   </p:cSld>
@@ -1437,10 +1457,10 @@
       </p:sp>
       <p:sp>
         <p:nvSpPr>
-          <p:cNvPr id="6" name="Footer Placeholder 7">
+          <p:cNvPr id="5" name="Footer Placeholder 7">
             <a:extLst>
               <a:ext uri="{FF2B5EF4-FFF2-40B4-BE49-F238E27FC236}">
-                <a16:creationId xmlns:a16="http://schemas.microsoft.com/office/drawing/2014/main" id="{CE096257-DAD8-4812-B9B0-A70C1C755724}"/>
+                <a16:creationId xmlns:a16="http://schemas.microsoft.com/office/drawing/2014/main" id="{6E19FEBA-37B7-C5E8-E748-11503C0BD1B1}"/>
               </a:ext>
             </a:extLst>
           </p:cNvPr>
@@ -1453,8 +1473,8 @@
         </p:nvSpPr>
         <p:spPr>
           <a:xfrm>
-            <a:off x="-1" y="8847000"/>
-            <a:ext cx="6488999" cy="297000"/>
+            <a:off x="-1" y="8892000"/>
+            <a:ext cx="6488999" cy="252000"/>
           </a:xfrm>
           <a:prstGeom prst="rect">
             <a:avLst/>
@@ -1469,26 +1489,31 @@
           </a:lstStyle>
           <a:p>
             <a:r>
-              <a:rPr lang="en-US" dirty="0"/>
-              <a:t>© SoftUni – </a:t>
-            </a:r>
-            <a:r>
-              <a:rPr lang="en-US" u="sng" dirty="0">
+              <a:rPr lang="bg-BG" sz="1100" dirty="0"/>
+              <a:t>Работна група </a:t>
+            </a:r>
+            <a:r>
+              <a:rPr lang="bg-BG" dirty="0"/>
+              <a:t>"Образование по програмиране и ИТ"</a:t>
+            </a:r>
+            <a:r>
+              <a:rPr lang="bg-BG" sz="1100" dirty="0"/>
+              <a:t>, с подкрепата на </a:t>
+            </a:r>
+            <a:r>
+              <a:rPr lang="en-US" sz="1100" dirty="0">
                 <a:hlinkClick r:id="rId3"/>
               </a:rPr>
-              <a:t>https://softuni.org</a:t>
-            </a:r>
-            <a:r>
-              <a:rPr lang="en-US" dirty="0"/>
-              <a:t>. Copyrighted document. Unauthorized copy or reproduction is not permitted.</a:t>
-            </a:r>
+              <a:t>SoftUni</a:t>
+            </a:r>
+            <a:endParaRPr lang="en-US" sz="1100" dirty="0"/>
           </a:p>
         </p:txBody>
       </p:sp>
     </p:spTree>
     <p:extLst>
       <p:ext uri="{BB962C8B-B14F-4D97-AF65-F5344CB8AC3E}">
-        <p14:creationId xmlns:p14="http://schemas.microsoft.com/office/powerpoint/2010/main" val="2581171396"/>
+        <p14:creationId xmlns:p14="http://schemas.microsoft.com/office/powerpoint/2010/main" val="1057473093"/>
       </p:ext>
     </p:extLst>
   </p:cSld>
@@ -1542,7 +1567,7 @@
           <a:bodyPr/>
           <a:lstStyle/>
           <a:p>
-            <a:endParaRPr lang="en-US" dirty="0"/>
+            <a:endParaRPr lang="en-US"/>
           </a:p>
         </p:txBody>
       </p:sp>
@@ -1678,10 +1703,10 @@
       </p:sp>
       <p:sp>
         <p:nvSpPr>
-          <p:cNvPr id="7" name="Footer Placeholder 7">
+          <p:cNvPr id="5" name="Footer Placeholder 7">
             <a:extLst>
               <a:ext uri="{FF2B5EF4-FFF2-40B4-BE49-F238E27FC236}">
-                <a16:creationId xmlns:a16="http://schemas.microsoft.com/office/drawing/2014/main" id="{49C90EBE-CAA3-4906-8687-C346596106AB}"/>
+                <a16:creationId xmlns:a16="http://schemas.microsoft.com/office/drawing/2014/main" id="{1B8C56E0-ACAB-D4DC-8C4F-8F63F8B8AD83}"/>
               </a:ext>
             </a:extLst>
           </p:cNvPr>
@@ -1694,8 +1719,8 @@
         </p:nvSpPr>
         <p:spPr>
           <a:xfrm>
-            <a:off x="-1" y="8847000"/>
-            <a:ext cx="6488999" cy="297000"/>
+            <a:off x="-1" y="8892000"/>
+            <a:ext cx="6488999" cy="252000"/>
           </a:xfrm>
           <a:prstGeom prst="rect">
             <a:avLst/>
@@ -1710,26 +1735,31 @@
           </a:lstStyle>
           <a:p>
             <a:r>
-              <a:rPr lang="en-US" dirty="0"/>
-              <a:t>© SoftUni – </a:t>
-            </a:r>
-            <a:r>
-              <a:rPr lang="en-US" u="sng" dirty="0">
+              <a:rPr lang="bg-BG" sz="1100" dirty="0"/>
+              <a:t>Работна група </a:t>
+            </a:r>
+            <a:r>
+              <a:rPr lang="bg-BG" dirty="0"/>
+              <a:t>"Образование по програмиране и ИТ"</a:t>
+            </a:r>
+            <a:r>
+              <a:rPr lang="bg-BG" sz="1100" dirty="0"/>
+              <a:t>, с подкрепата на </a:t>
+            </a:r>
+            <a:r>
+              <a:rPr lang="en-US" sz="1100" dirty="0">
                 <a:hlinkClick r:id="rId3"/>
               </a:rPr>
-              <a:t>https://softuni.org</a:t>
-            </a:r>
-            <a:r>
-              <a:rPr lang="en-US" dirty="0"/>
-              <a:t>. Copyrighted document. Unauthorized copy or reproduction is not permitted.</a:t>
-            </a:r>
+              <a:t>SoftUni</a:t>
+            </a:r>
+            <a:endParaRPr lang="en-US" sz="1100" dirty="0"/>
           </a:p>
         </p:txBody>
       </p:sp>
     </p:spTree>
     <p:extLst>
       <p:ext uri="{BB962C8B-B14F-4D97-AF65-F5344CB8AC3E}">
-        <p14:creationId xmlns:p14="http://schemas.microsoft.com/office/powerpoint/2010/main" val="1782800119"/>
+        <p14:creationId xmlns:p14="http://schemas.microsoft.com/office/powerpoint/2010/main" val="3406123573"/>
       </p:ext>
     </p:extLst>
   </p:cSld>
@@ -1829,10 +1859,10 @@
       </p:sp>
       <p:sp>
         <p:nvSpPr>
-          <p:cNvPr id="6" name="Footer Placeholder 7">
+          <p:cNvPr id="5" name="Footer Placeholder 7">
             <a:extLst>
               <a:ext uri="{FF2B5EF4-FFF2-40B4-BE49-F238E27FC236}">
-                <a16:creationId xmlns:a16="http://schemas.microsoft.com/office/drawing/2014/main" id="{65015421-18D0-4E00-8EF3-8BEB3084C356}"/>
+                <a16:creationId xmlns:a16="http://schemas.microsoft.com/office/drawing/2014/main" id="{0E6A850B-DF1C-9E79-93AA-A3C1003ECCE9}"/>
               </a:ext>
             </a:extLst>
           </p:cNvPr>
@@ -1845,8 +1875,8 @@
         </p:nvSpPr>
         <p:spPr>
           <a:xfrm>
-            <a:off x="-1" y="8847000"/>
-            <a:ext cx="6488999" cy="297000"/>
+            <a:off x="-1" y="8892000"/>
+            <a:ext cx="6488999" cy="252000"/>
           </a:xfrm>
           <a:prstGeom prst="rect">
             <a:avLst/>
@@ -1861,26 +1891,31 @@
           </a:lstStyle>
           <a:p>
             <a:r>
-              <a:rPr lang="en-US" dirty="0"/>
-              <a:t>© SoftUni – </a:t>
-            </a:r>
-            <a:r>
-              <a:rPr lang="en-US" u="sng" dirty="0">
+              <a:rPr lang="bg-BG" sz="1100" dirty="0"/>
+              <a:t>Работна група </a:t>
+            </a:r>
+            <a:r>
+              <a:rPr lang="bg-BG" dirty="0"/>
+              <a:t>"Образование по програмиране и ИТ"</a:t>
+            </a:r>
+            <a:r>
+              <a:rPr lang="bg-BG" sz="1100" dirty="0"/>
+              <a:t>, с подкрепата на </a:t>
+            </a:r>
+            <a:r>
+              <a:rPr lang="en-US" sz="1100" dirty="0">
                 <a:hlinkClick r:id="rId3"/>
               </a:rPr>
-              <a:t>https://softuni.org</a:t>
-            </a:r>
-            <a:r>
-              <a:rPr lang="en-US" dirty="0"/>
-              <a:t>. Copyrighted document. Unauthorized copy or reproduction is not permitted.</a:t>
-            </a:r>
+              <a:t>SoftUni</a:t>
+            </a:r>
+            <a:endParaRPr lang="en-US" sz="1100" dirty="0"/>
           </a:p>
         </p:txBody>
       </p:sp>
     </p:spTree>
     <p:extLst>
       <p:ext uri="{BB962C8B-B14F-4D97-AF65-F5344CB8AC3E}">
-        <p14:creationId xmlns:p14="http://schemas.microsoft.com/office/powerpoint/2010/main" val="4264333933"/>
+        <p14:creationId xmlns:p14="http://schemas.microsoft.com/office/powerpoint/2010/main" val="4283195605"/>
       </p:ext>
     </p:extLst>
   </p:cSld>
@@ -1967,10 +2002,10 @@
       </p:sp>
       <p:sp>
         <p:nvSpPr>
-          <p:cNvPr id="7" name="Footer Placeholder 7">
+          <p:cNvPr id="5" name="Footer Placeholder 7">
             <a:extLst>
               <a:ext uri="{FF2B5EF4-FFF2-40B4-BE49-F238E27FC236}">
-                <a16:creationId xmlns:a16="http://schemas.microsoft.com/office/drawing/2014/main" id="{BC6255EA-4573-4211-AC02-6DC8B7047AB7}"/>
+                <a16:creationId xmlns:a16="http://schemas.microsoft.com/office/drawing/2014/main" id="{15C46D0B-5B88-B819-515D-2A0145ECEB9E}"/>
               </a:ext>
             </a:extLst>
           </p:cNvPr>
@@ -1983,8 +2018,8 @@
         </p:nvSpPr>
         <p:spPr>
           <a:xfrm>
-            <a:off x="-1" y="8847000"/>
-            <a:ext cx="6488999" cy="297000"/>
+            <a:off x="-1" y="8892000"/>
+            <a:ext cx="6488999" cy="252000"/>
           </a:xfrm>
           <a:prstGeom prst="rect">
             <a:avLst/>
@@ -1999,26 +2034,31 @@
           </a:lstStyle>
           <a:p>
             <a:r>
-              <a:rPr lang="en-US" dirty="0"/>
-              <a:t>© SoftUni – </a:t>
-            </a:r>
-            <a:r>
-              <a:rPr lang="en-US" u="sng" dirty="0">
+              <a:rPr lang="bg-BG" sz="1100" dirty="0"/>
+              <a:t>Работна група </a:t>
+            </a:r>
+            <a:r>
+              <a:rPr lang="bg-BG" dirty="0"/>
+              <a:t>"Образование по програмиране и ИТ"</a:t>
+            </a:r>
+            <a:r>
+              <a:rPr lang="bg-BG" sz="1100" dirty="0"/>
+              <a:t>, с подкрепата на </a:t>
+            </a:r>
+            <a:r>
+              <a:rPr lang="en-US" sz="1100" dirty="0">
                 <a:hlinkClick r:id="rId3"/>
               </a:rPr>
-              <a:t>https://softuni.org</a:t>
-            </a:r>
-            <a:r>
-              <a:rPr lang="en-US" dirty="0"/>
-              <a:t>. Copyrighted document. Unauthorized copy or reproduction is not permitted.</a:t>
-            </a:r>
+              <a:t>SoftUni</a:t>
+            </a:r>
+            <a:endParaRPr lang="en-US" sz="1100" dirty="0"/>
           </a:p>
         </p:txBody>
       </p:sp>
     </p:spTree>
     <p:extLst>
       <p:ext uri="{BB962C8B-B14F-4D97-AF65-F5344CB8AC3E}">
-        <p14:creationId xmlns:p14="http://schemas.microsoft.com/office/powerpoint/2010/main" val="246447162"/>
+        <p14:creationId xmlns:p14="http://schemas.microsoft.com/office/powerpoint/2010/main" val="3576830917"/>
       </p:ext>
     </p:extLst>
   </p:cSld>
@@ -2118,10 +2158,10 @@
       </p:sp>
       <p:sp>
         <p:nvSpPr>
-          <p:cNvPr id="6" name="Footer Placeholder 7">
+          <p:cNvPr id="5" name="Footer Placeholder 7">
             <a:extLst>
               <a:ext uri="{FF2B5EF4-FFF2-40B4-BE49-F238E27FC236}">
-                <a16:creationId xmlns:a16="http://schemas.microsoft.com/office/drawing/2014/main" id="{65015421-18D0-4E00-8EF3-8BEB3084C356}"/>
+                <a16:creationId xmlns:a16="http://schemas.microsoft.com/office/drawing/2014/main" id="{667D7C39-D8D8-E734-8F3A-627B40F524FE}"/>
               </a:ext>
             </a:extLst>
           </p:cNvPr>
@@ -2134,8 +2174,8 @@
         </p:nvSpPr>
         <p:spPr>
           <a:xfrm>
-            <a:off x="-1" y="8847000"/>
-            <a:ext cx="6488999" cy="297000"/>
+            <a:off x="-1" y="8892000"/>
+            <a:ext cx="6488999" cy="252000"/>
           </a:xfrm>
           <a:prstGeom prst="rect">
             <a:avLst/>
@@ -2150,26 +2190,31 @@
           </a:lstStyle>
           <a:p>
             <a:r>
-              <a:rPr lang="en-US" dirty="0"/>
-              <a:t>© SoftUni – </a:t>
-            </a:r>
-            <a:r>
-              <a:rPr lang="en-US" u="sng" dirty="0">
+              <a:rPr lang="bg-BG" sz="1100" dirty="0"/>
+              <a:t>Работна група </a:t>
+            </a:r>
+            <a:r>
+              <a:rPr lang="bg-BG" dirty="0"/>
+              <a:t>"Образование по програмиране и ИТ"</a:t>
+            </a:r>
+            <a:r>
+              <a:rPr lang="bg-BG" sz="1100" dirty="0"/>
+              <a:t>, с подкрепата на </a:t>
+            </a:r>
+            <a:r>
+              <a:rPr lang="en-US" sz="1100" dirty="0">
                 <a:hlinkClick r:id="rId3"/>
               </a:rPr>
-              <a:t>https://softuni.org</a:t>
-            </a:r>
-            <a:r>
-              <a:rPr lang="en-US" dirty="0"/>
-              <a:t>. Copyrighted document. Unauthorized copy or reproduction is not permitted.</a:t>
-            </a:r>
+              <a:t>SoftUni</a:t>
+            </a:r>
+            <a:endParaRPr lang="en-US" sz="1100" dirty="0"/>
           </a:p>
         </p:txBody>
       </p:sp>
     </p:spTree>
     <p:extLst>
       <p:ext uri="{BB962C8B-B14F-4D97-AF65-F5344CB8AC3E}">
-        <p14:creationId xmlns:p14="http://schemas.microsoft.com/office/powerpoint/2010/main" val="2539007307"/>
+        <p14:creationId xmlns:p14="http://schemas.microsoft.com/office/powerpoint/2010/main" val="4284384154"/>
       </p:ext>
     </p:extLst>
   </p:cSld>
@@ -2252,10 +2297,10 @@
       </p:sp>
       <p:sp>
         <p:nvSpPr>
-          <p:cNvPr id="6" name="Footer Placeholder 7">
+          <p:cNvPr id="5" name="Footer Placeholder 7">
             <a:extLst>
               <a:ext uri="{FF2B5EF4-FFF2-40B4-BE49-F238E27FC236}">
-                <a16:creationId xmlns:a16="http://schemas.microsoft.com/office/drawing/2014/main" id="{830F0B43-AD0D-4CA4-8058-D3DB721E98C7}"/>
+                <a16:creationId xmlns:a16="http://schemas.microsoft.com/office/drawing/2014/main" id="{5C01AA77-9D9E-3062-8220-5439D14E07A0}"/>
               </a:ext>
             </a:extLst>
           </p:cNvPr>
@@ -2268,8 +2313,8 @@
         </p:nvSpPr>
         <p:spPr>
           <a:xfrm>
-            <a:off x="-1" y="8847000"/>
-            <a:ext cx="6488999" cy="297000"/>
+            <a:off x="-1" y="8892000"/>
+            <a:ext cx="6488999" cy="252000"/>
           </a:xfrm>
           <a:prstGeom prst="rect">
             <a:avLst/>
@@ -2284,26 +2329,31 @@
           </a:lstStyle>
           <a:p>
             <a:r>
-              <a:rPr lang="en-US" dirty="0"/>
-              <a:t>© SoftUni – </a:t>
-            </a:r>
-            <a:r>
-              <a:rPr lang="en-US" u="sng" dirty="0">
+              <a:rPr lang="bg-BG" sz="1100" dirty="0"/>
+              <a:t>Работна група </a:t>
+            </a:r>
+            <a:r>
+              <a:rPr lang="bg-BG" dirty="0"/>
+              <a:t>"Образование по програмиране и ИТ"</a:t>
+            </a:r>
+            <a:r>
+              <a:rPr lang="bg-BG" sz="1100" dirty="0"/>
+              <a:t>, с подкрепата на </a:t>
+            </a:r>
+            <a:r>
+              <a:rPr lang="en-US" sz="1100" dirty="0">
                 <a:hlinkClick r:id="rId3"/>
               </a:rPr>
-              <a:t>https://softuni.org</a:t>
-            </a:r>
-            <a:r>
-              <a:rPr lang="en-US" dirty="0"/>
-              <a:t>. Copyrighted document. Unauthorized copy or reproduction is not permitted.</a:t>
-            </a:r>
+              <a:t>SoftUni</a:t>
+            </a:r>
+            <a:endParaRPr lang="en-US" sz="1100" dirty="0"/>
           </a:p>
         </p:txBody>
       </p:sp>
     </p:spTree>
     <p:extLst>
       <p:ext uri="{BB962C8B-B14F-4D97-AF65-F5344CB8AC3E}">
-        <p14:creationId xmlns:p14="http://schemas.microsoft.com/office/powerpoint/2010/main" val="2911331773"/>
+        <p14:creationId xmlns:p14="http://schemas.microsoft.com/office/powerpoint/2010/main" val="1974252763"/>
       </p:ext>
     </p:extLst>
   </p:cSld>
@@ -2386,10 +2436,10 @@
       </p:sp>
       <p:sp>
         <p:nvSpPr>
-          <p:cNvPr id="6" name="Footer Placeholder 7">
+          <p:cNvPr id="5" name="Footer Placeholder 7">
             <a:extLst>
               <a:ext uri="{FF2B5EF4-FFF2-40B4-BE49-F238E27FC236}">
-                <a16:creationId xmlns:a16="http://schemas.microsoft.com/office/drawing/2014/main" id="{82C38461-6F0A-4A86-8948-17CFD917A260}"/>
+                <a16:creationId xmlns:a16="http://schemas.microsoft.com/office/drawing/2014/main" id="{A7BF5F79-A11D-6C7E-25D8-E82CBC231815}"/>
               </a:ext>
             </a:extLst>
           </p:cNvPr>
@@ -2402,8 +2452,8 @@
         </p:nvSpPr>
         <p:spPr>
           <a:xfrm>
-            <a:off x="-1" y="8847000"/>
-            <a:ext cx="6488999" cy="297000"/>
+            <a:off x="-1" y="8892000"/>
+            <a:ext cx="6488999" cy="252000"/>
           </a:xfrm>
           <a:prstGeom prst="rect">
             <a:avLst/>
@@ -2418,26 +2468,31 @@
           </a:lstStyle>
           <a:p>
             <a:r>
-              <a:rPr lang="en-US" dirty="0"/>
-              <a:t>© SoftUni – </a:t>
-            </a:r>
-            <a:r>
-              <a:rPr lang="en-US" u="sng" dirty="0">
+              <a:rPr lang="bg-BG" sz="1100" dirty="0"/>
+              <a:t>Работна група </a:t>
+            </a:r>
+            <a:r>
+              <a:rPr lang="bg-BG" dirty="0"/>
+              <a:t>"Образование по програмиране и ИТ"</a:t>
+            </a:r>
+            <a:r>
+              <a:rPr lang="bg-BG" sz="1100" dirty="0"/>
+              <a:t>, с подкрепата на </a:t>
+            </a:r>
+            <a:r>
+              <a:rPr lang="en-US" sz="1100" dirty="0">
                 <a:hlinkClick r:id="rId3"/>
               </a:rPr>
-              <a:t>https://softuni.org</a:t>
-            </a:r>
-            <a:r>
-              <a:rPr lang="en-US" dirty="0"/>
-              <a:t>. Copyrighted document. Unauthorized copy or reproduction is not permitted.</a:t>
-            </a:r>
+              <a:t>SoftUni</a:t>
+            </a:r>
+            <a:endParaRPr lang="en-US" sz="1100" dirty="0"/>
           </a:p>
         </p:txBody>
       </p:sp>
     </p:spTree>
     <p:extLst>
       <p:ext uri="{BB962C8B-B14F-4D97-AF65-F5344CB8AC3E}">
-        <p14:creationId xmlns:p14="http://schemas.microsoft.com/office/powerpoint/2010/main" val="1624580186"/>
+        <p14:creationId xmlns:p14="http://schemas.microsoft.com/office/powerpoint/2010/main" val="899517095"/>
       </p:ext>
     </p:extLst>
   </p:cSld>
@@ -2521,10 +2576,10 @@
       </p:sp>
       <p:sp>
         <p:nvSpPr>
-          <p:cNvPr id="7" name="Footer Placeholder 7">
+          <p:cNvPr id="4" name="Footer Placeholder 7">
             <a:extLst>
               <a:ext uri="{FF2B5EF4-FFF2-40B4-BE49-F238E27FC236}">
-                <a16:creationId xmlns:a16="http://schemas.microsoft.com/office/drawing/2014/main" id="{95DED814-03B0-469D-9276-50868068521B}"/>
+                <a16:creationId xmlns:a16="http://schemas.microsoft.com/office/drawing/2014/main" id="{E05F5BC3-D2C3-9411-5954-F2F871A33A38}"/>
               </a:ext>
             </a:extLst>
           </p:cNvPr>
@@ -2537,8 +2592,8 @@
         </p:nvSpPr>
         <p:spPr>
           <a:xfrm>
-            <a:off x="-1" y="8847000"/>
-            <a:ext cx="6488999" cy="297000"/>
+            <a:off x="-1" y="8892000"/>
+            <a:ext cx="6488999" cy="252000"/>
           </a:xfrm>
           <a:prstGeom prst="rect">
             <a:avLst/>
@@ -2553,26 +2608,31 @@
           </a:lstStyle>
           <a:p>
             <a:r>
-              <a:rPr lang="en-US" dirty="0"/>
-              <a:t>© SoftUni – </a:t>
-            </a:r>
-            <a:r>
-              <a:rPr lang="en-US" u="sng" dirty="0">
+              <a:rPr lang="bg-BG" sz="1100" dirty="0"/>
+              <a:t>Работна група </a:t>
+            </a:r>
+            <a:r>
+              <a:rPr lang="bg-BG" dirty="0"/>
+              <a:t>"Образование по програмиране и ИТ"</a:t>
+            </a:r>
+            <a:r>
+              <a:rPr lang="bg-BG" sz="1100" dirty="0"/>
+              <a:t>, с подкрепата на </a:t>
+            </a:r>
+            <a:r>
+              <a:rPr lang="en-US" sz="1100" dirty="0">
                 <a:hlinkClick r:id="rId3"/>
               </a:rPr>
-              <a:t>https://softuni.org</a:t>
-            </a:r>
-            <a:r>
-              <a:rPr lang="en-US" dirty="0"/>
-              <a:t>. Copyrighted document. Unauthorized copy or reproduction is not permitted.</a:t>
-            </a:r>
+              <a:t>SoftUni</a:t>
+            </a:r>
+            <a:endParaRPr lang="en-US" sz="1100" dirty="0"/>
           </a:p>
         </p:txBody>
       </p:sp>
     </p:spTree>
     <p:extLst>
       <p:ext uri="{BB962C8B-B14F-4D97-AF65-F5344CB8AC3E}">
-        <p14:creationId xmlns:p14="http://schemas.microsoft.com/office/powerpoint/2010/main" val="3859287203"/>
+        <p14:creationId xmlns:p14="http://schemas.microsoft.com/office/powerpoint/2010/main" val="3493904199"/>
       </p:ext>
     </p:extLst>
   </p:cSld>
@@ -2656,10 +2716,10 @@
       </p:sp>
       <p:sp>
         <p:nvSpPr>
-          <p:cNvPr id="7" name="Footer Placeholder 7">
+          <p:cNvPr id="4" name="Footer Placeholder 7">
             <a:extLst>
               <a:ext uri="{FF2B5EF4-FFF2-40B4-BE49-F238E27FC236}">
-                <a16:creationId xmlns:a16="http://schemas.microsoft.com/office/drawing/2014/main" id="{F6413999-2AFC-48E4-AEB7-5F5999897C8D}"/>
+                <a16:creationId xmlns:a16="http://schemas.microsoft.com/office/drawing/2014/main" id="{30FFB1C9-9F78-3331-232B-D72DCFC94EED}"/>
               </a:ext>
             </a:extLst>
           </p:cNvPr>
@@ -2672,8 +2732,8 @@
         </p:nvSpPr>
         <p:spPr>
           <a:xfrm>
-            <a:off x="-1" y="8847000"/>
-            <a:ext cx="6488999" cy="297000"/>
+            <a:off x="-1" y="8892000"/>
+            <a:ext cx="6488999" cy="252000"/>
           </a:xfrm>
           <a:prstGeom prst="rect">
             <a:avLst/>
@@ -2688,26 +2748,31 @@
           </a:lstStyle>
           <a:p>
             <a:r>
-              <a:rPr lang="en-US" dirty="0"/>
-              <a:t>© SoftUni – </a:t>
-            </a:r>
-            <a:r>
-              <a:rPr lang="en-US" u="sng" dirty="0">
+              <a:rPr lang="bg-BG" sz="1100" dirty="0"/>
+              <a:t>Работна група </a:t>
+            </a:r>
+            <a:r>
+              <a:rPr lang="bg-BG" dirty="0"/>
+              <a:t>"Образование по програмиране и ИТ"</a:t>
+            </a:r>
+            <a:r>
+              <a:rPr lang="bg-BG" sz="1100" dirty="0"/>
+              <a:t>, с подкрепата на </a:t>
+            </a:r>
+            <a:r>
+              <a:rPr lang="en-US" sz="1100" dirty="0">
                 <a:hlinkClick r:id="rId3"/>
               </a:rPr>
-              <a:t>https://softuni.org</a:t>
-            </a:r>
-            <a:r>
-              <a:rPr lang="en-US" dirty="0"/>
-              <a:t>. Copyrighted document. Unauthorized copy or reproduction is not permitted.</a:t>
-            </a:r>
+              <a:t>SoftUni</a:t>
+            </a:r>
+            <a:endParaRPr lang="en-US" sz="1100" dirty="0"/>
           </a:p>
         </p:txBody>
       </p:sp>
     </p:spTree>
     <p:extLst>
       <p:ext uri="{BB962C8B-B14F-4D97-AF65-F5344CB8AC3E}">
-        <p14:creationId xmlns:p14="http://schemas.microsoft.com/office/powerpoint/2010/main" val="3539933565"/>
+        <p14:creationId xmlns:p14="http://schemas.microsoft.com/office/powerpoint/2010/main" val="463266048"/>
       </p:ext>
     </p:extLst>
   </p:cSld>
@@ -2791,10 +2856,10 @@
       </p:sp>
       <p:sp>
         <p:nvSpPr>
-          <p:cNvPr id="7" name="Footer Placeholder 7">
+          <p:cNvPr id="4" name="Footer Placeholder 7">
             <a:extLst>
               <a:ext uri="{FF2B5EF4-FFF2-40B4-BE49-F238E27FC236}">
-                <a16:creationId xmlns:a16="http://schemas.microsoft.com/office/drawing/2014/main" id="{64F26C07-D324-40D8-861A-F604A849B626}"/>
+                <a16:creationId xmlns:a16="http://schemas.microsoft.com/office/drawing/2014/main" id="{862A1F1D-7ED9-D16D-298C-B6B842A34D69}"/>
               </a:ext>
             </a:extLst>
           </p:cNvPr>
@@ -2807,8 +2872,8 @@
         </p:nvSpPr>
         <p:spPr>
           <a:xfrm>
-            <a:off x="-1" y="8847000"/>
-            <a:ext cx="6488999" cy="297000"/>
+            <a:off x="-1" y="8892000"/>
+            <a:ext cx="6488999" cy="252000"/>
           </a:xfrm>
           <a:prstGeom prst="rect">
             <a:avLst/>
@@ -2823,26 +2888,31 @@
           </a:lstStyle>
           <a:p>
             <a:r>
-              <a:rPr lang="en-US" dirty="0"/>
-              <a:t>© SoftUni – </a:t>
-            </a:r>
-            <a:r>
-              <a:rPr lang="en-US" u="sng" dirty="0">
+              <a:rPr lang="bg-BG" sz="1100" dirty="0"/>
+              <a:t>Работна група </a:t>
+            </a:r>
+            <a:r>
+              <a:rPr lang="bg-BG" dirty="0"/>
+              <a:t>"Образование по програмиране и ИТ"</a:t>
+            </a:r>
+            <a:r>
+              <a:rPr lang="bg-BG" sz="1100" dirty="0"/>
+              <a:t>, с подкрепата на </a:t>
+            </a:r>
+            <a:r>
+              <a:rPr lang="en-US" sz="1100" dirty="0">
                 <a:hlinkClick r:id="rId3"/>
               </a:rPr>
-              <a:t>https://softuni.org</a:t>
-            </a:r>
-            <a:r>
-              <a:rPr lang="en-US" dirty="0"/>
-              <a:t>. Copyrighted document. Unauthorized copy or reproduction is not permitted.</a:t>
-            </a:r>
+              <a:t>SoftUni</a:t>
+            </a:r>
+            <a:endParaRPr lang="en-US" sz="1100" dirty="0"/>
           </a:p>
         </p:txBody>
       </p:sp>
     </p:spTree>
     <p:extLst>
       <p:ext uri="{BB962C8B-B14F-4D97-AF65-F5344CB8AC3E}">
-        <p14:creationId xmlns:p14="http://schemas.microsoft.com/office/powerpoint/2010/main" val="3779406113"/>
+        <p14:creationId xmlns:p14="http://schemas.microsoft.com/office/powerpoint/2010/main" val="1126799788"/>
       </p:ext>
     </p:extLst>
   </p:cSld>
@@ -2853,7 +2923,7 @@
 </file>
 
 <file path=ppt/slideLayouts/slideLayout1.xml><?xml version="1.0" encoding="utf-8"?>
-<p:sldLayout xmlns:a="http://schemas.openxmlformats.org/drawingml/2006/main" xmlns:r="http://schemas.openxmlformats.org/officeDocument/2006/relationships" xmlns:p="http://schemas.openxmlformats.org/presentationml/2006/main" preserve="1">
+<p:sldLayout xmlns:a="http://schemas.openxmlformats.org/drawingml/2006/main" xmlns:r="http://schemas.openxmlformats.org/officeDocument/2006/relationships" xmlns:p="http://schemas.openxmlformats.org/presentationml/2006/main" preserve="1" userDrawn="1">
   <p:cSld name="Presentation Title Slide">
     <p:spTree>
       <p:nvGrpSpPr>
@@ -2879,7 +2949,7 @@
             </a:extLst>
           </p:cNvPr>
           <p:cNvSpPr/>
-          <p:nvPr/>
+          <p:nvPr userDrawn="1"/>
         </p:nvSpPr>
         <p:spPr>
           <a:xfrm>
@@ -2933,7 +3003,7 @@
               <a:tabLst/>
               <a:defRPr/>
             </a:pPr>
-            <a:endParaRPr kumimoji="0" lang="en-US" altLang="ko-KR" sz="2398" b="0" i="0" u="none" strike="noStrike" kern="1200" cap="none" spc="0" normalizeH="0" baseline="0" noProof="0" dirty="0">
+            <a:endParaRPr kumimoji="0" lang="en-US" altLang="ko-KR" sz="2398" b="0" i="0" u="none" strike="noStrike" kern="1200" cap="none" spc="0" normalizeH="0" baseline="0" noProof="0">
               <a:ln>
                 <a:noFill/>
               </a:ln>
@@ -2950,55 +3020,139 @@
           </a:p>
         </p:txBody>
       </p:sp>
-      <p:pic>
-        <p:nvPicPr>
-          <p:cNvPr id="14" name="Picture Logo SoftUni" descr="SoftUni logo">
+      <p:sp>
+        <p:nvSpPr>
+          <p:cNvPr id="33" name="Picture Placeholder Title Image">
             <a:extLst>
               <a:ext uri="{FF2B5EF4-FFF2-40B4-BE49-F238E27FC236}">
-                <a16:creationId xmlns:a16="http://schemas.microsoft.com/office/drawing/2014/main" id="{C4D6B2A2-DFF0-4712-BFEC-6676BEC99FEC}"/>
+                <a16:creationId xmlns:a16="http://schemas.microsoft.com/office/drawing/2014/main" id="{A04D819A-89E2-4714-8C56-1838BF467EF7}"/>
               </a:ext>
             </a:extLst>
           </p:cNvPr>
-          <p:cNvPicPr>
-            <a:picLocks noChangeAspect="1"/>
-          </p:cNvPicPr>
-          <p:nvPr userDrawn="1"/>
-        </p:nvPicPr>
-        <p:blipFill>
-          <a:blip r:embed="rId2">
-            <a:clrChange>
-              <a:clrFrom>
-                <a:srgbClr val="FFFFFF"/>
-              </a:clrFrom>
-              <a:clrTo>
-                <a:srgbClr val="FFFFFF">
-                  <a:alpha val="0"/>
-                </a:srgbClr>
-              </a:clrTo>
-            </a:clrChange>
+          <p:cNvSpPr>
+            <a:spLocks noGrp="1"/>
+          </p:cNvSpPr>
+          <p:nvPr>
+            <p:ph type="pic" sz="quarter" idx="10"/>
+          </p:nvPr>
+        </p:nvSpPr>
+        <p:spPr>
+          <a:xfrm>
+            <a:off x="6390123" y="3400017"/>
+            <a:ext cx="5248260" cy="2188983"/>
+          </a:xfrm>
+        </p:spPr>
+        <p:txBody>
+          <a:bodyPr/>
+          <a:lstStyle>
+            <a:lvl1pPr marL="0" indent="0" algn="ctr" latinLnBrk="0">
+              <a:buNone/>
+              <a:defRPr>
+                <a:solidFill>
+                  <a:schemeClr val="bg1"/>
+                </a:solidFill>
+              </a:defRPr>
+            </a:lvl1pPr>
+          </a:lstStyle>
+          <a:p>
+            <a:r>
+              <a:rPr lang="en-US" noProof="0" dirty="0"/>
+              <a:t>Click icon to add picture</a:t>
+            </a:r>
+          </a:p>
+        </p:txBody>
+      </p:sp>
+      <p:sp>
+        <p:nvSpPr>
+          <p:cNvPr id="10" name="Company Web Site">
             <a:extLst>
-              <a:ext uri="{28A0092B-C50C-407E-A947-70E740481C1C}">
-                <a14:useLocalDpi xmlns:a14="http://schemas.microsoft.com/office/drawing/2010/main" val="0"/>
+              <a:ext uri="{FF2B5EF4-FFF2-40B4-BE49-F238E27FC236}">
+                <a16:creationId xmlns:a16="http://schemas.microsoft.com/office/drawing/2014/main" id="{0B99B1EE-62FA-4AA4-920C-D444D6C0B778}"/>
               </a:ext>
             </a:extLst>
-          </a:blip>
-          <a:stretch>
-            <a:fillRect/>
-          </a:stretch>
-        </p:blipFill>
+          </p:cNvPr>
+          <p:cNvSpPr>
+            <a:spLocks noGrp="1"/>
+          </p:cNvSpPr>
+          <p:nvPr>
+            <p:ph type="body" sz="quarter" idx="22" hasCustomPrompt="1"/>
+          </p:nvPr>
+        </p:nvSpPr>
         <p:spPr>
           <a:xfrm>
-            <a:off x="4324460" y="5184000"/>
-            <a:ext cx="3751540" cy="1297655"/>
+            <a:off x="6390120" y="6086106"/>
+            <a:ext cx="5248260" cy="341313"/>
           </a:xfrm>
-          <a:prstGeom prst="rect">
-            <a:avLst/>
-          </a:prstGeom>
         </p:spPr>
-      </p:pic>
+        <p:txBody>
+          <a:bodyPr lIns="36000" rIns="36000" anchor="ctr" anchorCtr="0">
+            <a:noAutofit/>
+          </a:bodyPr>
+          <a:lstStyle>
+            <a:lvl1pPr marL="0" indent="0" algn="r">
+              <a:buNone/>
+              <a:defRPr sz="1800"/>
+            </a:lvl1pPr>
+          </a:lstStyle>
+          <a:p>
+            <a:pPr lvl="0"/>
+            <a:r>
+              <a:rPr lang="en-US" dirty="0"/>
+              <a:t>https://softuni.foundation  </a:t>
+            </a:r>
+          </a:p>
+        </p:txBody>
+      </p:sp>
       <p:sp>
         <p:nvSpPr>
-          <p:cNvPr id="31" name="Text Placeholder Company Site">
+          <p:cNvPr id="6" name="Company Name">
+            <a:extLst>
+              <a:ext uri="{FF2B5EF4-FFF2-40B4-BE49-F238E27FC236}">
+                <a16:creationId xmlns:a16="http://schemas.microsoft.com/office/drawing/2014/main" id="{2A76510A-0BAE-A827-E77C-BE88E38F52AA}"/>
+              </a:ext>
+            </a:extLst>
+          </p:cNvPr>
+          <p:cNvSpPr>
+            <a:spLocks noGrp="1"/>
+          </p:cNvSpPr>
+          <p:nvPr>
+            <p:ph type="body" sz="quarter" idx="21" hasCustomPrompt="1"/>
+          </p:nvPr>
+        </p:nvSpPr>
+        <p:spPr>
+          <a:xfrm>
+            <a:off x="6390122" y="5698189"/>
+            <a:ext cx="5248260" cy="374236"/>
+          </a:xfrm>
+        </p:spPr>
+        <p:txBody>
+          <a:bodyPr lIns="36000" rIns="36000" anchor="ctr" anchorCtr="0">
+            <a:normAutofit/>
+          </a:bodyPr>
+          <a:lstStyle>
+            <a:lvl1pPr marL="0" indent="0" algn="r">
+              <a:buNone/>
+              <a:defRPr sz="2000" b="1">
+                <a:solidFill>
+                  <a:schemeClr val="tx1">
+                    <a:lumMod val="75000"/>
+                  </a:schemeClr>
+                </a:solidFill>
+              </a:defRPr>
+            </a:lvl1pPr>
+          </a:lstStyle>
+          <a:p>
+            <a:pPr lvl="0"/>
+            <a:r>
+              <a:rPr lang="en-US" dirty="0"/>
+              <a:t>SoftUni Foundation</a:t>
+            </a:r>
+          </a:p>
+        </p:txBody>
+      </p:sp>
+      <p:sp>
+        <p:nvSpPr>
+          <p:cNvPr id="31" name="Author Position">
             <a:extLst>
               <a:ext uri="{FF2B5EF4-FFF2-40B4-BE49-F238E27FC236}">
                 <a16:creationId xmlns:a16="http://schemas.microsoft.com/office/drawing/2014/main" id="{3E6B87B7-9D33-4EBB-BD4F-C0436BA3FD72}"/>
@@ -3014,274 +3168,8 @@
         </p:nvSpPr>
         <p:spPr bwMode="auto">
           <a:xfrm>
-            <a:off x="8708505" y="6130863"/>
-            <a:ext cx="2951518" cy="341556"/>
-          </a:xfrm>
-          <a:prstGeom prst="rect">
-            <a:avLst/>
-          </a:prstGeom>
-          <a:noFill/>
-          <a:effectLst/>
-        </p:spPr>
-        <p:txBody>
-          <a:bodyPr wrap="square" lIns="36000" tIns="36000" rIns="36000" bIns="36000" rtlCol="0" anchor="ctr" anchorCtr="0">
-            <a:noAutofit/>
-          </a:bodyPr>
-          <a:lstStyle>
-            <a:lvl1pPr marL="0" indent="0" algn="r" rtl="0" fontAlgn="base" latinLnBrk="0">
-              <a:spcBef>
-                <a:spcPct val="0"/>
-              </a:spcBef>
-              <a:spcAft>
-                <a:spcPct val="0"/>
-              </a:spcAft>
-              <a:buNone/>
-              <a:defRPr lang="en-US" sz="1798" b="1" kern="1200" dirty="0" smtClean="0">
-                <a:solidFill>
-                  <a:schemeClr val="tx1">
-                    <a:lumMod val="75000"/>
-                  </a:schemeClr>
-                </a:solidFill>
-                <a:effectLst/>
-                <a:latin typeface="+mn-lt"/>
-                <a:ea typeface="+mn-ea"/>
-                <a:cs typeface="+mn-cs"/>
-              </a:defRPr>
-            </a:lvl1pPr>
-          </a:lstStyle>
-          <a:p>
-            <a:pPr lvl="0"/>
-            <a:r>
-              <a:rPr lang="en-US" noProof="0" dirty="0"/>
-              <a:t>Company Web Site</a:t>
-            </a:r>
-          </a:p>
-        </p:txBody>
-      </p:sp>
-      <p:sp>
-        <p:nvSpPr>
-          <p:cNvPr id="30" name="Text Placeholder Company Name">
-            <a:extLst>
-              <a:ext uri="{FF2B5EF4-FFF2-40B4-BE49-F238E27FC236}">
-                <a16:creationId xmlns:a16="http://schemas.microsoft.com/office/drawing/2014/main" id="{2EA92DCA-4DB5-4D03-ACD3-A6A296592D0C}"/>
-              </a:ext>
-            </a:extLst>
-          </p:cNvPr>
-          <p:cNvSpPr>
-            <a:spLocks noGrp="1"/>
-          </p:cNvSpPr>
-          <p:nvPr>
-            <p:ph type="body" sz="quarter" idx="17" hasCustomPrompt="1"/>
-          </p:nvPr>
-        </p:nvSpPr>
-        <p:spPr bwMode="auto">
-          <a:xfrm>
-            <a:off x="8708505" y="5756628"/>
-            <a:ext cx="2951518" cy="367080"/>
-          </a:xfrm>
-          <a:prstGeom prst="rect">
-            <a:avLst/>
-          </a:prstGeom>
-          <a:noFill/>
-          <a:effectLst/>
-        </p:spPr>
-        <p:txBody>
-          <a:bodyPr wrap="square" lIns="36000" tIns="36000" rIns="36000" bIns="36000" rtlCol="0" anchor="ctr" anchorCtr="0">
-            <a:noAutofit/>
-          </a:bodyPr>
-          <a:lstStyle>
-            <a:lvl1pPr marL="0" indent="0" algn="r" rtl="0" fontAlgn="base" latinLnBrk="0">
-              <a:spcBef>
-                <a:spcPct val="0"/>
-              </a:spcBef>
-              <a:spcAft>
-                <a:spcPct val="0"/>
-              </a:spcAft>
-              <a:buNone/>
-              <a:defRPr lang="en-US" sz="1998" b="1" kern="1200" dirty="0" smtClean="0">
-                <a:solidFill>
-                  <a:schemeClr val="tx1">
-                    <a:lumMod val="75000"/>
-                  </a:schemeClr>
-                </a:solidFill>
-                <a:effectLst/>
-                <a:latin typeface="+mn-lt"/>
-                <a:ea typeface="+mn-ea"/>
-                <a:cs typeface="+mn-cs"/>
-              </a:defRPr>
-            </a:lvl1pPr>
-          </a:lstStyle>
-          <a:p>
-            <a:pPr lvl="0"/>
-            <a:r>
-              <a:rPr lang="en-US" noProof="0" dirty="0"/>
-              <a:t>Company Name</a:t>
-            </a:r>
-          </a:p>
-        </p:txBody>
-      </p:sp>
-      <p:pic>
-        <p:nvPicPr>
-          <p:cNvPr id="35" name="Picture SoftUni Mascot" descr="SoftUni mascot">
-            <a:extLst>
-              <a:ext uri="{FF2B5EF4-FFF2-40B4-BE49-F238E27FC236}">
-                <a16:creationId xmlns:a16="http://schemas.microsoft.com/office/drawing/2014/main" id="{951E7DA9-C5F0-43D9-B013-3BDF9EEF029D}"/>
-              </a:ext>
-            </a:extLst>
-          </p:cNvPr>
-          <p:cNvPicPr>
-            <a:picLocks noChangeAspect="1"/>
-          </p:cNvPicPr>
-          <p:nvPr/>
-        </p:nvPicPr>
-        <p:blipFill rotWithShape="1">
-          <a:blip r:embed="rId3" cstate="print">
-            <a:extLst>
-              <a:ext uri="{28A0092B-C50C-407E-A947-70E740481C1C}">
-                <a14:useLocalDpi xmlns:a14="http://schemas.microsoft.com/office/drawing/2010/main" val="0"/>
-              </a:ext>
-            </a:extLst>
-          </a:blip>
-          <a:srcRect/>
-          <a:stretch/>
-        </p:blipFill>
-        <p:spPr>
-          <a:xfrm flipH="1">
-            <a:off x="8848924" y="2609644"/>
-            <a:ext cx="2788893" cy="3018284"/>
-          </a:xfrm>
-          <a:prstGeom prst="rect">
-            <a:avLst/>
-          </a:prstGeom>
-        </p:spPr>
-      </p:pic>
-      <p:pic>
-        <p:nvPicPr>
-          <p:cNvPr id="22" name="Picture Logo Software University" descr="Software University logo">
-            <a:hlinkClick r:id="rId4"/>
-            <a:extLst>
-              <a:ext uri="{FF2B5EF4-FFF2-40B4-BE49-F238E27FC236}">
-                <a16:creationId xmlns:a16="http://schemas.microsoft.com/office/drawing/2014/main" id="{F2315EB3-3FE4-4D3B-921E-5F209CEC13CB}"/>
-              </a:ext>
-            </a:extLst>
-          </p:cNvPr>
-          <p:cNvPicPr>
-            <a:picLocks noChangeAspect="1"/>
-          </p:cNvPicPr>
-          <p:nvPr userDrawn="1"/>
-        </p:nvPicPr>
-        <p:blipFill>
-          <a:blip r:embed="rId5">
-            <a:clrChange>
-              <a:clrFrom>
-                <a:srgbClr val="FFFFFF"/>
-              </a:clrFrom>
-              <a:clrTo>
-                <a:srgbClr val="FFFFFF">
-                  <a:alpha val="0"/>
-                </a:srgbClr>
-              </a:clrTo>
-            </a:clrChange>
-            <a:extLst>
-              <a:ext uri="{28A0092B-C50C-407E-A947-70E740481C1C}">
-                <a14:useLocalDpi xmlns:a14="http://schemas.microsoft.com/office/drawing/2010/main" val="0"/>
-              </a:ext>
-            </a:extLst>
-          </a:blip>
-          <a:stretch>
-            <a:fillRect/>
-          </a:stretch>
-        </p:blipFill>
-        <p:spPr>
-          <a:xfrm>
-            <a:off x="507944" y="5918567"/>
-            <a:ext cx="1830305" cy="628159"/>
-          </a:xfrm>
-          <a:prstGeom prst="rect">
-            <a:avLst/>
-          </a:prstGeom>
-        </p:spPr>
-      </p:pic>
-      <p:sp>
-        <p:nvSpPr>
-          <p:cNvPr id="40" name="Text Placeholder Author Position">
-            <a:extLst>
-              <a:ext uri="{FF2B5EF4-FFF2-40B4-BE49-F238E27FC236}">
-                <a16:creationId xmlns:a16="http://schemas.microsoft.com/office/drawing/2014/main" id="{CD940256-851E-46C8-8BFB-A5ECA6C7DA07}"/>
-              </a:ext>
-            </a:extLst>
-          </p:cNvPr>
-          <p:cNvSpPr>
-            <a:spLocks noGrp="1"/>
-          </p:cNvSpPr>
-          <p:nvPr>
-            <p:ph type="body" sz="quarter" idx="20" hasCustomPrompt="1"/>
-          </p:nvPr>
-        </p:nvSpPr>
-        <p:spPr bwMode="auto">
-          <a:xfrm>
-            <a:off x="553082" y="5344180"/>
-            <a:ext cx="2980696" cy="444793"/>
-          </a:xfrm>
-          <a:prstGeom prst="rect">
-            <a:avLst/>
-          </a:prstGeom>
-          <a:noFill/>
-          <a:effectLst/>
-        </p:spPr>
-        <p:txBody>
-          <a:bodyPr wrap="square" lIns="36000" tIns="36000" rIns="36000" bIns="36000" rtlCol="0" anchor="ctr" anchorCtr="0">
-            <a:spAutoFit/>
-          </a:bodyPr>
-          <a:lstStyle>
-            <a:lvl1pPr marL="0" indent="0" algn="l" rtl="0" fontAlgn="base" latinLnBrk="0">
-              <a:spcBef>
-                <a:spcPct val="0"/>
-              </a:spcBef>
-              <a:spcAft>
-                <a:spcPct val="0"/>
-              </a:spcAft>
-              <a:buNone/>
-              <a:defRPr lang="en-US" sz="2398" b="1" kern="1200" dirty="0" smtClean="0">
-                <a:solidFill>
-                  <a:schemeClr val="tx1"/>
-                </a:solidFill>
-                <a:effectLst/>
-                <a:latin typeface="+mn-lt"/>
-                <a:ea typeface="+mn-ea"/>
-                <a:cs typeface="+mn-cs"/>
-              </a:defRPr>
-            </a:lvl1pPr>
-          </a:lstStyle>
-          <a:p>
-            <a:pPr lvl="0"/>
-            <a:r>
-              <a:rPr lang="en-US" noProof="0" dirty="0"/>
-              <a:t>Position</a:t>
-            </a:r>
-          </a:p>
-        </p:txBody>
-      </p:sp>
-      <p:sp>
-        <p:nvSpPr>
-          <p:cNvPr id="36" name="Text Placeholder Author Name">
-            <a:extLst>
-              <a:ext uri="{FF2B5EF4-FFF2-40B4-BE49-F238E27FC236}">
-                <a16:creationId xmlns:a16="http://schemas.microsoft.com/office/drawing/2014/main" id="{3B21F47B-DE1F-442D-A2B7-6866F8786704}"/>
-              </a:ext>
-            </a:extLst>
-          </p:cNvPr>
-          <p:cNvSpPr>
-            <a:spLocks noGrp="1"/>
-          </p:cNvSpPr>
-          <p:nvPr>
-            <p:ph type="body" sz="quarter" idx="19" hasCustomPrompt="1"/>
-          </p:nvPr>
-        </p:nvSpPr>
-        <p:spPr bwMode="auto">
-          <a:xfrm>
-            <a:off x="553082" y="4851838"/>
-            <a:ext cx="2980696" cy="454398"/>
+            <a:off x="534045" y="6085863"/>
+            <a:ext cx="4751953" cy="341556"/>
           </a:xfrm>
           <a:prstGeom prst="rect">
             <a:avLst/>
@@ -3302,9 +3190,11 @@
                 <a:spcPct val="0"/>
               </a:spcAft>
               <a:buNone/>
-              <a:defRPr lang="en-US" sz="2798" b="1" kern="1200" dirty="0" smtClean="0">
+              <a:defRPr lang="en-US" sz="1800" b="0" kern="1200" dirty="0" smtClean="0">
                 <a:solidFill>
-                  <a:schemeClr val="tx1"/>
+                  <a:schemeClr val="tx1">
+                    <a:lumMod val="75000"/>
+                  </a:schemeClr>
                 </a:solidFill>
                 <a:effectLst/>
                 <a:latin typeface="+mn-lt"/>
@@ -3317,17 +3207,17 @@
             <a:pPr lvl="0"/>
             <a:r>
               <a:rPr lang="en-US" noProof="0" dirty="0"/>
-              <a:t>Author Name</a:t>
+              <a:t>URL</a:t>
             </a:r>
           </a:p>
         </p:txBody>
       </p:sp>
       <p:sp>
         <p:nvSpPr>
-          <p:cNvPr id="33" name="Picture Placeholder Title Image">
+          <p:cNvPr id="30" name="Author Name">
             <a:extLst>
               <a:ext uri="{FF2B5EF4-FFF2-40B4-BE49-F238E27FC236}">
-                <a16:creationId xmlns:a16="http://schemas.microsoft.com/office/drawing/2014/main" id="{A04D819A-89E2-4714-8C56-1838BF467EF7}"/>
+                <a16:creationId xmlns:a16="http://schemas.microsoft.com/office/drawing/2014/main" id="{2EA92DCA-4DB5-4D03-ACD3-A6A296592D0C}"/>
               </a:ext>
             </a:extLst>
           </p:cNvPr>
@@ -3335,31 +3225,51 @@
             <a:spLocks noGrp="1"/>
           </p:cNvSpPr>
           <p:nvPr>
-            <p:ph type="pic" sz="quarter" idx="10"/>
+            <p:ph type="body" sz="quarter" idx="17" hasCustomPrompt="1"/>
           </p:nvPr>
         </p:nvSpPr>
-        <p:spPr>
+        <p:spPr bwMode="auto">
           <a:xfrm>
-            <a:off x="553082" y="2740913"/>
-            <a:ext cx="4642919" cy="1936503"/>
+            <a:off x="534046" y="5251106"/>
+            <a:ext cx="4751954" cy="724904"/>
           </a:xfrm>
+          <a:prstGeom prst="rect">
+            <a:avLst/>
+          </a:prstGeom>
+          <a:noFill/>
+          <a:effectLst/>
         </p:spPr>
         <p:txBody>
-          <a:bodyPr/>
+          <a:bodyPr wrap="square" lIns="36000" tIns="36000" rIns="36000" bIns="36000" rtlCol="0" anchor="ctr" anchorCtr="0">
+            <a:noAutofit/>
+          </a:bodyPr>
           <a:lstStyle>
-            <a:lvl1pPr marL="0" indent="0" algn="ctr" latinLnBrk="0">
+            <a:lvl1pPr marL="0" indent="0" algn="l" rtl="0" fontAlgn="base" latinLnBrk="0">
+              <a:spcBef>
+                <a:spcPct val="0"/>
+              </a:spcBef>
+              <a:spcAft>
+                <a:spcPct val="0"/>
+              </a:spcAft>
               <a:buNone/>
-              <a:defRPr>
+              <a:defRPr lang="en-US" sz="2000" b="1" kern="1200" dirty="0" smtClean="0">
                 <a:solidFill>
-                  <a:schemeClr val="bg1"/>
+                  <a:schemeClr val="tx1">
+                    <a:lumMod val="75000"/>
+                  </a:schemeClr>
                 </a:solidFill>
+                <a:effectLst/>
+                <a:latin typeface="+mn-lt"/>
+                <a:ea typeface="+mn-ea"/>
+                <a:cs typeface="+mn-cs"/>
               </a:defRPr>
             </a:lvl1pPr>
           </a:lstStyle>
           <a:p>
+            <a:pPr lvl="0"/>
             <a:r>
               <a:rPr lang="en-US" noProof="0" dirty="0"/>
-              <a:t>Click icon to add picture</a:t>
+              <a:t>Authors</a:t>
             </a:r>
           </a:p>
         </p:txBody>
@@ -3382,8 +3292,8 @@
         </p:nvSpPr>
         <p:spPr>
           <a:xfrm>
-            <a:off x="554182" y="1258272"/>
-            <a:ext cx="11083636" cy="1315728"/>
+            <a:off x="554746" y="1402942"/>
+            <a:ext cx="11083636" cy="1306057"/>
           </a:xfrm>
         </p:spPr>
         <p:txBody>
@@ -3393,7 +3303,7 @@
           <a:lstStyle>
             <a:lvl1pPr marL="0" indent="0" algn="ctr" latinLnBrk="0">
               <a:buNone/>
-              <a:defRPr sz="3598">
+              <a:defRPr sz="3600">
                 <a:solidFill>
                   <a:schemeClr val="tx1"/>
                 </a:solidFill>
@@ -3426,15 +3336,17 @@
         </p:nvSpPr>
         <p:spPr>
           <a:xfrm>
-            <a:off x="554182" y="321502"/>
-            <a:ext cx="11083636" cy="882654"/>
+            <a:off x="554746" y="321501"/>
+            <a:ext cx="11083636" cy="971589"/>
           </a:xfrm>
         </p:spPr>
         <p:txBody>
-          <a:bodyPr/>
+          <a:bodyPr>
+            <a:normAutofit/>
+          </a:bodyPr>
           <a:lstStyle>
             <a:lvl1pPr algn="ctr" latinLnBrk="0">
-              <a:defRPr sz="4798"/>
+              <a:defRPr sz="5400"/>
             </a:lvl1pPr>
           </a:lstStyle>
           <a:p>
@@ -3445,10 +3357,94 @@
           </a:p>
         </p:txBody>
       </p:sp>
+      <p:pic>
+        <p:nvPicPr>
+          <p:cNvPr id="4" name="Picture 3">
+            <a:extLst>
+              <a:ext uri="{FF2B5EF4-FFF2-40B4-BE49-F238E27FC236}">
+                <a16:creationId xmlns:a16="http://schemas.microsoft.com/office/drawing/2014/main" id="{324D0DB3-F60A-469B-7831-209CB666CCE4}"/>
+              </a:ext>
+            </a:extLst>
+          </p:cNvPr>
+          <p:cNvPicPr>
+            <a:picLocks noChangeAspect="1"/>
+          </p:cNvPicPr>
+          <p:nvPr userDrawn="1"/>
+        </p:nvPicPr>
+        <p:blipFill>
+          <a:blip r:embed="rId2" cstate="print">
+            <a:extLst>
+              <a:ext uri="{28A0092B-C50C-407E-A947-70E740481C1C}">
+                <a14:useLocalDpi xmlns:a14="http://schemas.microsoft.com/office/drawing/2010/main" val="0"/>
+              </a:ext>
+            </a:extLst>
+          </a:blip>
+          <a:stretch>
+            <a:fillRect/>
+          </a:stretch>
+        </p:blipFill>
+        <p:spPr>
+          <a:xfrm>
+            <a:off x="536549" y="4325954"/>
+            <a:ext cx="2538082" cy="633046"/>
+          </a:xfrm>
+          <a:prstGeom prst="rect">
+            <a:avLst/>
+          </a:prstGeom>
+        </p:spPr>
+      </p:pic>
+      <p:pic>
+        <p:nvPicPr>
+          <p:cNvPr id="5" name="Picture 4" title="CC-BY-NC-SA License">
+            <a:hlinkClick r:id="rId3" tooltip="This work is licensed under the &quot;Creative Commons Attribution-NonCommercial-ShareAlike 4.0 International&quot; license"/>
+            <a:extLst>
+              <a:ext uri="{FF2B5EF4-FFF2-40B4-BE49-F238E27FC236}">
+                <a16:creationId xmlns:a16="http://schemas.microsoft.com/office/drawing/2014/main" id="{2D40731C-0303-A69D-63FD-E048A73CA59F}"/>
+              </a:ext>
+            </a:extLst>
+          </p:cNvPr>
+          <p:cNvPicPr>
+            <a:picLocks noChangeAspect="1" noChangeArrowheads="1"/>
+          </p:cNvPicPr>
+          <p:nvPr userDrawn="1"/>
+        </p:nvPicPr>
+        <p:blipFill>
+          <a:blip r:embed="rId4">
+            <a:extLst>
+              <a:ext uri="{28A0092B-C50C-407E-A947-70E740481C1C}">
+                <a14:useLocalDpi xmlns:a14="http://schemas.microsoft.com/office/drawing/2010/main"/>
+              </a:ext>
+            </a:extLst>
+          </a:blip>
+          <a:srcRect/>
+          <a:stretch>
+            <a:fillRect/>
+          </a:stretch>
+        </p:blipFill>
+        <p:spPr bwMode="auto">
+          <a:xfrm>
+            <a:off x="3402682" y="4321352"/>
+            <a:ext cx="1809336" cy="633045"/>
+          </a:xfrm>
+          <a:prstGeom prst="roundRect">
+            <a:avLst>
+              <a:gd name="adj" fmla="val 3940"/>
+            </a:avLst>
+          </a:prstGeom>
+          <a:solidFill>
+            <a:srgbClr val="231F20">
+              <a:alpha val="50000"/>
+            </a:srgbClr>
+          </a:solidFill>
+          <a:ln>
+            <a:noFill/>
+          </a:ln>
+        </p:spPr>
+      </p:pic>
     </p:spTree>
     <p:extLst>
       <p:ext uri="{BB962C8B-B14F-4D97-AF65-F5344CB8AC3E}">
-        <p14:creationId xmlns:p14="http://schemas.microsoft.com/office/powerpoint/2010/main" val="970179299"/>
+        <p14:creationId xmlns:p14="http://schemas.microsoft.com/office/powerpoint/2010/main" val="370654144"/>
       </p:ext>
     </p:extLst>
   </p:cSld>
@@ -3562,7 +3558,7 @@
               <a:tabLst/>
               <a:defRPr/>
             </a:pPr>
-            <a:endParaRPr kumimoji="0" lang="en-US" altLang="ko-KR" sz="2398" b="0" i="0" u="none" strike="noStrike" kern="1200" cap="none" spc="0" normalizeH="0" baseline="0" noProof="0" dirty="0">
+            <a:endParaRPr kumimoji="0" lang="en-US" altLang="ko-KR" sz="2398" b="0" i="0" u="none" strike="noStrike" kern="1200" cap="none" spc="0" normalizeH="0" baseline="0" noProof="0">
               <a:ln>
                 <a:noFill/>
               </a:ln>
@@ -3685,7 +3681,7 @@
               <a:tabLst/>
               <a:defRPr/>
             </a:pPr>
-            <a:endParaRPr kumimoji="0" lang="en-US" altLang="ko-KR" sz="2398" b="0" i="0" u="none" strike="noStrike" kern="1200" cap="none" spc="0" normalizeH="0" baseline="0" noProof="0" dirty="0">
+            <a:endParaRPr kumimoji="0" lang="en-US" altLang="ko-KR" sz="2398" b="0" i="0" u="none" strike="noStrike" kern="1200" cap="none" spc="0" normalizeH="0" baseline="0" noProof="0">
               <a:ln>
                 <a:noFill/>
               </a:ln>
@@ -3702,42 +3698,6 @@
           </a:p>
         </p:txBody>
       </p:sp>
-      <p:pic>
-        <p:nvPicPr>
-          <p:cNvPr id="12" name="Logo Software University Down" descr="Software University logo">
-            <a:extLst>
-              <a:ext uri="{FF2B5EF4-FFF2-40B4-BE49-F238E27FC236}">
-                <a16:creationId xmlns:a16="http://schemas.microsoft.com/office/drawing/2014/main" id="{7028D2F0-1E67-414B-A93D-D3F8F131A132}"/>
-              </a:ext>
-            </a:extLst>
-          </p:cNvPr>
-          <p:cNvPicPr>
-            <a:picLocks noChangeAspect="1"/>
-          </p:cNvPicPr>
-          <p:nvPr/>
-        </p:nvPicPr>
-        <p:blipFill>
-          <a:blip r:embed="rId2" cstate="print">
-            <a:extLst>
-              <a:ext uri="{28A0092B-C50C-407E-A947-70E740481C1C}">
-                <a14:useLocalDpi xmlns:a14="http://schemas.microsoft.com/office/drawing/2010/main" val="0"/>
-              </a:ext>
-            </a:extLst>
-          </a:blip>
-          <a:stretch>
-            <a:fillRect/>
-          </a:stretch>
-        </p:blipFill>
-        <p:spPr>
-          <a:xfrm>
-            <a:off x="5616551" y="5206773"/>
-            <a:ext cx="958900" cy="1184869"/>
-          </a:xfrm>
-          <a:prstGeom prst="rect">
-            <a:avLst/>
-          </a:prstGeom>
-        </p:spPr>
-      </p:pic>
       <p:sp>
         <p:nvSpPr>
           <p:cNvPr id="10" name="Text Placeholder Right">
@@ -3958,7 +3918,7 @@
               <a:tabLst/>
               <a:defRPr/>
             </a:pPr>
-            <a:endParaRPr kumimoji="0" lang="en-US" altLang="ko-KR" sz="2398" b="0" i="0" u="none" strike="noStrike" kern="1200" cap="none" spc="0" normalizeH="0" baseline="0" noProof="0" dirty="0">
+            <a:endParaRPr kumimoji="0" lang="en-US" altLang="ko-KR" sz="2398" b="0" i="0" u="none" strike="noStrike" kern="1200" cap="none" spc="0" normalizeH="0" baseline="0" noProof="0">
               <a:ln>
                 <a:noFill/>
               </a:ln>
@@ -3975,42 +3935,6 @@
           </a:p>
         </p:txBody>
       </p:sp>
-      <p:pic>
-        <p:nvPicPr>
-          <p:cNvPr id="14" name="Logo Software University" descr="Software University logo">
-            <a:extLst>
-              <a:ext uri="{FF2B5EF4-FFF2-40B4-BE49-F238E27FC236}">
-                <a16:creationId xmlns:a16="http://schemas.microsoft.com/office/drawing/2014/main" id="{19A67BB9-D880-4EAD-B90E-89C4219BFC0B}"/>
-              </a:ext>
-            </a:extLst>
-          </p:cNvPr>
-          <p:cNvPicPr>
-            <a:picLocks noChangeAspect="1"/>
-          </p:cNvPicPr>
-          <p:nvPr userDrawn="1"/>
-        </p:nvPicPr>
-        <p:blipFill>
-          <a:blip r:embed="rId3">
-            <a:extLst>
-              <a:ext uri="{28A0092B-C50C-407E-A947-70E740481C1C}">
-                <a14:useLocalDpi xmlns:a14="http://schemas.microsoft.com/office/drawing/2010/main" val="0"/>
-              </a:ext>
-            </a:extLst>
-          </a:blip>
-          <a:stretch>
-            <a:fillRect/>
-          </a:stretch>
-        </p:blipFill>
-        <p:spPr>
-          <a:xfrm>
-            <a:off x="10067957" y="253936"/>
-            <a:ext cx="1915704" cy="559235"/>
-          </a:xfrm>
-          <a:prstGeom prst="rect">
-            <a:avLst/>
-          </a:prstGeom>
-        </p:spPr>
-      </p:pic>
       <p:sp>
         <p:nvSpPr>
           <p:cNvPr id="15" name="Slide Title">
@@ -4029,8 +3953,8 @@
         </p:nvSpPr>
         <p:spPr>
           <a:xfrm>
-            <a:off x="190406" y="100750"/>
-            <a:ext cx="9715594" cy="882654"/>
+            <a:off x="190405" y="100750"/>
+            <a:ext cx="10270595" cy="882654"/>
           </a:xfrm>
         </p:spPr>
         <p:txBody>
@@ -4052,6 +3976,72 @@
           </a:p>
         </p:txBody>
       </p:sp>
+      <p:pic>
+        <p:nvPicPr>
+          <p:cNvPr id="8" name="Picture 7">
+            <a:extLst>
+              <a:ext uri="{FF2B5EF4-FFF2-40B4-BE49-F238E27FC236}">
+                <a16:creationId xmlns:a16="http://schemas.microsoft.com/office/drawing/2014/main" id="{2C9792D8-D354-4699-B7D6-B8CB7F77594F}"/>
+              </a:ext>
+            </a:extLst>
+          </p:cNvPr>
+          <p:cNvPicPr>
+            <a:picLocks noChangeAspect="1"/>
+          </p:cNvPicPr>
+          <p:nvPr userDrawn="1"/>
+        </p:nvPicPr>
+        <p:blipFill>
+          <a:blip r:embed="rId2"/>
+          <a:stretch>
+            <a:fillRect/>
+          </a:stretch>
+        </p:blipFill>
+        <p:spPr>
+          <a:xfrm>
+            <a:off x="5398753" y="5340443"/>
+            <a:ext cx="1334859" cy="982867"/>
+          </a:xfrm>
+          <a:prstGeom prst="rect">
+            <a:avLst/>
+          </a:prstGeom>
+        </p:spPr>
+      </p:pic>
+      <p:pic>
+        <p:nvPicPr>
+          <p:cNvPr id="3" name="Picture 2">
+            <a:extLst>
+              <a:ext uri="{FF2B5EF4-FFF2-40B4-BE49-F238E27FC236}">
+                <a16:creationId xmlns:a16="http://schemas.microsoft.com/office/drawing/2014/main" id="{B6351E19-25DA-EAD2-9FBE-358B6135D728}"/>
+              </a:ext>
+            </a:extLst>
+          </p:cNvPr>
+          <p:cNvPicPr>
+            <a:picLocks noChangeAspect="1"/>
+          </p:cNvPicPr>
+          <p:nvPr userDrawn="1"/>
+        </p:nvPicPr>
+        <p:blipFill>
+          <a:blip r:embed="rId3" cstate="print">
+            <a:extLst>
+              <a:ext uri="{28A0092B-C50C-407E-A947-70E740481C1C}">
+                <a14:useLocalDpi xmlns:a14="http://schemas.microsoft.com/office/drawing/2010/main" val="0"/>
+              </a:ext>
+            </a:extLst>
+          </a:blip>
+          <a:stretch>
+            <a:fillRect/>
+          </a:stretch>
+        </p:blipFill>
+        <p:spPr>
+          <a:xfrm>
+            <a:off x="10553573" y="368999"/>
+            <a:ext cx="1443361" cy="360001"/>
+          </a:xfrm>
+          <a:prstGeom prst="rect">
+            <a:avLst/>
+          </a:prstGeom>
+        </p:spPr>
+      </p:pic>
     </p:spTree>
     <p:extLst>
       <p:ext uri="{BB962C8B-B14F-4D97-AF65-F5344CB8AC3E}">
@@ -4144,7 +4134,7 @@
               <a:pPr/>
               <a:t>‹#›</a:t>
             </a:fld>
-            <a:endParaRPr lang="en-US" noProof="0" dirty="0"/>
+            <a:endParaRPr lang="en-US" noProof="0"/>
           </a:p>
         </p:txBody>
       </p:sp>
@@ -4298,7 +4288,7 @@
           </a:lstStyle>
           <a:p>
             <a:r>
-              <a:rPr lang="en-US" altLang="ko-KR" noProof="0" dirty="0"/>
+              <a:rPr lang="en-US" altLang="ko-KR" noProof="0"/>
               <a:t>Your Picture Here</a:t>
             </a:r>
           </a:p>
@@ -4362,7 +4352,7 @@
               <a:tabLst/>
               <a:defRPr/>
             </a:pPr>
-            <a:endParaRPr kumimoji="0" lang="en-US" altLang="ko-KR" sz="2398" b="0" i="0" u="none" strike="noStrike" kern="1200" cap="none" spc="0" normalizeH="0" baseline="0" noProof="0" dirty="0">
+            <a:endParaRPr kumimoji="0" lang="en-US" altLang="ko-KR" sz="2398" b="0" i="0" u="none" strike="noStrike" kern="1200" cap="none" spc="0" normalizeH="0" baseline="0" noProof="0">
               <a:ln>
                 <a:noFill/>
               </a:ln>
@@ -4437,7 +4427,7 @@
               <a:tabLst/>
               <a:defRPr/>
             </a:pPr>
-            <a:endParaRPr kumimoji="0" lang="en-US" altLang="ko-KR" sz="2398" b="0" i="0" u="none" strike="noStrike" kern="1200" cap="none" spc="0" normalizeH="0" baseline="0" noProof="0" dirty="0">
+            <a:endParaRPr kumimoji="0" lang="en-US" altLang="ko-KR" sz="2398" b="0" i="0" u="none" strike="noStrike" kern="1200" cap="none" spc="0" normalizeH="0" baseline="0" noProof="0">
               <a:ln>
                 <a:noFill/>
               </a:ln>
@@ -4518,7 +4508,7 @@
               <a:tabLst/>
               <a:defRPr/>
             </a:pPr>
-            <a:endParaRPr kumimoji="0" lang="en-US" altLang="ko-KR" sz="2398" b="0" i="0" u="none" strike="noStrike" kern="1200" cap="none" spc="0" normalizeH="0" baseline="0" noProof="0" dirty="0">
+            <a:endParaRPr kumimoji="0" lang="en-US" altLang="ko-KR" sz="2398" b="0" i="0" u="none" strike="noStrike" kern="1200" cap="none" spc="0" normalizeH="0" baseline="0" noProof="0">
               <a:ln>
                 <a:noFill/>
               </a:ln>
@@ -4599,7 +4589,7 @@
               <a:tabLst/>
               <a:defRPr/>
             </a:pPr>
-            <a:endParaRPr kumimoji="0" lang="en-US" altLang="ko-KR" sz="2398" b="0" i="0" u="none" strike="noStrike" kern="1200" cap="none" spc="0" normalizeH="0" baseline="0" noProof="0" dirty="0">
+            <a:endParaRPr kumimoji="0" lang="en-US" altLang="ko-KR" sz="2398" b="0" i="0" u="none" strike="noStrike" kern="1200" cap="none" spc="0" normalizeH="0" baseline="0" noProof="0">
               <a:ln>
                 <a:noFill/>
               </a:ln>
@@ -4616,42 +4606,6 @@
           </a:p>
         </p:txBody>
       </p:sp>
-      <p:pic>
-        <p:nvPicPr>
-          <p:cNvPr id="12" name="Logo Software University" descr="Software University logo">
-            <a:extLst>
-              <a:ext uri="{FF2B5EF4-FFF2-40B4-BE49-F238E27FC236}">
-                <a16:creationId xmlns:a16="http://schemas.microsoft.com/office/drawing/2014/main" id="{233CBB95-791E-4630-B3D9-FADFCE7BCF52}"/>
-              </a:ext>
-            </a:extLst>
-          </p:cNvPr>
-          <p:cNvPicPr>
-            <a:picLocks noChangeAspect="1"/>
-          </p:cNvPicPr>
-          <p:nvPr userDrawn="1"/>
-        </p:nvPicPr>
-        <p:blipFill>
-          <a:blip r:embed="rId2">
-            <a:extLst>
-              <a:ext uri="{28A0092B-C50C-407E-A947-70E740481C1C}">
-                <a14:useLocalDpi xmlns:a14="http://schemas.microsoft.com/office/drawing/2010/main" val="0"/>
-              </a:ext>
-            </a:extLst>
-          </a:blip>
-          <a:stretch>
-            <a:fillRect/>
-          </a:stretch>
-        </p:blipFill>
-        <p:spPr>
-          <a:xfrm>
-            <a:off x="10067957" y="253936"/>
-            <a:ext cx="1915704" cy="559235"/>
-          </a:xfrm>
-          <a:prstGeom prst="rect">
-            <a:avLst/>
-          </a:prstGeom>
-        </p:spPr>
-      </p:pic>
       <p:sp>
         <p:nvSpPr>
           <p:cNvPr id="13" name="Slide Title">
@@ -4671,7 +4625,7 @@
         <p:spPr>
           <a:xfrm>
             <a:off x="190406" y="100750"/>
-            <a:ext cx="9715594" cy="882654"/>
+            <a:ext cx="10270594" cy="882654"/>
           </a:xfrm>
         </p:spPr>
         <p:txBody>
@@ -4693,6 +4647,42 @@
           </a:p>
         </p:txBody>
       </p:sp>
+      <p:pic>
+        <p:nvPicPr>
+          <p:cNvPr id="4" name="Picture 3">
+            <a:extLst>
+              <a:ext uri="{FF2B5EF4-FFF2-40B4-BE49-F238E27FC236}">
+                <a16:creationId xmlns:a16="http://schemas.microsoft.com/office/drawing/2014/main" id="{42F3DB3E-BDAA-8201-9A01-2F52640A84CA}"/>
+              </a:ext>
+            </a:extLst>
+          </p:cNvPr>
+          <p:cNvPicPr>
+            <a:picLocks noChangeAspect="1"/>
+          </p:cNvPicPr>
+          <p:nvPr userDrawn="1"/>
+        </p:nvPicPr>
+        <p:blipFill>
+          <a:blip r:embed="rId2" cstate="print">
+            <a:extLst>
+              <a:ext uri="{28A0092B-C50C-407E-A947-70E740481C1C}">
+                <a14:useLocalDpi xmlns:a14="http://schemas.microsoft.com/office/drawing/2010/main" val="0"/>
+              </a:ext>
+            </a:extLst>
+          </a:blip>
+          <a:stretch>
+            <a:fillRect/>
+          </a:stretch>
+        </p:blipFill>
+        <p:spPr>
+          <a:xfrm>
+            <a:off x="10553573" y="368999"/>
+            <a:ext cx="1443361" cy="360001"/>
+          </a:xfrm>
+          <a:prstGeom prst="rect">
+            <a:avLst/>
+          </a:prstGeom>
+        </p:spPr>
+      </p:pic>
     </p:spTree>
     <p:extLst>
       <p:ext uri="{BB962C8B-B14F-4D97-AF65-F5344CB8AC3E}">
@@ -4803,7 +4793,7 @@
               <a:tabLst/>
               <a:defRPr/>
             </a:pPr>
-            <a:endParaRPr kumimoji="0" lang="en-US" altLang="ko-KR" sz="2398" b="0" i="0" u="none" strike="noStrike" kern="1200" cap="none" spc="0" normalizeH="0" baseline="0" noProof="0" dirty="0">
+            <a:endParaRPr kumimoji="0" lang="en-US" altLang="ko-KR" sz="2398" b="0" i="0" u="none" strike="noStrike" kern="1200" cap="none" spc="0" normalizeH="0" baseline="0" noProof="0">
               <a:ln>
                 <a:noFill/>
               </a:ln>
@@ -4822,714 +4812,10 @@
       </p:sp>
       <p:sp>
         <p:nvSpPr>
-          <p:cNvPr id="53" name="Rectangle Bottom Copyright">
+          <p:cNvPr id="3" name="Title 2">
             <a:extLst>
               <a:ext uri="{FF2B5EF4-FFF2-40B4-BE49-F238E27FC236}">
-                <a16:creationId xmlns:a16="http://schemas.microsoft.com/office/drawing/2014/main" id="{B07FB7FB-DA6C-4F5D-B068-357F0FCE27D8}"/>
-              </a:ext>
-            </a:extLst>
-          </p:cNvPr>
-          <p:cNvSpPr/>
-          <p:nvPr userDrawn="1"/>
-        </p:nvSpPr>
-        <p:spPr>
-          <a:xfrm>
-            <a:off x="111000" y="6454758"/>
-            <a:ext cx="11970000" cy="258449"/>
-          </a:xfrm>
-          <a:prstGeom prst="rect">
-            <a:avLst/>
-          </a:prstGeom>
-        </p:spPr>
-        <p:txBody>
-          <a:bodyPr wrap="square">
-            <a:noAutofit/>
-          </a:bodyPr>
-          <a:lstStyle/>
-          <a:p>
-            <a:pPr algn="ctr">
-              <a:lnSpc>
-                <a:spcPct val="100000"/>
-              </a:lnSpc>
-              <a:spcBef>
-                <a:spcPts val="0"/>
-              </a:spcBef>
-              <a:spcAft>
-                <a:spcPts val="0"/>
-              </a:spcAft>
-            </a:pPr>
-            <a:r>
-              <a:rPr lang="en-US" sz="1600" noProof="0" dirty="0">
-                <a:solidFill>
-                  <a:schemeClr val="bg2"/>
-                </a:solidFill>
-                <a:effectLst/>
-                <a:latin typeface="Calibri" panose="020F0502020204030204" pitchFamily="34" charset="0"/>
-                <a:ea typeface="Calibri" panose="020F0502020204030204" pitchFamily="34" charset="0"/>
-                <a:cs typeface="Arial" panose="020B0604020202020204" pitchFamily="34" charset="0"/>
-              </a:rPr>
-              <a:t>© SoftUni – </a:t>
-            </a:r>
-            <a:r>
-              <a:rPr lang="en-US" sz="1600" u="sng" noProof="0" dirty="0">
-                <a:solidFill>
-                  <a:schemeClr val="bg2"/>
-                </a:solidFill>
-                <a:effectLst/>
-                <a:latin typeface="Calibri" panose="020F0502020204030204" pitchFamily="34" charset="0"/>
-                <a:ea typeface="Calibri" panose="020F0502020204030204" pitchFamily="34" charset="0"/>
-                <a:cs typeface="Arial" panose="020B0604020202020204" pitchFamily="34" charset="0"/>
-                <a:hlinkClick r:id="rId2">
-                  <a:extLst>
-                    <a:ext uri="{A12FA001-AC4F-418D-AE19-62706E023703}">
-                      <ahyp:hlinkClr xmlns:ahyp="http://schemas.microsoft.com/office/drawing/2018/hyperlinkcolor" val="tx"/>
-                    </a:ext>
-                  </a:extLst>
-                </a:hlinkClick>
-              </a:rPr>
-              <a:t>https://softuni.org</a:t>
-            </a:r>
-            <a:r>
-              <a:rPr lang="en-US" sz="1600" noProof="0" dirty="0">
-                <a:solidFill>
-                  <a:schemeClr val="bg2"/>
-                </a:solidFill>
-                <a:effectLst/>
-                <a:latin typeface="Calibri" panose="020F0502020204030204" pitchFamily="34" charset="0"/>
-                <a:ea typeface="Calibri" panose="020F0502020204030204" pitchFamily="34" charset="0"/>
-                <a:cs typeface="Arial" panose="020B0604020202020204" pitchFamily="34" charset="0"/>
-              </a:rPr>
-              <a:t>. Copyrighted document. Unauthorized copy, reproduction or use is not permitted.</a:t>
-            </a:r>
-            <a:endParaRPr lang="en-US" sz="2400" noProof="0" dirty="0">
-              <a:solidFill>
-                <a:schemeClr val="bg2"/>
-              </a:solidFill>
-              <a:effectLst/>
-              <a:latin typeface="Calibri" panose="020F0502020204030204" pitchFamily="34" charset="0"/>
-              <a:ea typeface="Calibri" panose="020F0502020204030204" pitchFamily="34" charset="0"/>
-              <a:cs typeface="Arial" panose="020B0604020202020204" pitchFamily="34" charset="0"/>
-            </a:endParaRPr>
-          </a:p>
-        </p:txBody>
-      </p:sp>
-      <p:pic>
-        <p:nvPicPr>
-          <p:cNvPr id="26" name="Picture SoftUni Mascot" descr="SoftUni mascot with open hand">
-            <a:extLst>
-              <a:ext uri="{FF2B5EF4-FFF2-40B4-BE49-F238E27FC236}">
-                <a16:creationId xmlns:a16="http://schemas.microsoft.com/office/drawing/2014/main" id="{247CFF3C-C4FA-493D-8505-DF469F4D36A4}"/>
-              </a:ext>
-            </a:extLst>
-          </p:cNvPr>
-          <p:cNvPicPr>
-            <a:picLocks noChangeAspect="1"/>
-          </p:cNvPicPr>
-          <p:nvPr/>
-        </p:nvPicPr>
-        <p:blipFill>
-          <a:blip r:embed="rId3" cstate="print">
-            <a:extLst>
-              <a:ext uri="{28A0092B-C50C-407E-A947-70E740481C1C}">
-                <a14:useLocalDpi xmlns:a14="http://schemas.microsoft.com/office/drawing/2010/main" val="0"/>
-              </a:ext>
-            </a:extLst>
-          </a:blip>
-          <a:stretch>
-            <a:fillRect/>
-          </a:stretch>
-        </p:blipFill>
-        <p:spPr>
-          <a:xfrm>
-            <a:off x="642586" y="2898830"/>
-            <a:ext cx="2451608" cy="2959741"/>
-          </a:xfrm>
-          <a:prstGeom prst="rect">
-            <a:avLst/>
-          </a:prstGeom>
-        </p:spPr>
-      </p:pic>
-      <p:grpSp>
-        <p:nvGrpSpPr>
-          <p:cNvPr id="2" name="Group SoftUni Brands">
-            <a:extLst>
-              <a:ext uri="{FF2B5EF4-FFF2-40B4-BE49-F238E27FC236}">
-                <a16:creationId xmlns:a16="http://schemas.microsoft.com/office/drawing/2014/main" id="{418FAE34-C1F8-46C7-A4AE-F270D1E70F25}"/>
-              </a:ext>
-            </a:extLst>
-          </p:cNvPr>
-          <p:cNvGrpSpPr/>
-          <p:nvPr userDrawn="1"/>
-        </p:nvGrpSpPr>
-        <p:grpSpPr>
-          <a:xfrm>
-            <a:off x="3332216" y="1702473"/>
-            <a:ext cx="8314909" cy="3543782"/>
-            <a:chOff x="3332216" y="1702473"/>
-            <a:chExt cx="8314909" cy="3543782"/>
-          </a:xfrm>
-        </p:grpSpPr>
-        <p:pic>
-          <p:nvPicPr>
-            <p:cNvPr id="24" name="Picture SoftUni Kids Logo" descr="SoftUni Kids logo">
-              <a:extLst>
-                <a:ext uri="{FF2B5EF4-FFF2-40B4-BE49-F238E27FC236}">
-                  <a16:creationId xmlns:a16="http://schemas.microsoft.com/office/drawing/2014/main" id="{B0812936-74B6-4265-8C08-AEDC8C798702}"/>
-                </a:ext>
-              </a:extLst>
-            </p:cNvPr>
-            <p:cNvPicPr>
-              <a:picLocks noChangeAspect="1"/>
-            </p:cNvPicPr>
-            <p:nvPr/>
-          </p:nvPicPr>
-          <p:blipFill>
-            <a:blip r:embed="rId4" cstate="print">
-              <a:extLst>
-                <a:ext uri="{28A0092B-C50C-407E-A947-70E740481C1C}">
-                  <a14:useLocalDpi xmlns:a14="http://schemas.microsoft.com/office/drawing/2010/main" val="0"/>
-                </a:ext>
-              </a:extLst>
-            </a:blip>
-            <a:stretch>
-              <a:fillRect/>
-            </a:stretch>
-          </p:blipFill>
-          <p:spPr>
-            <a:xfrm>
-              <a:off x="10516883" y="3776294"/>
-              <a:ext cx="1130242" cy="1389256"/>
-            </a:xfrm>
-            <a:prstGeom prst="rect">
-              <a:avLst/>
-            </a:prstGeom>
-          </p:spPr>
-        </p:pic>
-        <p:pic>
-          <p:nvPicPr>
-            <p:cNvPr id="23" name="Picture SoftUni Foundation Logo" descr="SoftUni Foundation logo">
-              <a:extLst>
-                <a:ext uri="{FF2B5EF4-FFF2-40B4-BE49-F238E27FC236}">
-                  <a16:creationId xmlns:a16="http://schemas.microsoft.com/office/drawing/2014/main" id="{6643F71A-2013-433A-8322-FBAAED3162D8}"/>
-                </a:ext>
-              </a:extLst>
-            </p:cNvPr>
-            <p:cNvPicPr>
-              <a:picLocks noChangeAspect="1"/>
-            </p:cNvPicPr>
-            <p:nvPr userDrawn="1"/>
-          </p:nvPicPr>
-          <p:blipFill>
-            <a:blip r:embed="rId5" cstate="print">
-              <a:extLst>
-                <a:ext uri="{28A0092B-C50C-407E-A947-70E740481C1C}">
-                  <a14:useLocalDpi xmlns:a14="http://schemas.microsoft.com/office/drawing/2010/main" val="0"/>
-                </a:ext>
-              </a:extLst>
-            </a:blip>
-            <a:stretch>
-              <a:fillRect/>
-            </a:stretch>
-          </p:blipFill>
-          <p:spPr>
-            <a:xfrm>
-              <a:off x="9053913" y="3788231"/>
-              <a:ext cx="1166400" cy="1350756"/>
-            </a:xfrm>
-            <a:prstGeom prst="rect">
-              <a:avLst/>
-            </a:prstGeom>
-          </p:spPr>
-        </p:pic>
-        <p:pic>
-          <p:nvPicPr>
-            <p:cNvPr id="22" name="Picture SoftUni Digital Logo" descr="SoftUni Digital logo">
-              <a:extLst>
-                <a:ext uri="{FF2B5EF4-FFF2-40B4-BE49-F238E27FC236}">
-                  <a16:creationId xmlns:a16="http://schemas.microsoft.com/office/drawing/2014/main" id="{0A83D66F-855B-463B-920B-BF239B01A206}"/>
-                </a:ext>
-              </a:extLst>
-            </p:cNvPr>
-            <p:cNvPicPr>
-              <a:picLocks noChangeAspect="1"/>
-            </p:cNvPicPr>
-            <p:nvPr userDrawn="1"/>
-          </p:nvPicPr>
-          <p:blipFill>
-            <a:blip r:embed="rId6" cstate="print">
-              <a:extLst>
-                <a:ext uri="{28A0092B-C50C-407E-A947-70E740481C1C}">
-                  <a14:useLocalDpi xmlns:a14="http://schemas.microsoft.com/office/drawing/2010/main" val="0"/>
-                </a:ext>
-              </a:extLst>
-            </a:blip>
-            <a:stretch>
-              <a:fillRect/>
-            </a:stretch>
-          </p:blipFill>
-          <p:spPr>
-            <a:xfrm>
-              <a:off x="7657695" y="3789000"/>
-              <a:ext cx="1084614" cy="1457255"/>
-            </a:xfrm>
-            <a:prstGeom prst="rect">
-              <a:avLst/>
-            </a:prstGeom>
-          </p:spPr>
-        </p:pic>
-        <p:pic>
-          <p:nvPicPr>
-            <p:cNvPr id="21" name="Picture SoftUni Creative Logo" descr="SoftUni Creative logo">
-              <a:extLst>
-                <a:ext uri="{FF2B5EF4-FFF2-40B4-BE49-F238E27FC236}">
-                  <a16:creationId xmlns:a16="http://schemas.microsoft.com/office/drawing/2014/main" id="{EA755AAE-BA08-481C-9224-0061170EE4B8}"/>
-                </a:ext>
-              </a:extLst>
-            </p:cNvPr>
-            <p:cNvPicPr>
-              <a:picLocks noChangeAspect="1"/>
-            </p:cNvPicPr>
-            <p:nvPr/>
-          </p:nvPicPr>
-          <p:blipFill>
-            <a:blip r:embed="rId7" cstate="print">
-              <a:extLst>
-                <a:ext uri="{28A0092B-C50C-407E-A947-70E740481C1C}">
-                  <a14:useLocalDpi xmlns:a14="http://schemas.microsoft.com/office/drawing/2010/main" val="0"/>
-                </a:ext>
-              </a:extLst>
-            </a:blip>
-            <a:stretch>
-              <a:fillRect/>
-            </a:stretch>
-          </p:blipFill>
-          <p:spPr>
-            <a:xfrm>
-              <a:off x="6173913" y="3776293"/>
-              <a:ext cx="1166400" cy="1389257"/>
-            </a:xfrm>
-            <a:prstGeom prst="rect">
-              <a:avLst/>
-            </a:prstGeom>
-          </p:spPr>
-        </p:pic>
-        <p:pic>
-          <p:nvPicPr>
-            <p:cNvPr id="20" name="Picture SoftUni Svetlina Logo" descr="SoftUni Svetlina logo">
-              <a:extLst>
-                <a:ext uri="{FF2B5EF4-FFF2-40B4-BE49-F238E27FC236}">
-                  <a16:creationId xmlns:a16="http://schemas.microsoft.com/office/drawing/2014/main" id="{827D15FD-4C66-4B85-98E6-7826AA8F61C6}"/>
-                </a:ext>
-              </a:extLst>
-            </p:cNvPr>
-            <p:cNvPicPr>
-              <a:picLocks noChangeAspect="1"/>
-            </p:cNvPicPr>
-            <p:nvPr/>
-          </p:nvPicPr>
-          <p:blipFill>
-            <a:blip r:embed="rId8">
-              <a:extLst>
-                <a:ext uri="{28A0092B-C50C-407E-A947-70E740481C1C}">
-                  <a14:useLocalDpi xmlns:a14="http://schemas.microsoft.com/office/drawing/2010/main" val="0"/>
-                </a:ext>
-              </a:extLst>
-            </a:blip>
-            <a:stretch>
-              <a:fillRect/>
-            </a:stretch>
-          </p:blipFill>
-          <p:spPr>
-            <a:xfrm>
-              <a:off x="4735029" y="3776293"/>
-              <a:ext cx="1166400" cy="1402229"/>
-            </a:xfrm>
-            <a:prstGeom prst="rect">
-              <a:avLst/>
-            </a:prstGeom>
-          </p:spPr>
-        </p:pic>
-        <p:pic>
-          <p:nvPicPr>
-            <p:cNvPr id="25" name="Picture Software University Logo" descr="Software University logo">
-              <a:extLst>
-                <a:ext uri="{FF2B5EF4-FFF2-40B4-BE49-F238E27FC236}">
-                  <a16:creationId xmlns:a16="http://schemas.microsoft.com/office/drawing/2014/main" id="{C74C190C-5856-41B9-8819-AE8DE0E10980}"/>
-                </a:ext>
-              </a:extLst>
-            </p:cNvPr>
-            <p:cNvPicPr>
-              <a:picLocks noChangeAspect="1"/>
-            </p:cNvPicPr>
-            <p:nvPr/>
-          </p:nvPicPr>
-          <p:blipFill>
-            <a:blip r:embed="rId9" cstate="print">
-              <a:extLst>
-                <a:ext uri="{28A0092B-C50C-407E-A947-70E740481C1C}">
-                  <a14:useLocalDpi xmlns:a14="http://schemas.microsoft.com/office/drawing/2010/main" val="0"/>
-                </a:ext>
-              </a:extLst>
-            </a:blip>
-            <a:stretch>
-              <a:fillRect/>
-            </a:stretch>
-          </p:blipFill>
-          <p:spPr>
-            <a:xfrm>
-              <a:off x="3332216" y="3776295"/>
-              <a:ext cx="1164654" cy="1440000"/>
-            </a:xfrm>
-            <a:prstGeom prst="rect">
-              <a:avLst/>
-            </a:prstGeom>
-          </p:spPr>
-        </p:pic>
-        <p:cxnSp>
-          <p:nvCxnSpPr>
-            <p:cNvPr id="33" name="Straight Connector 6">
-              <a:extLst>
-                <a:ext uri="{FF2B5EF4-FFF2-40B4-BE49-F238E27FC236}">
-                  <a16:creationId xmlns:a16="http://schemas.microsoft.com/office/drawing/2014/main" id="{5C63D1E8-4A92-4691-8A24-A2FC7E8008E5}"/>
-                </a:ext>
-              </a:extLst>
-            </p:cNvPr>
-            <p:cNvCxnSpPr>
-              <a:cxnSpLocks/>
-            </p:cNvCxnSpPr>
-            <p:nvPr userDrawn="1"/>
-          </p:nvCxnSpPr>
-          <p:spPr>
-            <a:xfrm>
-              <a:off x="11077113" y="3335565"/>
-              <a:ext cx="0" cy="236220"/>
-            </a:xfrm>
-            <a:prstGeom prst="line">
-              <a:avLst/>
-            </a:prstGeom>
-            <a:ln w="25400"/>
-          </p:spPr>
-          <p:style>
-            <a:lnRef idx="1">
-              <a:schemeClr val="accent1"/>
-            </a:lnRef>
-            <a:fillRef idx="0">
-              <a:schemeClr val="accent1"/>
-            </a:fillRef>
-            <a:effectRef idx="0">
-              <a:schemeClr val="accent1"/>
-            </a:effectRef>
-            <a:fontRef idx="minor">
-              <a:schemeClr val="tx1"/>
-            </a:fontRef>
-          </p:style>
-        </p:cxnSp>
-        <p:cxnSp>
-          <p:nvCxnSpPr>
-            <p:cNvPr id="32" name="Straight Connector 5">
-              <a:extLst>
-                <a:ext uri="{FF2B5EF4-FFF2-40B4-BE49-F238E27FC236}">
-                  <a16:creationId xmlns:a16="http://schemas.microsoft.com/office/drawing/2014/main" id="{6E91D320-3732-40B8-864D-142D0A277ED1}"/>
-                </a:ext>
-              </a:extLst>
-            </p:cNvPr>
-            <p:cNvCxnSpPr>
-              <a:cxnSpLocks/>
-            </p:cNvCxnSpPr>
-            <p:nvPr userDrawn="1"/>
-          </p:nvCxnSpPr>
-          <p:spPr>
-            <a:xfrm>
-              <a:off x="9637113" y="3329215"/>
-              <a:ext cx="0" cy="236220"/>
-            </a:xfrm>
-            <a:prstGeom prst="line">
-              <a:avLst/>
-            </a:prstGeom>
-            <a:ln w="25400"/>
-          </p:spPr>
-          <p:style>
-            <a:lnRef idx="1">
-              <a:schemeClr val="accent1"/>
-            </a:lnRef>
-            <a:fillRef idx="0">
-              <a:schemeClr val="accent1"/>
-            </a:fillRef>
-            <a:effectRef idx="0">
-              <a:schemeClr val="accent1"/>
-            </a:effectRef>
-            <a:fontRef idx="minor">
-              <a:schemeClr val="tx1"/>
-            </a:fontRef>
-          </p:style>
-        </p:cxnSp>
-        <p:cxnSp>
-          <p:nvCxnSpPr>
-            <p:cNvPr id="31" name="Straight Connector 4">
-              <a:extLst>
-                <a:ext uri="{FF2B5EF4-FFF2-40B4-BE49-F238E27FC236}">
-                  <a16:creationId xmlns:a16="http://schemas.microsoft.com/office/drawing/2014/main" id="{299ABE09-E33C-46B7-A80D-7BF4A6956211}"/>
-                </a:ext>
-              </a:extLst>
-            </p:cNvPr>
-            <p:cNvCxnSpPr/>
-            <p:nvPr userDrawn="1"/>
-          </p:nvCxnSpPr>
-          <p:spPr>
-            <a:xfrm>
-              <a:off x="8197113" y="3329215"/>
-              <a:ext cx="0" cy="236220"/>
-            </a:xfrm>
-            <a:prstGeom prst="line">
-              <a:avLst/>
-            </a:prstGeom>
-            <a:ln w="25400"/>
-          </p:spPr>
-          <p:style>
-            <a:lnRef idx="1">
-              <a:schemeClr val="accent1"/>
-            </a:lnRef>
-            <a:fillRef idx="0">
-              <a:schemeClr val="accent1"/>
-            </a:fillRef>
-            <a:effectRef idx="0">
-              <a:schemeClr val="accent1"/>
-            </a:effectRef>
-            <a:fontRef idx="minor">
-              <a:schemeClr val="tx1"/>
-            </a:fontRef>
-          </p:style>
-        </p:cxnSp>
-        <p:cxnSp>
-          <p:nvCxnSpPr>
-            <p:cNvPr id="30" name="Straight Connector 3">
-              <a:extLst>
-                <a:ext uri="{FF2B5EF4-FFF2-40B4-BE49-F238E27FC236}">
-                  <a16:creationId xmlns:a16="http://schemas.microsoft.com/office/drawing/2014/main" id="{93DDBF37-0764-47AA-94E3-9A44F3ED8FB5}"/>
-                </a:ext>
-              </a:extLst>
-            </p:cNvPr>
-            <p:cNvCxnSpPr/>
-            <p:nvPr userDrawn="1"/>
-          </p:nvCxnSpPr>
-          <p:spPr>
-            <a:xfrm>
-              <a:off x="6757113" y="3329215"/>
-              <a:ext cx="0" cy="236220"/>
-            </a:xfrm>
-            <a:prstGeom prst="line">
-              <a:avLst/>
-            </a:prstGeom>
-            <a:ln w="25400"/>
-          </p:spPr>
-          <p:style>
-            <a:lnRef idx="1">
-              <a:schemeClr val="accent1"/>
-            </a:lnRef>
-            <a:fillRef idx="0">
-              <a:schemeClr val="accent1"/>
-            </a:fillRef>
-            <a:effectRef idx="0">
-              <a:schemeClr val="accent1"/>
-            </a:effectRef>
-            <a:fontRef idx="minor">
-              <a:schemeClr val="tx1"/>
-            </a:fontRef>
-          </p:style>
-        </p:cxnSp>
-        <p:cxnSp>
-          <p:nvCxnSpPr>
-            <p:cNvPr id="29" name="Straight Connector 2">
-              <a:extLst>
-                <a:ext uri="{FF2B5EF4-FFF2-40B4-BE49-F238E27FC236}">
-                  <a16:creationId xmlns:a16="http://schemas.microsoft.com/office/drawing/2014/main" id="{72BFE2F3-0845-4E5B-9375-E9D4027DD675}"/>
-                </a:ext>
-              </a:extLst>
-            </p:cNvPr>
-            <p:cNvCxnSpPr/>
-            <p:nvPr userDrawn="1"/>
-          </p:nvCxnSpPr>
-          <p:spPr>
-            <a:xfrm>
-              <a:off x="5309913" y="3335565"/>
-              <a:ext cx="0" cy="236220"/>
-            </a:xfrm>
-            <a:prstGeom prst="line">
-              <a:avLst/>
-            </a:prstGeom>
-            <a:ln w="25400"/>
-          </p:spPr>
-          <p:style>
-            <a:lnRef idx="1">
-              <a:schemeClr val="accent1"/>
-            </a:lnRef>
-            <a:fillRef idx="0">
-              <a:schemeClr val="accent1"/>
-            </a:fillRef>
-            <a:effectRef idx="0">
-              <a:schemeClr val="accent1"/>
-            </a:effectRef>
-            <a:fontRef idx="minor">
-              <a:schemeClr val="tx1"/>
-            </a:fontRef>
-          </p:style>
-        </p:cxnSp>
-        <p:cxnSp>
-          <p:nvCxnSpPr>
-            <p:cNvPr id="28" name="Straight Connector 1">
-              <a:extLst>
-                <a:ext uri="{FF2B5EF4-FFF2-40B4-BE49-F238E27FC236}">
-                  <a16:creationId xmlns:a16="http://schemas.microsoft.com/office/drawing/2014/main" id="{D4E5982E-3110-47E1-A5BB-91B7BECC3093}"/>
-                </a:ext>
-              </a:extLst>
-            </p:cNvPr>
-            <p:cNvCxnSpPr/>
-            <p:nvPr userDrawn="1"/>
-          </p:nvCxnSpPr>
-          <p:spPr>
-            <a:xfrm>
-              <a:off x="3915327" y="3335565"/>
-              <a:ext cx="0" cy="236220"/>
-            </a:xfrm>
-            <a:prstGeom prst="line">
-              <a:avLst/>
-            </a:prstGeom>
-            <a:ln w="25400"/>
-          </p:spPr>
-          <p:style>
-            <a:lnRef idx="1">
-              <a:schemeClr val="accent1"/>
-            </a:lnRef>
-            <a:fillRef idx="0">
-              <a:schemeClr val="accent1"/>
-            </a:fillRef>
-            <a:effectRef idx="0">
-              <a:schemeClr val="accent1"/>
-            </a:effectRef>
-            <a:fontRef idx="minor">
-              <a:schemeClr val="tx1"/>
-            </a:fontRef>
-          </p:style>
-        </p:cxnSp>
-        <p:cxnSp>
-          <p:nvCxnSpPr>
-            <p:cNvPr id="27" name="Straight Connector Horizontal">
-              <a:extLst>
-                <a:ext uri="{FF2B5EF4-FFF2-40B4-BE49-F238E27FC236}">
-                  <a16:creationId xmlns:a16="http://schemas.microsoft.com/office/drawing/2014/main" id="{5F62FB7C-BD6E-4383-98C1-2CF30F34CAFD}"/>
-                </a:ext>
-              </a:extLst>
-            </p:cNvPr>
-            <p:cNvCxnSpPr>
-              <a:cxnSpLocks/>
-            </p:cNvCxnSpPr>
-            <p:nvPr userDrawn="1"/>
-          </p:nvCxnSpPr>
-          <p:spPr>
-            <a:xfrm>
-              <a:off x="3915327" y="3335565"/>
-              <a:ext cx="7161786" cy="0"/>
-            </a:xfrm>
-            <a:prstGeom prst="line">
-              <a:avLst/>
-            </a:prstGeom>
-            <a:ln w="25400"/>
-          </p:spPr>
-          <p:style>
-            <a:lnRef idx="1">
-              <a:schemeClr val="accent1"/>
-            </a:lnRef>
-            <a:fillRef idx="0">
-              <a:schemeClr val="accent1"/>
-            </a:fillRef>
-            <a:effectRef idx="0">
-              <a:schemeClr val="accent1"/>
-            </a:effectRef>
-            <a:fontRef idx="minor">
-              <a:schemeClr val="tx1"/>
-            </a:fontRef>
-          </p:style>
-        </p:cxnSp>
-        <p:cxnSp>
-          <p:nvCxnSpPr>
-            <p:cNvPr id="34" name="Straight Connector 0">
-              <a:extLst>
-                <a:ext uri="{FF2B5EF4-FFF2-40B4-BE49-F238E27FC236}">
-                  <a16:creationId xmlns:a16="http://schemas.microsoft.com/office/drawing/2014/main" id="{C84A0FE1-723D-4682-8682-77BAD950EE15}"/>
-                </a:ext>
-              </a:extLst>
-            </p:cNvPr>
-            <p:cNvCxnSpPr/>
-            <p:nvPr userDrawn="1"/>
-          </p:nvCxnSpPr>
-          <p:spPr>
-            <a:xfrm>
-              <a:off x="7496220" y="3092995"/>
-              <a:ext cx="0" cy="236220"/>
-            </a:xfrm>
-            <a:prstGeom prst="line">
-              <a:avLst/>
-            </a:prstGeom>
-            <a:ln w="25400"/>
-          </p:spPr>
-          <p:style>
-            <a:lnRef idx="1">
-              <a:schemeClr val="accent1"/>
-            </a:lnRef>
-            <a:fillRef idx="0">
-              <a:schemeClr val="accent1"/>
-            </a:fillRef>
-            <a:effectRef idx="0">
-              <a:schemeClr val="accent1"/>
-            </a:effectRef>
-            <a:fontRef idx="minor">
-              <a:schemeClr val="tx1"/>
-            </a:fontRef>
-          </p:style>
-        </p:cxnSp>
-        <p:pic>
-          <p:nvPicPr>
-            <p:cNvPr id="18" name="Picture SoftUni Logo" descr="SoftUni logo">
-              <a:extLst>
-                <a:ext uri="{FF2B5EF4-FFF2-40B4-BE49-F238E27FC236}">
-                  <a16:creationId xmlns:a16="http://schemas.microsoft.com/office/drawing/2014/main" id="{A0675455-B7FA-4569-A5FD-A3B0F20B2A26}"/>
-                </a:ext>
-              </a:extLst>
-            </p:cNvPr>
-            <p:cNvPicPr>
-              <a:picLocks noChangeAspect="1"/>
-            </p:cNvPicPr>
-            <p:nvPr/>
-          </p:nvPicPr>
-          <p:blipFill>
-            <a:blip r:embed="rId10" cstate="print">
-              <a:extLst>
-                <a:ext uri="{28A0092B-C50C-407E-A947-70E740481C1C}">
-                  <a14:useLocalDpi xmlns:a14="http://schemas.microsoft.com/office/drawing/2010/main" val="0"/>
-                </a:ext>
-              </a:extLst>
-            </a:blip>
-            <a:stretch>
-              <a:fillRect/>
-            </a:stretch>
-          </p:blipFill>
-          <p:spPr>
-            <a:xfrm>
-              <a:off x="6896770" y="1702473"/>
-              <a:ext cx="1198901" cy="1198901"/>
-            </a:xfrm>
-            <a:prstGeom prst="rect">
-              <a:avLst/>
-            </a:prstGeom>
-          </p:spPr>
-        </p:pic>
-      </p:grpSp>
-      <p:sp>
-        <p:nvSpPr>
-          <p:cNvPr id="19" name="Slide Title">
-            <a:extLst>
-              <a:ext uri="{FF2B5EF4-FFF2-40B4-BE49-F238E27FC236}">
-                <a16:creationId xmlns:a16="http://schemas.microsoft.com/office/drawing/2014/main" id="{7CFDBB16-985C-4CC7-B6DB-B81B36037922}"/>
+                <a16:creationId xmlns:a16="http://schemas.microsoft.com/office/drawing/2014/main" id="{3107753B-8639-4399-B782-EE5377184D2E}"/>
               </a:ext>
             </a:extLst>
           </p:cNvPr>
@@ -5537,142 +4823,33 @@
             <a:spLocks noGrp="1"/>
           </p:cNvSpPr>
           <p:nvPr>
-            <p:ph type="title"/>
+            <p:ph type="title" hasCustomPrompt="1"/>
           </p:nvPr>
         </p:nvSpPr>
         <p:spPr>
           <a:xfrm>
-            <a:off x="809628" y="703244"/>
-            <a:ext cx="5916372" cy="1033303"/>
+            <a:off x="726988" y="1461842"/>
+            <a:ext cx="10731663" cy="3047158"/>
           </a:xfrm>
-          <a:prstGeom prst="rect">
-            <a:avLst/>
-          </a:prstGeom>
         </p:spPr>
         <p:txBody>
-          <a:bodyPr wrap="none" lIns="0" tIns="0" rIns="0" bIns="0" anchor="ctr" anchorCtr="0">
-            <a:noAutofit/>
-            <a:scene3d>
-              <a:camera prst="orthographicFront"/>
-              <a:lightRig rig="soft" dir="t">
-                <a:rot lat="0" lon="0" rev="10800000"/>
-              </a:lightRig>
-            </a:scene3d>
-            <a:sp3d>
-              <a:bevelT w="27940" h="12700"/>
-              <a:contourClr>
-                <a:srgbClr val="DDDDDD"/>
-              </a:contourClr>
-            </a:sp3d>
+          <a:bodyPr>
+            <a:normAutofit/>
           </a:bodyPr>
-          <a:lstStyle/>
-          <a:p>
-            <a:pPr marL="0" marR="0" lvl="0" indent="0" algn="l" defTabSz="913852" rtl="0" eaLnBrk="0" fontAlgn="auto" latinLnBrk="0" hangingPunct="0">
-              <a:lnSpc>
-                <a:spcPct val="100000"/>
-              </a:lnSpc>
-              <a:spcBef>
-                <a:spcPts val="0"/>
-              </a:spcBef>
-              <a:spcAft>
-                <a:spcPts val="0"/>
-              </a:spcAft>
-              <a:buClr>
-                <a:srgbClr val="67748E">
-                  <a:lumMod val="40000"/>
-                  <a:lumOff val="60000"/>
-                </a:srgbClr>
-              </a:buClr>
-              <a:buSzPct val="70000"/>
-              <a:buFont typeface="Wingdings 2" pitchFamily="18" charset="2"/>
-              <a:buNone/>
-              <a:tabLst/>
-              <a:defRPr/>
-            </a:pPr>
-            <a:r>
-              <a:rPr kumimoji="0" lang="en-US" sz="8797" b="1" i="0" u="none" strike="noStrike" kern="1200" cap="none" spc="0" normalizeH="0" baseline="0" noProof="0" dirty="0">
-                <a:ln>
-                  <a:noFill/>
-                </a:ln>
-                <a:solidFill>
-                  <a:srgbClr val="234465"/>
-                </a:solidFill>
-                <a:effectLst/>
-                <a:uLnTx/>
-                <a:uFillTx/>
-                <a:latin typeface="Calibri" panose="020F0502020204030204"/>
-                <a:ea typeface="+mn-ea"/>
-                <a:cs typeface="+mn-cs"/>
-              </a:rPr>
-              <a:t>Questions?</a:t>
-            </a:r>
-            <a:endParaRPr kumimoji="0" lang="en-US" sz="8797" b="1" i="0" u="none" strike="noStrike" kern="1200" cap="none" spc="150" normalizeH="0" baseline="0" noProof="0" dirty="0">
-              <a:ln w="11430"/>
-              <a:solidFill>
-                <a:srgbClr val="234465"/>
-              </a:solidFill>
-              <a:effectLst>
-                <a:outerShdw blurRad="25400" algn="tl" rotWithShape="0">
-                  <a:srgbClr val="000000">
-                    <a:alpha val="43000"/>
-                  </a:srgbClr>
-                </a:outerShdw>
-              </a:effectLst>
-              <a:uLnTx/>
-              <a:uFillTx/>
-              <a:latin typeface="Calibri" panose="020F0502020204030204"/>
-              <a:ea typeface="+mn-ea"/>
-              <a:cs typeface="+mn-cs"/>
-            </a:endParaRPr>
+          <a:lstStyle>
+            <a:lvl1pPr algn="ctr">
+              <a:defRPr sz="13800"/>
+            </a:lvl1pPr>
+          </a:lstStyle>
+          <a:p>
+            <a:r>
+              <a:rPr lang="bg-BG" dirty="0"/>
+              <a:t>Въпроси?</a:t>
+            </a:r>
+            <a:endParaRPr lang="en-US" dirty="0"/>
           </a:p>
         </p:txBody>
       </p:sp>
-      <p:pic>
-        <p:nvPicPr>
-          <p:cNvPr id="36" name="Logo Software University" descr="Software University logo">
-            <a:extLst>
-              <a:ext uri="{FF2B5EF4-FFF2-40B4-BE49-F238E27FC236}">
-                <a16:creationId xmlns:a16="http://schemas.microsoft.com/office/drawing/2014/main" id="{67FC4D2E-913D-432A-B658-F0D82839FA5E}"/>
-              </a:ext>
-            </a:extLst>
-          </p:cNvPr>
-          <p:cNvPicPr>
-            <a:picLocks noChangeAspect="1"/>
-          </p:cNvPicPr>
-          <p:nvPr userDrawn="1"/>
-        </p:nvPicPr>
-        <p:blipFill>
-          <a:blip r:embed="rId11">
-            <a:clrChange>
-              <a:clrFrom>
-                <a:srgbClr val="FFFFFF"/>
-              </a:clrFrom>
-              <a:clrTo>
-                <a:srgbClr val="FFFFFF">
-                  <a:alpha val="0"/>
-                </a:srgbClr>
-              </a:clrTo>
-            </a:clrChange>
-            <a:extLst>
-              <a:ext uri="{28A0092B-C50C-407E-A947-70E740481C1C}">
-                <a14:useLocalDpi xmlns:a14="http://schemas.microsoft.com/office/drawing/2010/main" val="0"/>
-              </a:ext>
-            </a:extLst>
-          </a:blip>
-          <a:stretch>
-            <a:fillRect/>
-          </a:stretch>
-        </p:blipFill>
-        <p:spPr>
-          <a:xfrm>
-            <a:off x="10008761" y="190267"/>
-            <a:ext cx="2013336" cy="690975"/>
-          </a:xfrm>
-          <a:prstGeom prst="rect">
-            <a:avLst/>
-          </a:prstGeom>
-        </p:spPr>
-      </p:pic>
     </p:spTree>
     <p:extLst>
       <p:ext uri="{BB962C8B-B14F-4D97-AF65-F5344CB8AC3E}">
@@ -5707,528 +4884,6 @@
       </p15:sldGuideLst>
     </p:ext>
   </p:extLst>
-</p:sldLayout>
-</file>
-
-<file path=ppt/slideLayouts/slideLayout13.xml><?xml version="1.0" encoding="utf-8"?>
-<p:sldLayout xmlns:a="http://schemas.openxmlformats.org/drawingml/2006/main" xmlns:r="http://schemas.openxmlformats.org/officeDocument/2006/relationships" xmlns:p="http://schemas.openxmlformats.org/presentationml/2006/main" preserve="1" userDrawn="1">
-  <p:cSld name="About Slide">
-    <p:spTree>
-      <p:nvGrpSpPr>
-        <p:cNvPr id="1" name=""/>
-        <p:cNvGrpSpPr/>
-        <p:nvPr/>
-      </p:nvGrpSpPr>
-      <p:grpSpPr>
-        <a:xfrm>
-          <a:off x="0" y="0"/>
-          <a:ext cx="0" cy="0"/>
-          <a:chOff x="0" y="0"/>
-          <a:chExt cx="0" cy="0"/>
-        </a:xfrm>
-      </p:grpSpPr>
-      <p:sp>
-        <p:nvSpPr>
-          <p:cNvPr id="13" name="Slide Number">
-            <a:extLst>
-              <a:ext uri="{FF2B5EF4-FFF2-40B4-BE49-F238E27FC236}">
-                <a16:creationId xmlns:a16="http://schemas.microsoft.com/office/drawing/2014/main" id="{5B8761D8-B42F-4A70-A0CE-682CEB2AE31B}"/>
-              </a:ext>
-            </a:extLst>
-          </p:cNvPr>
-          <p:cNvSpPr>
-            <a:spLocks noGrp="1"/>
-          </p:cNvSpPr>
-          <p:nvPr>
-            <p:ph type="sldNum" sz="quarter" idx="4"/>
-          </p:nvPr>
-        </p:nvSpPr>
-        <p:spPr>
-          <a:xfrm>
-            <a:off x="11753030" y="6507000"/>
-            <a:ext cx="367414" cy="297000"/>
-          </a:xfrm>
-          <a:prstGeom prst="rect">
-            <a:avLst/>
-          </a:prstGeom>
-        </p:spPr>
-        <p:txBody>
-          <a:bodyPr vert="horz" lIns="91440" tIns="45720" rIns="91440" bIns="45720" rtlCol="0" anchor="b"/>
-          <a:lstStyle>
-            <a:lvl1pPr algn="r">
-              <a:defRPr sz="1000"/>
-            </a:lvl1pPr>
-          </a:lstStyle>
-          <a:p>
-            <a:fld id="{2BF067CD-8E6B-4360-9AA8-C5DF2A48A6D1}" type="slidenum">
-              <a:rPr lang="en-US" noProof="0" smtClean="0"/>
-              <a:pPr/>
-              <a:t>‹#›</a:t>
-            </a:fld>
-            <a:endParaRPr lang="en-US" noProof="0" dirty="0"/>
-          </a:p>
-        </p:txBody>
-      </p:sp>
-      <p:pic>
-        <p:nvPicPr>
-          <p:cNvPr id="19" name="Picture Forum" descr="Forum icon">
-            <a:hlinkClick r:id="rId2" tooltip="Software University Discussion Forum"/>
-            <a:extLst>
-              <a:ext uri="{FF2B5EF4-FFF2-40B4-BE49-F238E27FC236}">
-                <a16:creationId xmlns:a16="http://schemas.microsoft.com/office/drawing/2014/main" id="{98C579AD-FAF5-4B28-9B52-5457F1E90061}"/>
-              </a:ext>
-            </a:extLst>
-          </p:cNvPr>
-          <p:cNvPicPr>
-            <a:picLocks noChangeAspect="1"/>
-          </p:cNvPicPr>
-          <p:nvPr userDrawn="1"/>
-        </p:nvPicPr>
-        <p:blipFill>
-          <a:blip r:embed="rId3" cstate="print">
-            <a:extLst>
-              <a:ext uri="{28A0092B-C50C-407E-A947-70E740481C1C}">
-                <a14:useLocalDpi xmlns:a14="http://schemas.microsoft.com/office/drawing/2010/main"/>
-              </a:ext>
-            </a:extLst>
-          </a:blip>
-          <a:stretch>
-            <a:fillRect/>
-          </a:stretch>
-        </p:blipFill>
-        <p:spPr>
-          <a:xfrm>
-            <a:off x="10524350" y="5249556"/>
-            <a:ext cx="970156" cy="965726"/>
-          </a:xfrm>
-          <a:prstGeom prst="rect">
-            <a:avLst/>
-          </a:prstGeom>
-        </p:spPr>
-      </p:pic>
-      <p:pic>
-        <p:nvPicPr>
-          <p:cNvPr id="17" name="Picture Logo FB" descr="Facebook logo">
-            <a:hlinkClick r:id="rId4" tooltip="Software University @ Facebook"/>
-            <a:extLst>
-              <a:ext uri="{FF2B5EF4-FFF2-40B4-BE49-F238E27FC236}">
-                <a16:creationId xmlns:a16="http://schemas.microsoft.com/office/drawing/2014/main" id="{6B2C510E-5EF2-49F6-B926-2BD74CD3C7F8}"/>
-              </a:ext>
-            </a:extLst>
-          </p:cNvPr>
-          <p:cNvPicPr>
-            <a:picLocks noChangeAspect="1" noChangeArrowheads="1"/>
-          </p:cNvPicPr>
-          <p:nvPr userDrawn="1"/>
-        </p:nvPicPr>
-        <p:blipFill rotWithShape="1">
-          <a:blip r:embed="rId5" cstate="print">
-            <a:extLst>
-              <a:ext uri="{28A0092B-C50C-407E-A947-70E740481C1C}">
-                <a14:useLocalDpi xmlns:a14="http://schemas.microsoft.com/office/drawing/2010/main"/>
-              </a:ext>
-            </a:extLst>
-          </a:blip>
-          <a:srcRect/>
-          <a:stretch/>
-        </p:blipFill>
-        <p:spPr bwMode="auto">
-          <a:xfrm>
-            <a:off x="10507451" y="3689937"/>
-            <a:ext cx="1003954" cy="1017562"/>
-          </a:xfrm>
-          <a:prstGeom prst="rect">
-            <a:avLst/>
-          </a:prstGeom>
-          <a:noFill/>
-          <a:extLst>
-            <a:ext uri="{909E8E84-426E-40DD-AFC4-6F175D3DCCD1}">
-              <a14:hiddenFill xmlns:a14="http://schemas.microsoft.com/office/drawing/2010/main">
-                <a:solidFill>
-                  <a:srgbClr val="FFFFFF"/>
-                </a:solidFill>
-              </a14:hiddenFill>
-            </a:ext>
-          </a:extLst>
-        </p:spPr>
-      </p:pic>
-      <p:pic>
-        <p:nvPicPr>
-          <p:cNvPr id="20" name="Picture Logo SoftUni Right" descr="Software University logo">
-            <a:hlinkClick r:id="rId6"/>
-            <a:extLst>
-              <a:ext uri="{FF2B5EF4-FFF2-40B4-BE49-F238E27FC236}">
-                <a16:creationId xmlns:a16="http://schemas.microsoft.com/office/drawing/2014/main" id="{F4604840-E810-44B7-9FF1-3B28CD68B758}"/>
-              </a:ext>
-            </a:extLst>
-          </p:cNvPr>
-          <p:cNvPicPr>
-            <a:picLocks noChangeAspect="1"/>
-          </p:cNvPicPr>
-          <p:nvPr userDrawn="1"/>
-        </p:nvPicPr>
-        <p:blipFill>
-          <a:blip r:embed="rId7">
-            <a:extLst>
-              <a:ext uri="{28A0092B-C50C-407E-A947-70E740481C1C}">
-                <a14:useLocalDpi xmlns:a14="http://schemas.microsoft.com/office/drawing/2010/main" val="0"/>
-              </a:ext>
-            </a:extLst>
-          </a:blip>
-          <a:stretch>
-            <a:fillRect/>
-          </a:stretch>
-        </p:blipFill>
-        <p:spPr>
-          <a:xfrm>
-            <a:off x="10413401" y="1674000"/>
-            <a:ext cx="1192055" cy="1473880"/>
-          </a:xfrm>
-          <a:prstGeom prst="rect">
-            <a:avLst/>
-          </a:prstGeom>
-        </p:spPr>
-      </p:pic>
-      <p:pic>
-        <p:nvPicPr>
-          <p:cNvPr id="16" name="Picture SoftUni Mascot" descr="SoftUni mascot">
-            <a:hlinkClick r:id="rId8"/>
-            <a:extLst>
-              <a:ext uri="{FF2B5EF4-FFF2-40B4-BE49-F238E27FC236}">
-                <a16:creationId xmlns:a16="http://schemas.microsoft.com/office/drawing/2014/main" id="{07C965FA-A87E-4824-AFA8-C67AF548A76A}"/>
-              </a:ext>
-            </a:extLst>
-          </p:cNvPr>
-          <p:cNvPicPr>
-            <a:picLocks noChangeAspect="1"/>
-          </p:cNvPicPr>
-          <p:nvPr/>
-        </p:nvPicPr>
-        <p:blipFill>
-          <a:blip r:embed="rId9">
-            <a:extLst>
-              <a:ext uri="{28A0092B-C50C-407E-A947-70E740481C1C}">
-                <a14:useLocalDpi xmlns:a14="http://schemas.microsoft.com/office/drawing/2010/main" val="0"/>
-              </a:ext>
-            </a:extLst>
-          </a:blip>
-          <a:srcRect/>
-          <a:stretch/>
-        </p:blipFill>
-        <p:spPr>
-          <a:xfrm>
-            <a:off x="7181957" y="2584289"/>
-            <a:ext cx="2732955" cy="3630993"/>
-          </a:xfrm>
-          <a:prstGeom prst="rect">
-            <a:avLst/>
-          </a:prstGeom>
-        </p:spPr>
-      </p:pic>
-      <p:sp>
-        <p:nvSpPr>
-          <p:cNvPr id="12" name="Slide Body Text">
-            <a:extLst>
-              <a:ext uri="{FF2B5EF4-FFF2-40B4-BE49-F238E27FC236}">
-                <a16:creationId xmlns:a16="http://schemas.microsoft.com/office/drawing/2014/main" id="{0C1F9416-8B6E-46DE-973C-777785E27A26}"/>
-              </a:ext>
-            </a:extLst>
-          </p:cNvPr>
-          <p:cNvSpPr>
-            <a:spLocks noGrp="1"/>
-          </p:cNvSpPr>
-          <p:nvPr>
-            <p:ph idx="4294967295" hasCustomPrompt="1"/>
-          </p:nvPr>
-        </p:nvSpPr>
-        <p:spPr>
-          <a:xfrm>
-            <a:off x="152410" y="1186307"/>
-            <a:ext cx="8688590" cy="5496127"/>
-          </a:xfrm>
-        </p:spPr>
-        <p:txBody>
-          <a:bodyPr wrap="square">
-            <a:noAutofit/>
-          </a:bodyPr>
-          <a:lstStyle>
-            <a:lvl1pPr latinLnBrk="0">
-              <a:buClr>
-                <a:schemeClr val="tx1"/>
-              </a:buClr>
-              <a:defRPr sz="2798"/>
-            </a:lvl1pPr>
-            <a:lvl2pPr marL="989981" marR="0" indent="-380762" algn="l" defTabSz="1218438" rtl="0" eaLnBrk="1" fontAlgn="auto" latinLnBrk="1" hangingPunct="1">
-              <a:lnSpc>
-                <a:spcPct val="100000"/>
-              </a:lnSpc>
-              <a:spcBef>
-                <a:spcPts val="600"/>
-              </a:spcBef>
-              <a:spcAft>
-                <a:spcPts val="600"/>
-              </a:spcAft>
-              <a:buClrTx/>
-              <a:buSzTx/>
-              <a:buFont typeface="Wingdings" panose="05000000000000000000" pitchFamily="2" charset="2"/>
-              <a:buChar char="§"/>
-              <a:tabLst>
-                <a:tab pos="282405" algn="l"/>
-              </a:tabLst>
-              <a:defRPr sz="2800"/>
-            </a:lvl2pPr>
-            <a:lvl3pPr>
-              <a:buClr>
-                <a:schemeClr val="tx1"/>
-              </a:buClr>
-              <a:defRPr/>
-            </a:lvl3pPr>
-          </a:lstStyle>
-          <a:p>
-            <a:r>
-              <a:rPr lang="en-US" sz="3000" noProof="0" dirty="0"/>
-              <a:t>Software University – High-Quality Education, Profession and Job for Software Developers</a:t>
-            </a:r>
-          </a:p>
-          <a:p>
-            <a:pPr lvl="1"/>
-            <a:r>
-              <a:rPr lang="en-US" noProof="1">
-                <a:hlinkClick r:id="rId8"/>
-              </a:rPr>
-              <a:t>softuni.bg</a:t>
-            </a:r>
-            <a:r>
-              <a:rPr lang="en-US" noProof="1"/>
-              <a:t> </a:t>
-            </a:r>
-          </a:p>
-          <a:p>
-            <a:r>
-              <a:rPr lang="en-US" sz="3000" noProof="0" dirty="0"/>
-              <a:t>Software University Foundation</a:t>
-            </a:r>
-          </a:p>
-          <a:p>
-            <a:pPr lvl="1"/>
-            <a:r>
-              <a:rPr lang="en-US" noProof="1">
-                <a:hlinkClick r:id="rId10"/>
-              </a:rPr>
-              <a:t>softuni.foundation</a:t>
-            </a:r>
-            <a:endParaRPr lang="en-US" noProof="1"/>
-          </a:p>
-          <a:p>
-            <a:r>
-              <a:rPr lang="en-US" sz="3000" noProof="0" dirty="0"/>
-              <a:t>Software University @ Facebook</a:t>
-            </a:r>
-          </a:p>
-          <a:p>
-            <a:pPr lvl="1"/>
-            <a:r>
-              <a:rPr lang="en-US" noProof="1">
-                <a:hlinkClick r:id="rId4"/>
-              </a:rPr>
-              <a:t>facebook.com/SoftwareUniversity</a:t>
-            </a:r>
-            <a:endParaRPr lang="en-US" noProof="1"/>
-          </a:p>
-          <a:p>
-            <a:r>
-              <a:rPr lang="en-US" sz="3000" noProof="0" dirty="0"/>
-              <a:t>Software University Forums</a:t>
-            </a:r>
-          </a:p>
-          <a:p>
-            <a:pPr lvl="1"/>
-            <a:r>
-              <a:rPr lang="en-US" noProof="1">
-                <a:hlinkClick r:id="rId2"/>
-              </a:rPr>
-              <a:t>forum.softuni.bg</a:t>
-            </a:r>
-            <a:endParaRPr lang="en-US" noProof="1"/>
-          </a:p>
-        </p:txBody>
-      </p:sp>
-      <p:sp>
-        <p:nvSpPr>
-          <p:cNvPr id="10" name="Rectangle Top">
-            <a:extLst>
-              <a:ext uri="{FF2B5EF4-FFF2-40B4-BE49-F238E27FC236}">
-                <a16:creationId xmlns:a16="http://schemas.microsoft.com/office/drawing/2014/main" id="{86646B95-5E3B-4DE8-9118-031C2C296D8C}"/>
-              </a:ext>
-            </a:extLst>
-          </p:cNvPr>
-          <p:cNvSpPr/>
-          <p:nvPr userDrawn="1"/>
-        </p:nvSpPr>
-        <p:spPr>
-          <a:xfrm>
-            <a:off x="0" y="0"/>
-            <a:ext cx="12195176" cy="1095376"/>
-          </a:xfrm>
-          <a:prstGeom prst="rect">
-            <a:avLst/>
-          </a:prstGeom>
-          <a:solidFill>
-            <a:schemeClr val="tx2"/>
-          </a:solidFill>
-          <a:ln>
-            <a:noFill/>
-          </a:ln>
-        </p:spPr>
-        <p:style>
-          <a:lnRef idx="2">
-            <a:schemeClr val="accent1">
-              <a:shade val="50000"/>
-            </a:schemeClr>
-          </a:lnRef>
-          <a:fillRef idx="1">
-            <a:schemeClr val="accent1"/>
-          </a:fillRef>
-          <a:effectRef idx="0">
-            <a:schemeClr val="accent1"/>
-          </a:effectRef>
-          <a:fontRef idx="minor">
-            <a:schemeClr val="lt1"/>
-          </a:fontRef>
-        </p:style>
-        <p:txBody>
-          <a:bodyPr rtlCol="0" anchor="ctr"/>
-          <a:lstStyle/>
-          <a:p>
-            <a:pPr marL="0" marR="0" lvl="0" indent="0" algn="ctr" defTabSz="913852" rtl="0" eaLnBrk="1" fontAlgn="auto" latinLnBrk="0" hangingPunct="1">
-              <a:lnSpc>
-                <a:spcPct val="100000"/>
-              </a:lnSpc>
-              <a:spcBef>
-                <a:spcPts val="0"/>
-              </a:spcBef>
-              <a:spcAft>
-                <a:spcPts val="0"/>
-              </a:spcAft>
-              <a:buClrTx/>
-              <a:buSzTx/>
-              <a:buFontTx/>
-              <a:buNone/>
-              <a:tabLst/>
-              <a:defRPr/>
-            </a:pPr>
-            <a:endParaRPr kumimoji="0" lang="en-US" altLang="ko-KR" sz="2398" b="0" i="0" u="none" strike="noStrike" kern="1200" cap="none" spc="0" normalizeH="0" baseline="0" noProof="0" dirty="0">
-              <a:ln>
-                <a:noFill/>
-              </a:ln>
-              <a:solidFill>
-                <a:srgbClr val="F7C86D"/>
-              </a:solidFill>
-              <a:effectLst/>
-              <a:uLnTx/>
-              <a:uFillTx/>
-              <a:latin typeface="Calibri" panose="020F0502020204030204"/>
-              <a:ea typeface="맑은 고딕" panose="020B0503020000020004" pitchFamily="34" charset="-127"/>
-              <a:cs typeface="+mn-cs"/>
-            </a:endParaRPr>
-          </a:p>
-        </p:txBody>
-      </p:sp>
-      <p:pic>
-        <p:nvPicPr>
-          <p:cNvPr id="11" name="Logo Software University" descr="Software University logo">
-            <a:extLst>
-              <a:ext uri="{FF2B5EF4-FFF2-40B4-BE49-F238E27FC236}">
-                <a16:creationId xmlns:a16="http://schemas.microsoft.com/office/drawing/2014/main" id="{58AB1944-B146-4E89-B2D9-426EB610F319}"/>
-              </a:ext>
-            </a:extLst>
-          </p:cNvPr>
-          <p:cNvPicPr>
-            <a:picLocks noChangeAspect="1"/>
-          </p:cNvPicPr>
-          <p:nvPr userDrawn="1"/>
-        </p:nvPicPr>
-        <p:blipFill>
-          <a:blip r:embed="rId11">
-            <a:extLst>
-              <a:ext uri="{28A0092B-C50C-407E-A947-70E740481C1C}">
-                <a14:useLocalDpi xmlns:a14="http://schemas.microsoft.com/office/drawing/2010/main" val="0"/>
-              </a:ext>
-            </a:extLst>
-          </a:blip>
-          <a:stretch>
-            <a:fillRect/>
-          </a:stretch>
-        </p:blipFill>
-        <p:spPr>
-          <a:xfrm>
-            <a:off x="10067957" y="253936"/>
-            <a:ext cx="1915704" cy="559235"/>
-          </a:xfrm>
-          <a:prstGeom prst="rect">
-            <a:avLst/>
-          </a:prstGeom>
-        </p:spPr>
-      </p:pic>
-      <p:sp>
-        <p:nvSpPr>
-          <p:cNvPr id="18" name="Slide Title">
-            <a:extLst>
-              <a:ext uri="{FF2B5EF4-FFF2-40B4-BE49-F238E27FC236}">
-                <a16:creationId xmlns:a16="http://schemas.microsoft.com/office/drawing/2014/main" id="{AE87ED9C-76E1-4D85-9B06-3AF44AABB668}"/>
-              </a:ext>
-            </a:extLst>
-          </p:cNvPr>
-          <p:cNvSpPr>
-            <a:spLocks noGrp="1"/>
-          </p:cNvSpPr>
-          <p:nvPr>
-            <p:ph type="title" hasCustomPrompt="1"/>
-          </p:nvPr>
-        </p:nvSpPr>
-        <p:spPr>
-          <a:xfrm>
-            <a:off x="172286" y="108873"/>
-            <a:ext cx="9742626" cy="882654"/>
-          </a:xfrm>
-        </p:spPr>
-        <p:txBody>
-          <a:bodyPr/>
-          <a:lstStyle>
-            <a:lvl1pPr latinLnBrk="0">
-              <a:defRPr>
-                <a:solidFill>
-                  <a:schemeClr val="bg2"/>
-                </a:solidFill>
-              </a:defRPr>
-            </a:lvl1pPr>
-          </a:lstStyle>
-          <a:p>
-            <a:r>
-              <a:rPr lang="en-US" noProof="0" dirty="0"/>
-              <a:t>Trainings @ Software University (SoftUni)</a:t>
-            </a:r>
-          </a:p>
-        </p:txBody>
-      </p:sp>
-    </p:spTree>
-    <p:extLst>
-      <p:ext uri="{BB962C8B-B14F-4D97-AF65-F5344CB8AC3E}">
-        <p14:creationId xmlns:p14="http://schemas.microsoft.com/office/powerpoint/2010/main" val="2196466322"/>
-      </p:ext>
-    </p:extLst>
-  </p:cSld>
-  <p:clrMapOvr>
-    <a:masterClrMapping/>
-  </p:clrMapOvr>
-  <mc:AlternateContent xmlns:mc="http://schemas.openxmlformats.org/markup-compatibility/2006" xmlns:p14="http://schemas.microsoft.com/office/powerpoint/2010/main">
-    <mc:Choice Requires="p14">
-      <p:transition spd="slow" p14:dur="2000" advClick="0" advTm="5000"/>
-    </mc:Choice>
-    <mc:Fallback xmlns="">
-      <p:transition spd="slow" advClick="0" advTm="5000"/>
-    </mc:Fallback>
-  </mc:AlternateContent>
 </p:sldLayout>
 </file>
 
@@ -6309,7 +4964,7 @@
               <a:tabLst/>
               <a:defRPr/>
             </a:pPr>
-            <a:endParaRPr kumimoji="0" lang="en-US" altLang="ko-KR" sz="2398" b="0" i="0" u="none" strike="noStrike" kern="1200" cap="none" spc="0" normalizeH="0" baseline="0" noProof="0" dirty="0">
+            <a:endParaRPr kumimoji="0" lang="en-US" altLang="ko-KR" sz="2398" b="0" i="0" u="none" strike="noStrike" kern="1200" cap="none" spc="0" normalizeH="0" baseline="0" noProof="0">
               <a:ln>
                 <a:noFill/>
               </a:ln>
@@ -6637,7 +5292,7 @@
               <a:tabLst/>
               <a:defRPr/>
             </a:pPr>
-            <a:endParaRPr kumimoji="0" lang="en-US" altLang="ko-KR" sz="2398" b="0" i="0" u="none" strike="noStrike" kern="1200" cap="none" spc="0" normalizeH="0" baseline="0" noProof="0" dirty="0">
+            <a:endParaRPr kumimoji="0" lang="en-US" altLang="ko-KR" sz="2398" b="0" i="0" u="none" strike="noStrike" kern="1200" cap="none" spc="0" normalizeH="0" baseline="0" noProof="0">
               <a:ln>
                 <a:noFill/>
               </a:ln>
@@ -6654,42 +5309,6 @@
           </a:p>
         </p:txBody>
       </p:sp>
-      <p:pic>
-        <p:nvPicPr>
-          <p:cNvPr id="12" name="Logo Software University" descr="Software University logo">
-            <a:extLst>
-              <a:ext uri="{FF2B5EF4-FFF2-40B4-BE49-F238E27FC236}">
-                <a16:creationId xmlns:a16="http://schemas.microsoft.com/office/drawing/2014/main" id="{B1D3B425-B9BF-43ED-9DEC-C05002FBA22F}"/>
-              </a:ext>
-            </a:extLst>
-          </p:cNvPr>
-          <p:cNvPicPr>
-            <a:picLocks noChangeAspect="1"/>
-          </p:cNvPicPr>
-          <p:nvPr userDrawn="1"/>
-        </p:nvPicPr>
-        <p:blipFill>
-          <a:blip r:embed="rId2">
-            <a:extLst>
-              <a:ext uri="{28A0092B-C50C-407E-A947-70E740481C1C}">
-                <a14:useLocalDpi xmlns:a14="http://schemas.microsoft.com/office/drawing/2010/main" val="0"/>
-              </a:ext>
-            </a:extLst>
-          </a:blip>
-          <a:stretch>
-            <a:fillRect/>
-          </a:stretch>
-        </p:blipFill>
-        <p:spPr>
-          <a:xfrm>
-            <a:off x="10067957" y="253936"/>
-            <a:ext cx="1915704" cy="559235"/>
-          </a:xfrm>
-          <a:prstGeom prst="rect">
-            <a:avLst/>
-          </a:prstGeom>
-        </p:spPr>
-      </p:pic>
       <p:sp>
         <p:nvSpPr>
           <p:cNvPr id="6" name="Slide Title">
@@ -6709,7 +5328,7 @@
         <p:spPr>
           <a:xfrm>
             <a:off x="190406" y="100750"/>
-            <a:ext cx="9715594" cy="882654"/>
+            <a:ext cx="10270594" cy="882654"/>
           </a:xfrm>
         </p:spPr>
         <p:txBody>
@@ -6731,6 +5350,42 @@
           </a:p>
         </p:txBody>
       </p:sp>
+      <p:pic>
+        <p:nvPicPr>
+          <p:cNvPr id="4" name="Picture 3">
+            <a:extLst>
+              <a:ext uri="{FF2B5EF4-FFF2-40B4-BE49-F238E27FC236}">
+                <a16:creationId xmlns:a16="http://schemas.microsoft.com/office/drawing/2014/main" id="{4B9A1D0F-F579-6A3C-C698-4E2E7F1AB265}"/>
+              </a:ext>
+            </a:extLst>
+          </p:cNvPr>
+          <p:cNvPicPr>
+            <a:picLocks noChangeAspect="1"/>
+          </p:cNvPicPr>
+          <p:nvPr userDrawn="1"/>
+        </p:nvPicPr>
+        <p:blipFill>
+          <a:blip r:embed="rId2" cstate="print">
+            <a:extLst>
+              <a:ext uri="{28A0092B-C50C-407E-A947-70E740481C1C}">
+                <a14:useLocalDpi xmlns:a14="http://schemas.microsoft.com/office/drawing/2010/main" val="0"/>
+              </a:ext>
+            </a:extLst>
+          </a:blip>
+          <a:stretch>
+            <a:fillRect/>
+          </a:stretch>
+        </p:blipFill>
+        <p:spPr>
+          <a:xfrm>
+            <a:off x="10553573" y="368999"/>
+            <a:ext cx="1443361" cy="360001"/>
+          </a:xfrm>
+          <a:prstGeom prst="rect">
+            <a:avLst/>
+          </a:prstGeom>
+        </p:spPr>
+      </p:pic>
     </p:spTree>
     <p:extLst>
       <p:ext uri="{BB962C8B-B14F-4D97-AF65-F5344CB8AC3E}">
@@ -6753,371 +5408,6 @@
 </file>
 
 <file path=ppt/slideLayouts/slideLayout4.xml><?xml version="1.0" encoding="utf-8"?>
-<p:sldLayout xmlns:a="http://schemas.openxmlformats.org/drawingml/2006/main" xmlns:r="http://schemas.openxmlformats.org/officeDocument/2006/relationships" xmlns:p="http://schemas.openxmlformats.org/presentationml/2006/main" preserve="1" userDrawn="1">
-  <p:cSld name="Table of Contents">
-    <p:spTree>
-      <p:nvGrpSpPr>
-        <p:cNvPr id="1" name=""/>
-        <p:cNvGrpSpPr/>
-        <p:nvPr/>
-      </p:nvGrpSpPr>
-      <p:grpSpPr>
-        <a:xfrm>
-          <a:off x="0" y="0"/>
-          <a:ext cx="0" cy="0"/>
-          <a:chOff x="0" y="0"/>
-          <a:chExt cx="0" cy="0"/>
-        </a:xfrm>
-      </p:grpSpPr>
-      <p:sp>
-        <p:nvSpPr>
-          <p:cNvPr id="10" name="Slide Number">
-            <a:extLst>
-              <a:ext uri="{FF2B5EF4-FFF2-40B4-BE49-F238E27FC236}">
-                <a16:creationId xmlns:a16="http://schemas.microsoft.com/office/drawing/2014/main" id="{39DDE17E-5472-41F3-AF5F-54DFF10DC63C}"/>
-              </a:ext>
-            </a:extLst>
-          </p:cNvPr>
-          <p:cNvSpPr>
-            <a:spLocks noGrp="1"/>
-          </p:cNvSpPr>
-          <p:nvPr>
-            <p:ph type="sldNum" sz="quarter" idx="4"/>
-          </p:nvPr>
-        </p:nvSpPr>
-        <p:spPr>
-          <a:xfrm>
-            <a:off x="11753030" y="6507000"/>
-            <a:ext cx="367414" cy="297000"/>
-          </a:xfrm>
-          <a:prstGeom prst="rect">
-            <a:avLst/>
-          </a:prstGeom>
-        </p:spPr>
-        <p:txBody>
-          <a:bodyPr vert="horz" lIns="91440" tIns="45720" rIns="91440" bIns="45720" rtlCol="0" anchor="b"/>
-          <a:lstStyle>
-            <a:lvl1pPr algn="r">
-              <a:defRPr sz="1000"/>
-            </a:lvl1pPr>
-          </a:lstStyle>
-          <a:p>
-            <a:fld id="{2BF067CD-8E6B-4360-9AA8-C5DF2A48A6D1}" type="slidenum">
-              <a:rPr lang="en-US" noProof="0" smtClean="0"/>
-              <a:pPr/>
-              <a:t>‹#›</a:t>
-            </a:fld>
-            <a:endParaRPr lang="en-US" noProof="0" dirty="0"/>
-          </a:p>
-        </p:txBody>
-      </p:sp>
-      <p:pic>
-        <p:nvPicPr>
-          <p:cNvPr id="9" name="Picture SoftUni Mascot" descr="SoftUni mascot with laptop">
-            <a:extLst>
-              <a:ext uri="{FF2B5EF4-FFF2-40B4-BE49-F238E27FC236}">
-                <a16:creationId xmlns:a16="http://schemas.microsoft.com/office/drawing/2014/main" id="{DC4365F6-D2C1-47B4-8477-38FD2C7711AA}"/>
-              </a:ext>
-            </a:extLst>
-          </p:cNvPr>
-          <p:cNvPicPr>
-            <a:picLocks noChangeAspect="1"/>
-          </p:cNvPicPr>
-          <p:nvPr/>
-        </p:nvPicPr>
-        <p:blipFill>
-          <a:blip r:embed="rId2" cstate="print">
-            <a:extLst>
-              <a:ext uri="{28A0092B-C50C-407E-A947-70E740481C1C}">
-                <a14:useLocalDpi xmlns:a14="http://schemas.microsoft.com/office/drawing/2010/main" val="0"/>
-              </a:ext>
-            </a:extLst>
-          </a:blip>
-          <a:stretch>
-            <a:fillRect/>
-          </a:stretch>
-        </p:blipFill>
-        <p:spPr>
-          <a:xfrm flipH="1">
-            <a:off x="9516000" y="3408496"/>
-            <a:ext cx="2251057" cy="3044431"/>
-          </a:xfrm>
-          <a:prstGeom prst="rect">
-            <a:avLst/>
-          </a:prstGeom>
-        </p:spPr>
-      </p:pic>
-      <p:sp>
-        <p:nvSpPr>
-          <p:cNvPr id="23" name="Slide Body Text">
-            <a:extLst>
-              <a:ext uri="{FF2B5EF4-FFF2-40B4-BE49-F238E27FC236}">
-                <a16:creationId xmlns:a16="http://schemas.microsoft.com/office/drawing/2014/main" id="{889D93F4-ABFA-46BF-8E5D-FE6562ACB20F}"/>
-              </a:ext>
-            </a:extLst>
-          </p:cNvPr>
-          <p:cNvSpPr>
-            <a:spLocks noGrp="1"/>
-          </p:cNvSpPr>
-          <p:nvPr>
-            <p:ph type="body" sz="quarter" idx="13" hasCustomPrompt="1"/>
-          </p:nvPr>
-        </p:nvSpPr>
-        <p:spPr>
-          <a:xfrm>
-            <a:off x="196766" y="1371604"/>
-            <a:ext cx="9049234" cy="5207396"/>
-          </a:xfrm>
-        </p:spPr>
-        <p:txBody>
-          <a:bodyPr>
-            <a:normAutofit/>
-          </a:bodyPr>
-          <a:lstStyle>
-            <a:lvl1pPr marL="514042" indent="-514042" latinLnBrk="0">
-              <a:buFont typeface="+mj-lt"/>
-              <a:buAutoNum type="arabicPeriod"/>
-              <a:defRPr sz="3600">
-                <a:solidFill>
-                  <a:schemeClr val="tx1"/>
-                </a:solidFill>
-              </a:defRPr>
-            </a:lvl1pPr>
-            <a:lvl2pPr>
-              <a:defRPr sz="3400"/>
-            </a:lvl2pPr>
-          </a:lstStyle>
-          <a:p>
-            <a:pPr lvl="0"/>
-            <a:r>
-              <a:rPr lang="en-US" noProof="0"/>
-              <a:t>…</a:t>
-            </a:r>
-          </a:p>
-          <a:p>
-            <a:pPr lvl="1"/>
-            <a:r>
-              <a:rPr lang="en-US" noProof="0"/>
-              <a:t>…</a:t>
-            </a:r>
-          </a:p>
-          <a:p>
-            <a:pPr lvl="1"/>
-            <a:r>
-              <a:rPr lang="en-US" noProof="0"/>
-              <a:t>…</a:t>
-            </a:r>
-          </a:p>
-          <a:p>
-            <a:pPr lvl="0"/>
-            <a:r>
-              <a:rPr lang="en-US" noProof="0"/>
-              <a:t>…</a:t>
-            </a:r>
-          </a:p>
-          <a:p>
-            <a:pPr lvl="1"/>
-            <a:r>
-              <a:rPr lang="en-US" noProof="0"/>
-              <a:t>…</a:t>
-            </a:r>
-          </a:p>
-          <a:p>
-            <a:pPr lvl="1"/>
-            <a:r>
-              <a:rPr lang="en-US" noProof="0"/>
-              <a:t>…</a:t>
-            </a:r>
-          </a:p>
-          <a:p>
-            <a:pPr lvl="0"/>
-            <a:r>
-              <a:rPr lang="en-US" noProof="0"/>
-              <a:t>…</a:t>
-            </a:r>
-          </a:p>
-        </p:txBody>
-      </p:sp>
-      <p:sp>
-        <p:nvSpPr>
-          <p:cNvPr id="8" name="Rectangle Top">
-            <a:extLst>
-              <a:ext uri="{FF2B5EF4-FFF2-40B4-BE49-F238E27FC236}">
-                <a16:creationId xmlns:a16="http://schemas.microsoft.com/office/drawing/2014/main" id="{930E0800-9260-4369-8330-8264DD33C5CE}"/>
-              </a:ext>
-            </a:extLst>
-          </p:cNvPr>
-          <p:cNvSpPr/>
-          <p:nvPr userDrawn="1"/>
-        </p:nvSpPr>
-        <p:spPr>
-          <a:xfrm>
-            <a:off x="0" y="0"/>
-            <a:ext cx="12196800" cy="1095376"/>
-          </a:xfrm>
-          <a:prstGeom prst="rect">
-            <a:avLst/>
-          </a:prstGeom>
-          <a:solidFill>
-            <a:schemeClr val="tx2"/>
-          </a:solidFill>
-          <a:ln>
-            <a:noFill/>
-          </a:ln>
-        </p:spPr>
-        <p:style>
-          <a:lnRef idx="2">
-            <a:schemeClr val="accent1">
-              <a:shade val="50000"/>
-            </a:schemeClr>
-          </a:lnRef>
-          <a:fillRef idx="1">
-            <a:schemeClr val="accent1"/>
-          </a:fillRef>
-          <a:effectRef idx="0">
-            <a:schemeClr val="accent1"/>
-          </a:effectRef>
-          <a:fontRef idx="minor">
-            <a:schemeClr val="lt1"/>
-          </a:fontRef>
-        </p:style>
-        <p:txBody>
-          <a:bodyPr rtlCol="0" anchor="ctr"/>
-          <a:lstStyle/>
-          <a:p>
-            <a:pPr marL="0" marR="0" lvl="0" indent="0" algn="ctr" defTabSz="913852" rtl="0" eaLnBrk="1" fontAlgn="auto" latinLnBrk="0" hangingPunct="1">
-              <a:lnSpc>
-                <a:spcPct val="100000"/>
-              </a:lnSpc>
-              <a:spcBef>
-                <a:spcPts val="0"/>
-              </a:spcBef>
-              <a:spcAft>
-                <a:spcPts val="0"/>
-              </a:spcAft>
-              <a:buClrTx/>
-              <a:buSzTx/>
-              <a:buFontTx/>
-              <a:buNone/>
-              <a:tabLst/>
-              <a:defRPr/>
-            </a:pPr>
-            <a:endParaRPr kumimoji="0" lang="en-US" altLang="ko-KR" sz="2398" b="0" i="0" u="none" strike="noStrike" kern="1200" cap="none" spc="0" normalizeH="0" baseline="0" noProof="0" dirty="0">
-              <a:ln>
-                <a:noFill/>
-              </a:ln>
-              <a:solidFill>
-                <a:srgbClr val="F7C86D"/>
-              </a:solidFill>
-              <a:effectLst/>
-              <a:uLnTx/>
-              <a:uFillTx/>
-              <a:latin typeface="Calibri" panose="020F0502020204030204"/>
-              <a:ea typeface="맑은 고딕" panose="020B0503020000020004" pitchFamily="34" charset="-127"/>
-              <a:cs typeface="+mn-cs"/>
-            </a:endParaRPr>
-          </a:p>
-        </p:txBody>
-      </p:sp>
-      <p:pic>
-        <p:nvPicPr>
-          <p:cNvPr id="11" name="Logo Software University" descr="Software University logo">
-            <a:extLst>
-              <a:ext uri="{FF2B5EF4-FFF2-40B4-BE49-F238E27FC236}">
-                <a16:creationId xmlns:a16="http://schemas.microsoft.com/office/drawing/2014/main" id="{14F779A7-4A91-448B-BEFA-956C70A1C22F}"/>
-              </a:ext>
-            </a:extLst>
-          </p:cNvPr>
-          <p:cNvPicPr>
-            <a:picLocks noChangeAspect="1"/>
-          </p:cNvPicPr>
-          <p:nvPr userDrawn="1"/>
-        </p:nvPicPr>
-        <p:blipFill>
-          <a:blip r:embed="rId3">
-            <a:extLst>
-              <a:ext uri="{28A0092B-C50C-407E-A947-70E740481C1C}">
-                <a14:useLocalDpi xmlns:a14="http://schemas.microsoft.com/office/drawing/2010/main" val="0"/>
-              </a:ext>
-            </a:extLst>
-          </a:blip>
-          <a:stretch>
-            <a:fillRect/>
-          </a:stretch>
-        </p:blipFill>
-        <p:spPr>
-          <a:xfrm>
-            <a:off x="10067957" y="253936"/>
-            <a:ext cx="1915704" cy="559235"/>
-          </a:xfrm>
-          <a:prstGeom prst="rect">
-            <a:avLst/>
-          </a:prstGeom>
-        </p:spPr>
-      </p:pic>
-      <p:sp>
-        <p:nvSpPr>
-          <p:cNvPr id="13" name="Slide Title">
-            <a:extLst>
-              <a:ext uri="{FF2B5EF4-FFF2-40B4-BE49-F238E27FC236}">
-                <a16:creationId xmlns:a16="http://schemas.microsoft.com/office/drawing/2014/main" id="{357D7BE1-6358-42CC-94F3-7BCDD91DCB6D}"/>
-              </a:ext>
-            </a:extLst>
-          </p:cNvPr>
-          <p:cNvSpPr>
-            <a:spLocks noGrp="1"/>
-          </p:cNvSpPr>
-          <p:nvPr>
-            <p:ph type="title" hasCustomPrompt="1"/>
-          </p:nvPr>
-        </p:nvSpPr>
-        <p:spPr>
-          <a:xfrm>
-            <a:off x="190406" y="100750"/>
-            <a:ext cx="9715594" cy="882654"/>
-          </a:xfrm>
-        </p:spPr>
-        <p:txBody>
-          <a:bodyPr/>
-          <a:lstStyle>
-            <a:lvl1pPr latinLnBrk="0">
-              <a:defRPr>
-                <a:solidFill>
-                  <a:schemeClr val="bg2"/>
-                </a:solidFill>
-              </a:defRPr>
-            </a:lvl1pPr>
-          </a:lstStyle>
-          <a:p>
-            <a:r>
-              <a:rPr lang="en-US" noProof="0" dirty="0"/>
-              <a:t>Table of Contents</a:t>
-            </a:r>
-          </a:p>
-        </p:txBody>
-      </p:sp>
-    </p:spTree>
-    <p:extLst>
-      <p:ext uri="{BB962C8B-B14F-4D97-AF65-F5344CB8AC3E}">
-        <p14:creationId xmlns:p14="http://schemas.microsoft.com/office/powerpoint/2010/main" val="1028724482"/>
-      </p:ext>
-    </p:extLst>
-  </p:cSld>
-  <p:clrMapOvr>
-    <a:masterClrMapping/>
-  </p:clrMapOvr>
-  <mc:AlternateContent xmlns:mc="http://schemas.openxmlformats.org/markup-compatibility/2006" xmlns:p14="http://schemas.microsoft.com/office/powerpoint/2010/main">
-    <mc:Choice Requires="p14">
-      <p:transition spd="slow" p14:dur="2000" advClick="0" advTm="5000"/>
-    </mc:Choice>
-    <mc:Fallback xmlns="">
-      <p:transition spd="slow" advClick="0" advTm="5000"/>
-    </mc:Fallback>
-  </mc:AlternateContent>
-</p:sldLayout>
-</file>
-
-<file path=ppt/slideLayouts/slideLayout5.xml><?xml version="1.0" encoding="utf-8"?>
 <p:sldLayout xmlns:a="http://schemas.openxmlformats.org/drawingml/2006/main" xmlns:r="http://schemas.openxmlformats.org/officeDocument/2006/relationships" xmlns:p="http://schemas.openxmlformats.org/presentationml/2006/main" preserve="1" userDrawn="1">
   <p:cSld name="Important Concept">
     <p:spTree>
@@ -7388,52 +5678,6 @@
           </a:p>
         </p:txBody>
       </p:sp>
-      <p:pic>
-        <p:nvPicPr>
-          <p:cNvPr id="3" name="Logo Software University" descr="Software University logo">
-            <a:extLst>
-              <a:ext uri="{FF2B5EF4-FFF2-40B4-BE49-F238E27FC236}">
-                <a16:creationId xmlns:a16="http://schemas.microsoft.com/office/drawing/2014/main" id="{5573C101-930B-47AC-967A-A64513DFFDEE}"/>
-              </a:ext>
-            </a:extLst>
-          </p:cNvPr>
-          <p:cNvPicPr>
-            <a:picLocks noChangeAspect="1"/>
-          </p:cNvPicPr>
-          <p:nvPr userDrawn="1"/>
-        </p:nvPicPr>
-        <p:blipFill>
-          <a:blip r:embed="rId3">
-            <a:clrChange>
-              <a:clrFrom>
-                <a:srgbClr val="FFFFFF"/>
-              </a:clrFrom>
-              <a:clrTo>
-                <a:srgbClr val="FFFFFF">
-                  <a:alpha val="0"/>
-                </a:srgbClr>
-              </a:clrTo>
-            </a:clrChange>
-            <a:extLst>
-              <a:ext uri="{28A0092B-C50C-407E-A947-70E740481C1C}">
-                <a14:useLocalDpi xmlns:a14="http://schemas.microsoft.com/office/drawing/2010/main" val="0"/>
-              </a:ext>
-            </a:extLst>
-          </a:blip>
-          <a:stretch>
-            <a:fillRect/>
-          </a:stretch>
-        </p:blipFill>
-        <p:spPr>
-          <a:xfrm>
-            <a:off x="10008761" y="190267"/>
-            <a:ext cx="2013336" cy="690975"/>
-          </a:xfrm>
-          <a:prstGeom prst="rect">
-            <a:avLst/>
-          </a:prstGeom>
-        </p:spPr>
-      </p:pic>
       <p:sp>
         <p:nvSpPr>
           <p:cNvPr id="8" name="Slide Title">
@@ -7452,8 +5696,8 @@
         </p:nvSpPr>
         <p:spPr>
           <a:xfrm>
-            <a:off x="1296957" y="100750"/>
-            <a:ext cx="8625520" cy="882654"/>
+            <a:off x="1296956" y="100750"/>
+            <a:ext cx="9164044" cy="882654"/>
           </a:xfrm>
         </p:spPr>
         <p:txBody>
@@ -7471,6 +5715,42 @@
           </a:p>
         </p:txBody>
       </p:sp>
+      <p:pic>
+        <p:nvPicPr>
+          <p:cNvPr id="2" name="Picture 1">
+            <a:extLst>
+              <a:ext uri="{FF2B5EF4-FFF2-40B4-BE49-F238E27FC236}">
+                <a16:creationId xmlns:a16="http://schemas.microsoft.com/office/drawing/2014/main" id="{78CA5371-2597-CF8F-1859-226395807433}"/>
+              </a:ext>
+            </a:extLst>
+          </p:cNvPr>
+          <p:cNvPicPr>
+            <a:picLocks noChangeAspect="1"/>
+          </p:cNvPicPr>
+          <p:nvPr userDrawn="1"/>
+        </p:nvPicPr>
+        <p:blipFill>
+          <a:blip r:embed="rId3" cstate="print">
+            <a:extLst>
+              <a:ext uri="{28A0092B-C50C-407E-A947-70E740481C1C}">
+                <a14:useLocalDpi xmlns:a14="http://schemas.microsoft.com/office/drawing/2010/main" val="0"/>
+              </a:ext>
+            </a:extLst>
+          </a:blip>
+          <a:stretch>
+            <a:fillRect/>
+          </a:stretch>
+        </p:blipFill>
+        <p:spPr>
+          <a:xfrm>
+            <a:off x="10551877" y="362077"/>
+            <a:ext cx="1443357" cy="360000"/>
+          </a:xfrm>
+          <a:prstGeom prst="rect">
+            <a:avLst/>
+          </a:prstGeom>
+        </p:spPr>
+      </p:pic>
     </p:spTree>
     <p:extLst>
       <p:ext uri="{BB962C8B-B14F-4D97-AF65-F5344CB8AC3E}">
@@ -7492,7 +5772,7 @@
 </p:sldLayout>
 </file>
 
-<file path=ppt/slideLayouts/slideLayout6.xml><?xml version="1.0" encoding="utf-8"?>
+<file path=ppt/slideLayouts/slideLayout5.xml><?xml version="1.0" encoding="utf-8"?>
 <p:sldLayout xmlns:a="http://schemas.openxmlformats.org/drawingml/2006/main" xmlns:r="http://schemas.openxmlformats.org/officeDocument/2006/relationships" xmlns:p="http://schemas.openxmlformats.org/presentationml/2006/main" preserve="1">
   <p:cSld name="Important Example">
     <p:spTree>
@@ -7769,52 +6049,6 @@
           </a:p>
         </p:txBody>
       </p:sp>
-      <p:pic>
-        <p:nvPicPr>
-          <p:cNvPr id="16" name="Logo Software University" descr="Software University logo">
-            <a:extLst>
-              <a:ext uri="{FF2B5EF4-FFF2-40B4-BE49-F238E27FC236}">
-                <a16:creationId xmlns:a16="http://schemas.microsoft.com/office/drawing/2014/main" id="{EFEBB553-EACE-4B4F-8B4F-7629FDD910A4}"/>
-              </a:ext>
-            </a:extLst>
-          </p:cNvPr>
-          <p:cNvPicPr>
-            <a:picLocks noChangeAspect="1"/>
-          </p:cNvPicPr>
-          <p:nvPr userDrawn="1"/>
-        </p:nvPicPr>
-        <p:blipFill>
-          <a:blip r:embed="rId3">
-            <a:clrChange>
-              <a:clrFrom>
-                <a:srgbClr val="FFFFFF"/>
-              </a:clrFrom>
-              <a:clrTo>
-                <a:srgbClr val="FFFFFF">
-                  <a:alpha val="0"/>
-                </a:srgbClr>
-              </a:clrTo>
-            </a:clrChange>
-            <a:extLst>
-              <a:ext uri="{28A0092B-C50C-407E-A947-70E740481C1C}">
-                <a14:useLocalDpi xmlns:a14="http://schemas.microsoft.com/office/drawing/2010/main" val="0"/>
-              </a:ext>
-            </a:extLst>
-          </a:blip>
-          <a:stretch>
-            <a:fillRect/>
-          </a:stretch>
-        </p:blipFill>
-        <p:spPr>
-          <a:xfrm>
-            <a:off x="10008761" y="190267"/>
-            <a:ext cx="2013336" cy="690975"/>
-          </a:xfrm>
-          <a:prstGeom prst="rect">
-            <a:avLst/>
-          </a:prstGeom>
-        </p:spPr>
-      </p:pic>
       <p:sp>
         <p:nvSpPr>
           <p:cNvPr id="13" name="Slide Title">
@@ -7833,8 +6067,8 @@
         </p:nvSpPr>
         <p:spPr>
           <a:xfrm>
-            <a:off x="1296957" y="100750"/>
-            <a:ext cx="8625520" cy="882654"/>
+            <a:off x="1296956" y="100750"/>
+            <a:ext cx="9164044" cy="882654"/>
           </a:xfrm>
         </p:spPr>
         <p:txBody>
@@ -7852,6 +6086,42 @@
           </a:p>
         </p:txBody>
       </p:sp>
+      <p:pic>
+        <p:nvPicPr>
+          <p:cNvPr id="2" name="Picture 1">
+            <a:extLst>
+              <a:ext uri="{FF2B5EF4-FFF2-40B4-BE49-F238E27FC236}">
+                <a16:creationId xmlns:a16="http://schemas.microsoft.com/office/drawing/2014/main" id="{A37AF1B9-D67A-246A-86B6-E28F19C52390}"/>
+              </a:ext>
+            </a:extLst>
+          </p:cNvPr>
+          <p:cNvPicPr>
+            <a:picLocks noChangeAspect="1"/>
+          </p:cNvPicPr>
+          <p:nvPr userDrawn="1"/>
+        </p:nvPicPr>
+        <p:blipFill>
+          <a:blip r:embed="rId3" cstate="print">
+            <a:extLst>
+              <a:ext uri="{28A0092B-C50C-407E-A947-70E740481C1C}">
+                <a14:useLocalDpi xmlns:a14="http://schemas.microsoft.com/office/drawing/2010/main" val="0"/>
+              </a:ext>
+            </a:extLst>
+          </a:blip>
+          <a:stretch>
+            <a:fillRect/>
+          </a:stretch>
+        </p:blipFill>
+        <p:spPr>
+          <a:xfrm>
+            <a:off x="10551877" y="362077"/>
+            <a:ext cx="1443357" cy="360000"/>
+          </a:xfrm>
+          <a:prstGeom prst="rect">
+            <a:avLst/>
+          </a:prstGeom>
+        </p:spPr>
+      </p:pic>
     </p:spTree>
     <p:extLst>
       <p:ext uri="{BB962C8B-B14F-4D97-AF65-F5344CB8AC3E}">
@@ -7873,7 +6143,7 @@
 </p:sldLayout>
 </file>
 
-<file path=ppt/slideLayouts/slideLayout7.xml><?xml version="1.0" encoding="utf-8"?>
+<file path=ppt/slideLayouts/slideLayout6.xml><?xml version="1.0" encoding="utf-8"?>
 <p:sldLayout xmlns:a="http://schemas.openxmlformats.org/drawingml/2006/main" xmlns:r="http://schemas.openxmlformats.org/officeDocument/2006/relationships" xmlns:p="http://schemas.openxmlformats.org/presentationml/2006/main" preserve="1" userDrawn="1">
   <p:cSld name="Blank Slide">
     <p:spTree>
@@ -8168,8 +6438,8 @@
         </p:nvSpPr>
         <p:spPr>
           <a:xfrm>
-            <a:off x="585176" y="100750"/>
-            <a:ext cx="11410061" cy="882654"/>
+            <a:off x="585177" y="100750"/>
+            <a:ext cx="9875824" cy="882654"/>
           </a:xfrm>
         </p:spPr>
         <p:txBody>
@@ -8187,6 +6457,42 @@
           </a:p>
         </p:txBody>
       </p:sp>
+      <p:pic>
+        <p:nvPicPr>
+          <p:cNvPr id="2" name="Picture 1">
+            <a:extLst>
+              <a:ext uri="{FF2B5EF4-FFF2-40B4-BE49-F238E27FC236}">
+                <a16:creationId xmlns:a16="http://schemas.microsoft.com/office/drawing/2014/main" id="{9C2C375B-43BF-D1DD-F160-1500A111885C}"/>
+              </a:ext>
+            </a:extLst>
+          </p:cNvPr>
+          <p:cNvPicPr>
+            <a:picLocks noChangeAspect="1"/>
+          </p:cNvPicPr>
+          <p:nvPr userDrawn="1"/>
+        </p:nvPicPr>
+        <p:blipFill>
+          <a:blip r:embed="rId3" cstate="print">
+            <a:extLst>
+              <a:ext uri="{28A0092B-C50C-407E-A947-70E740481C1C}">
+                <a14:useLocalDpi xmlns:a14="http://schemas.microsoft.com/office/drawing/2010/main" val="0"/>
+              </a:ext>
+            </a:extLst>
+          </a:blip>
+          <a:stretch>
+            <a:fillRect/>
+          </a:stretch>
+        </p:blipFill>
+        <p:spPr>
+          <a:xfrm>
+            <a:off x="10551877" y="362077"/>
+            <a:ext cx="1443357" cy="360000"/>
+          </a:xfrm>
+          <a:prstGeom prst="rect">
+            <a:avLst/>
+          </a:prstGeom>
+        </p:spPr>
+      </p:pic>
     </p:spTree>
     <p:extLst>
       <p:ext uri="{BB962C8B-B14F-4D97-AF65-F5344CB8AC3E}">
@@ -8208,7 +6514,7 @@
 </p:sldLayout>
 </file>
 
-<file path=ppt/slideLayouts/slideLayout8.xml><?xml version="1.0" encoding="utf-8"?>
+<file path=ppt/slideLayouts/slideLayout7.xml><?xml version="1.0" encoding="utf-8"?>
 <p:sldLayout xmlns:a="http://schemas.openxmlformats.org/drawingml/2006/main" xmlns:r="http://schemas.openxmlformats.org/officeDocument/2006/relationships" xmlns:p="http://schemas.openxmlformats.org/presentationml/2006/main" preserve="1" userDrawn="1">
   <p:cSld name="Source Code Example">
     <p:spTree>
@@ -8263,7 +6569,7 @@
               <a:pPr/>
               <a:t>‹#›</a:t>
             </a:fld>
-            <a:endParaRPr lang="en-US" noProof="0" dirty="0"/>
+            <a:endParaRPr lang="en-US" noProof="0"/>
           </a:p>
         </p:txBody>
       </p:sp>
@@ -8281,7 +6587,7 @@
         </p:nvSpPr>
         <p:spPr>
           <a:xfrm>
-            <a:off x="0" y="0"/>
+            <a:off x="0" y="1311"/>
             <a:ext cx="12196800" cy="1095376"/>
           </a:xfrm>
           <a:prstGeom prst="rect">
@@ -8348,48 +6654,12 @@
           </a:p>
         </p:txBody>
       </p:sp>
-      <p:pic>
-        <p:nvPicPr>
-          <p:cNvPr id="10" name="Logo Software University" descr="Software University logo">
+      <p:sp>
+        <p:nvSpPr>
+          <p:cNvPr id="12" name="Slide Body Text">
             <a:extLst>
               <a:ext uri="{FF2B5EF4-FFF2-40B4-BE49-F238E27FC236}">
-                <a16:creationId xmlns:a16="http://schemas.microsoft.com/office/drawing/2014/main" id="{8C01D7AF-7CBD-46E1-99F3-8EB60E838D91}"/>
-              </a:ext>
-            </a:extLst>
-          </p:cNvPr>
-          <p:cNvPicPr>
-            <a:picLocks noChangeAspect="1"/>
-          </p:cNvPicPr>
-          <p:nvPr userDrawn="1"/>
-        </p:nvPicPr>
-        <p:blipFill>
-          <a:blip r:embed="rId2">
-            <a:extLst>
-              <a:ext uri="{28A0092B-C50C-407E-A947-70E740481C1C}">
-                <a14:useLocalDpi xmlns:a14="http://schemas.microsoft.com/office/drawing/2010/main" val="0"/>
-              </a:ext>
-            </a:extLst>
-          </a:blip>
-          <a:stretch>
-            <a:fillRect/>
-          </a:stretch>
-        </p:blipFill>
-        <p:spPr>
-          <a:xfrm>
-            <a:off x="10067957" y="253936"/>
-            <a:ext cx="1915704" cy="559235"/>
-          </a:xfrm>
-          <a:prstGeom prst="rect">
-            <a:avLst/>
-          </a:prstGeom>
-        </p:spPr>
-      </p:pic>
-      <p:sp>
-        <p:nvSpPr>
-          <p:cNvPr id="17" name="Slide Body Text">
-            <a:extLst>
-              <a:ext uri="{FF2B5EF4-FFF2-40B4-BE49-F238E27FC236}">
-                <a16:creationId xmlns:a16="http://schemas.microsoft.com/office/drawing/2014/main" id="{1E60575F-8475-4C78-97A7-27D7891D2770}"/>
+                <a16:creationId xmlns:a16="http://schemas.microsoft.com/office/drawing/2014/main" id="{B608ED73-CE88-49E4-8BFC-DBD6E9AE6B10}"/>
               </a:ext>
             </a:extLst>
           </p:cNvPr>
@@ -8397,32 +6667,52 @@
             <a:spLocks noGrp="1"/>
           </p:cNvSpPr>
           <p:nvPr>
-            <p:ph type="body" sz="quarter" idx="12" hasCustomPrompt="1"/>
+            <p:ph type="body" sz="quarter" idx="10" hasCustomPrompt="1"/>
           </p:nvPr>
         </p:nvSpPr>
         <p:spPr>
           <a:xfrm>
-            <a:off x="190402" y="1196125"/>
-            <a:ext cx="11818096" cy="5528766"/>
+            <a:off x="190406" y="1206668"/>
+            <a:ext cx="11804831" cy="5550582"/>
           </a:xfrm>
         </p:spPr>
         <p:txBody>
           <a:bodyPr/>
           <a:lstStyle>
             <a:lvl1pPr latinLnBrk="0">
-              <a:defRPr/>
+              <a:defRPr>
+                <a:solidFill>
+                  <a:schemeClr val="tx1"/>
+                </a:solidFill>
+              </a:defRPr>
             </a:lvl1pPr>
             <a:lvl2pPr latinLnBrk="0">
-              <a:defRPr/>
+              <a:defRPr>
+                <a:solidFill>
+                  <a:schemeClr val="tx1"/>
+                </a:solidFill>
+              </a:defRPr>
             </a:lvl2pPr>
             <a:lvl3pPr latinLnBrk="0">
-              <a:defRPr/>
+              <a:defRPr>
+                <a:solidFill>
+                  <a:schemeClr val="tx1"/>
+                </a:solidFill>
+              </a:defRPr>
             </a:lvl3pPr>
             <a:lvl4pPr latinLnBrk="0">
-              <a:defRPr/>
+              <a:defRPr>
+                <a:solidFill>
+                  <a:schemeClr val="tx1"/>
+                </a:solidFill>
+              </a:defRPr>
             </a:lvl4pPr>
             <a:lvl5pPr latinLnBrk="0">
-              <a:defRPr/>
+              <a:defRPr>
+                <a:solidFill>
+                  <a:schemeClr val="tx1"/>
+                </a:solidFill>
+              </a:defRPr>
             </a:lvl5pPr>
           </a:lstStyle>
           <a:p>
@@ -8436,10 +6726,10 @@
       </p:sp>
       <p:sp>
         <p:nvSpPr>
-          <p:cNvPr id="15" name="Code Box">
+          <p:cNvPr id="4" name="Code Box">
             <a:extLst>
               <a:ext uri="{FF2B5EF4-FFF2-40B4-BE49-F238E27FC236}">
-                <a16:creationId xmlns:a16="http://schemas.microsoft.com/office/drawing/2014/main" id="{29C63EC2-5578-406B-8C2A-23FDE6C14C82}"/>
+                <a16:creationId xmlns:a16="http://schemas.microsoft.com/office/drawing/2014/main" id="{F4E021E9-D6DB-4272-8C9F-CEF4940FDC10}"/>
               </a:ext>
             </a:extLst>
           </p:cNvPr>
@@ -8453,7 +6743,7 @@
         <p:spPr>
           <a:xfrm>
             <a:off x="674683" y="2034000"/>
-            <a:ext cx="10836275" cy="2318684"/>
+            <a:ext cx="10836275" cy="2237893"/>
           </a:xfrm>
           <a:solidFill>
             <a:schemeClr val="accent6">
@@ -8475,15 +6765,6 @@
           </a:bodyPr>
           <a:lstStyle>
             <a:lvl1pPr>
-              <a:lnSpc>
-                <a:spcPct val="110000"/>
-              </a:lnSpc>
-              <a:spcBef>
-                <a:spcPts val="0"/>
-              </a:spcBef>
-              <a:spcAft>
-                <a:spcPts val="0"/>
-              </a:spcAft>
               <a:buNone/>
               <a:defRPr lang="en-US" sz="2800" b="1" smtClean="0">
                 <a:latin typeface="Consolas" pitchFamily="49" charset="0"/>
@@ -8578,8 +6859,8 @@
         </p:nvSpPr>
         <p:spPr>
           <a:xfrm>
-            <a:off x="190406" y="100750"/>
-            <a:ext cx="9715594" cy="882654"/>
+            <a:off x="190405" y="100750"/>
+            <a:ext cx="10239658" cy="882654"/>
           </a:xfrm>
         </p:spPr>
         <p:txBody>
@@ -8601,6 +6882,42 @@
           </a:p>
         </p:txBody>
       </p:sp>
+      <p:pic>
+        <p:nvPicPr>
+          <p:cNvPr id="3" name="Picture 2">
+            <a:extLst>
+              <a:ext uri="{FF2B5EF4-FFF2-40B4-BE49-F238E27FC236}">
+                <a16:creationId xmlns:a16="http://schemas.microsoft.com/office/drawing/2014/main" id="{4B69A4E8-9221-8F79-65B4-BF9AA7F87DD7}"/>
+              </a:ext>
+            </a:extLst>
+          </p:cNvPr>
+          <p:cNvPicPr>
+            <a:picLocks noChangeAspect="1"/>
+          </p:cNvPicPr>
+          <p:nvPr userDrawn="1"/>
+        </p:nvPicPr>
+        <p:blipFill>
+          <a:blip r:embed="rId2" cstate="print">
+            <a:extLst>
+              <a:ext uri="{28A0092B-C50C-407E-A947-70E740481C1C}">
+                <a14:useLocalDpi xmlns:a14="http://schemas.microsoft.com/office/drawing/2010/main" val="0"/>
+              </a:ext>
+            </a:extLst>
+          </a:blip>
+          <a:stretch>
+            <a:fillRect/>
+          </a:stretch>
+        </p:blipFill>
+        <p:spPr>
+          <a:xfrm>
+            <a:off x="10553573" y="368999"/>
+            <a:ext cx="1443361" cy="360001"/>
+          </a:xfrm>
+          <a:prstGeom prst="rect">
+            <a:avLst/>
+          </a:prstGeom>
+        </p:spPr>
+      </p:pic>
     </p:spTree>
     <p:extLst>
       <p:ext uri="{BB962C8B-B14F-4D97-AF65-F5344CB8AC3E}">
@@ -8622,7 +6939,7 @@
 </p:sldLayout>
 </file>
 
-<file path=ppt/slideLayouts/slideLayout9.xml><?xml version="1.0" encoding="utf-8"?>
+<file path=ppt/slideLayouts/slideLayout8.xml><?xml version="1.0" encoding="utf-8"?>
 <p:sldLayout xmlns:a="http://schemas.openxmlformats.org/drawingml/2006/main" xmlns:r="http://schemas.openxmlformats.org/officeDocument/2006/relationships" xmlns:p="http://schemas.openxmlformats.org/presentationml/2006/main" preserve="1">
   <p:cSld name="Demo Slide">
     <p:spTree>
@@ -8699,7 +7016,7 @@
               <a:tabLst/>
               <a:defRPr/>
             </a:pPr>
-            <a:endParaRPr kumimoji="0" lang="en-US" altLang="ko-KR" sz="2398" b="0" i="0" u="none" strike="noStrike" kern="1200" cap="none" spc="0" normalizeH="0" baseline="0" noProof="0" dirty="0">
+            <a:endParaRPr kumimoji="0" lang="en-US" altLang="ko-KR" sz="2398" b="0" i="0" u="none" strike="noStrike" kern="1200" cap="none" spc="0" normalizeH="0" baseline="0" noProof="0">
               <a:ln>
                 <a:noFill/>
               </a:ln>
@@ -8809,6 +7126,335 @@
     <p:extLst>
       <p:ext uri="{BB962C8B-B14F-4D97-AF65-F5344CB8AC3E}">
         <p14:creationId xmlns:p14="http://schemas.microsoft.com/office/powerpoint/2010/main" val="2423919747"/>
+      </p:ext>
+    </p:extLst>
+  </p:cSld>
+  <p:clrMapOvr>
+    <a:masterClrMapping/>
+  </p:clrMapOvr>
+  <mc:AlternateContent xmlns:mc="http://schemas.openxmlformats.org/markup-compatibility/2006" xmlns:p14="http://schemas.microsoft.com/office/powerpoint/2010/main">
+    <mc:Choice Requires="p14">
+      <p:transition spd="slow" p14:dur="2000" advClick="0" advTm="5000"/>
+    </mc:Choice>
+    <mc:Fallback xmlns="">
+      <p:transition spd="slow" advClick="0" advTm="5000"/>
+    </mc:Fallback>
+  </mc:AlternateContent>
+</p:sldLayout>
+</file>
+
+<file path=ppt/slideLayouts/slideLayout9.xml><?xml version="1.0" encoding="utf-8"?>
+<p:sldLayout xmlns:a="http://schemas.openxmlformats.org/drawingml/2006/main" xmlns:r="http://schemas.openxmlformats.org/officeDocument/2006/relationships" xmlns:p="http://schemas.openxmlformats.org/presentationml/2006/main" preserve="1" userDrawn="1">
+  <p:cSld name="Table of Contents">
+    <p:spTree>
+      <p:nvGrpSpPr>
+        <p:cNvPr id="1" name=""/>
+        <p:cNvGrpSpPr/>
+        <p:nvPr/>
+      </p:nvGrpSpPr>
+      <p:grpSpPr>
+        <a:xfrm>
+          <a:off x="0" y="0"/>
+          <a:ext cx="0" cy="0"/>
+          <a:chOff x="0" y="0"/>
+          <a:chExt cx="0" cy="0"/>
+        </a:xfrm>
+      </p:grpSpPr>
+      <p:sp>
+        <p:nvSpPr>
+          <p:cNvPr id="10" name="Slide Number">
+            <a:extLst>
+              <a:ext uri="{FF2B5EF4-FFF2-40B4-BE49-F238E27FC236}">
+                <a16:creationId xmlns:a16="http://schemas.microsoft.com/office/drawing/2014/main" id="{39DDE17E-5472-41F3-AF5F-54DFF10DC63C}"/>
+              </a:ext>
+            </a:extLst>
+          </p:cNvPr>
+          <p:cNvSpPr>
+            <a:spLocks noGrp="1"/>
+          </p:cNvSpPr>
+          <p:nvPr>
+            <p:ph type="sldNum" sz="quarter" idx="4"/>
+          </p:nvPr>
+        </p:nvSpPr>
+        <p:spPr>
+          <a:xfrm>
+            <a:off x="11753030" y="6507000"/>
+            <a:ext cx="367414" cy="297000"/>
+          </a:xfrm>
+          <a:prstGeom prst="rect">
+            <a:avLst/>
+          </a:prstGeom>
+        </p:spPr>
+        <p:txBody>
+          <a:bodyPr vert="horz" lIns="91440" tIns="45720" rIns="91440" bIns="45720" rtlCol="0" anchor="b"/>
+          <a:lstStyle>
+            <a:lvl1pPr algn="r">
+              <a:defRPr sz="1000"/>
+            </a:lvl1pPr>
+          </a:lstStyle>
+          <a:p>
+            <a:fld id="{2BF067CD-8E6B-4360-9AA8-C5DF2A48A6D1}" type="slidenum">
+              <a:rPr lang="en-US" noProof="0" smtClean="0"/>
+              <a:pPr/>
+              <a:t>‹#›</a:t>
+            </a:fld>
+            <a:endParaRPr lang="en-US" noProof="0"/>
+          </a:p>
+        </p:txBody>
+      </p:sp>
+      <p:sp>
+        <p:nvSpPr>
+          <p:cNvPr id="23" name="Slide Body Text">
+            <a:extLst>
+              <a:ext uri="{FF2B5EF4-FFF2-40B4-BE49-F238E27FC236}">
+                <a16:creationId xmlns:a16="http://schemas.microsoft.com/office/drawing/2014/main" id="{889D93F4-ABFA-46BF-8E5D-FE6562ACB20F}"/>
+              </a:ext>
+            </a:extLst>
+          </p:cNvPr>
+          <p:cNvSpPr>
+            <a:spLocks noGrp="1"/>
+          </p:cNvSpPr>
+          <p:nvPr>
+            <p:ph type="body" sz="quarter" idx="13" hasCustomPrompt="1"/>
+          </p:nvPr>
+        </p:nvSpPr>
+        <p:spPr>
+          <a:xfrm>
+            <a:off x="196766" y="1371604"/>
+            <a:ext cx="11781606" cy="5207396"/>
+          </a:xfrm>
+        </p:spPr>
+        <p:txBody>
+          <a:bodyPr>
+            <a:normAutofit/>
+          </a:bodyPr>
+          <a:lstStyle>
+            <a:lvl1pPr marL="514042" indent="-514042" latinLnBrk="0">
+              <a:buFont typeface="+mj-lt"/>
+              <a:buAutoNum type="arabicPeriod"/>
+              <a:defRPr sz="3600">
+                <a:solidFill>
+                  <a:schemeClr val="tx1"/>
+                </a:solidFill>
+              </a:defRPr>
+            </a:lvl1pPr>
+            <a:lvl2pPr>
+              <a:defRPr sz="3400"/>
+            </a:lvl2pPr>
+          </a:lstStyle>
+          <a:p>
+            <a:pPr lvl="0"/>
+            <a:r>
+              <a:rPr lang="en-US" noProof="0" dirty="0"/>
+              <a:t>…</a:t>
+            </a:r>
+          </a:p>
+          <a:p>
+            <a:pPr lvl="1"/>
+            <a:r>
+              <a:rPr lang="en-US" noProof="0" dirty="0"/>
+              <a:t>…</a:t>
+            </a:r>
+          </a:p>
+          <a:p>
+            <a:pPr lvl="1"/>
+            <a:r>
+              <a:rPr lang="en-US" noProof="0" dirty="0"/>
+              <a:t>…</a:t>
+            </a:r>
+          </a:p>
+          <a:p>
+            <a:pPr lvl="0"/>
+            <a:r>
+              <a:rPr lang="en-US" noProof="0" dirty="0"/>
+              <a:t>…</a:t>
+            </a:r>
+          </a:p>
+          <a:p>
+            <a:pPr lvl="1"/>
+            <a:r>
+              <a:rPr lang="en-US" noProof="0" dirty="0"/>
+              <a:t>…</a:t>
+            </a:r>
+          </a:p>
+          <a:p>
+            <a:pPr lvl="1"/>
+            <a:r>
+              <a:rPr lang="en-US" noProof="0" dirty="0"/>
+              <a:t>…</a:t>
+            </a:r>
+          </a:p>
+          <a:p>
+            <a:pPr lvl="0"/>
+            <a:r>
+              <a:rPr lang="en-US" noProof="0" dirty="0"/>
+              <a:t>…</a:t>
+            </a:r>
+          </a:p>
+        </p:txBody>
+      </p:sp>
+      <p:sp>
+        <p:nvSpPr>
+          <p:cNvPr id="8" name="Rectangle Top">
+            <a:extLst>
+              <a:ext uri="{FF2B5EF4-FFF2-40B4-BE49-F238E27FC236}">
+                <a16:creationId xmlns:a16="http://schemas.microsoft.com/office/drawing/2014/main" id="{930E0800-9260-4369-8330-8264DD33C5CE}"/>
+              </a:ext>
+            </a:extLst>
+          </p:cNvPr>
+          <p:cNvSpPr/>
+          <p:nvPr userDrawn="1"/>
+        </p:nvSpPr>
+        <p:spPr>
+          <a:xfrm>
+            <a:off x="0" y="0"/>
+            <a:ext cx="12196800" cy="1095376"/>
+          </a:xfrm>
+          <a:prstGeom prst="rect">
+            <a:avLst/>
+          </a:prstGeom>
+          <a:solidFill>
+            <a:schemeClr val="tx2"/>
+          </a:solidFill>
+          <a:ln>
+            <a:noFill/>
+          </a:ln>
+        </p:spPr>
+        <p:style>
+          <a:lnRef idx="2">
+            <a:schemeClr val="accent1">
+              <a:shade val="50000"/>
+            </a:schemeClr>
+          </a:lnRef>
+          <a:fillRef idx="1">
+            <a:schemeClr val="accent1"/>
+          </a:fillRef>
+          <a:effectRef idx="0">
+            <a:schemeClr val="accent1"/>
+          </a:effectRef>
+          <a:fontRef idx="minor">
+            <a:schemeClr val="lt1"/>
+          </a:fontRef>
+        </p:style>
+        <p:txBody>
+          <a:bodyPr rtlCol="0" anchor="ctr"/>
+          <a:lstStyle/>
+          <a:p>
+            <a:pPr marL="0" marR="0" lvl="0" indent="0" algn="ctr" defTabSz="913852" rtl="0" eaLnBrk="1" fontAlgn="auto" latinLnBrk="0" hangingPunct="1">
+              <a:lnSpc>
+                <a:spcPct val="100000"/>
+              </a:lnSpc>
+              <a:spcBef>
+                <a:spcPts val="0"/>
+              </a:spcBef>
+              <a:spcAft>
+                <a:spcPts val="0"/>
+              </a:spcAft>
+              <a:buClrTx/>
+              <a:buSzTx/>
+              <a:buFontTx/>
+              <a:buNone/>
+              <a:tabLst/>
+              <a:defRPr/>
+            </a:pPr>
+            <a:endParaRPr kumimoji="0" lang="en-US" altLang="ko-KR" sz="2398" b="0" i="0" u="none" strike="noStrike" kern="1200" cap="none" spc="0" normalizeH="0" baseline="0" noProof="0">
+              <a:ln>
+                <a:noFill/>
+              </a:ln>
+              <a:solidFill>
+                <a:srgbClr val="F7C86D"/>
+              </a:solidFill>
+              <a:effectLst/>
+              <a:uLnTx/>
+              <a:uFillTx/>
+              <a:latin typeface="Calibri" panose="020F0502020204030204"/>
+              <a:ea typeface="맑은 고딕" panose="020B0503020000020004" pitchFamily="34" charset="-127"/>
+              <a:cs typeface="+mn-cs"/>
+            </a:endParaRPr>
+          </a:p>
+        </p:txBody>
+      </p:sp>
+      <p:sp>
+        <p:nvSpPr>
+          <p:cNvPr id="13" name="Slide Title">
+            <a:extLst>
+              <a:ext uri="{FF2B5EF4-FFF2-40B4-BE49-F238E27FC236}">
+                <a16:creationId xmlns:a16="http://schemas.microsoft.com/office/drawing/2014/main" id="{357D7BE1-6358-42CC-94F3-7BCDD91DCB6D}"/>
+              </a:ext>
+            </a:extLst>
+          </p:cNvPr>
+          <p:cNvSpPr>
+            <a:spLocks noGrp="1"/>
+          </p:cNvSpPr>
+          <p:nvPr>
+            <p:ph type="title" hasCustomPrompt="1"/>
+          </p:nvPr>
+        </p:nvSpPr>
+        <p:spPr>
+          <a:xfrm>
+            <a:off x="190406" y="100750"/>
+            <a:ext cx="10270594" cy="882654"/>
+          </a:xfrm>
+        </p:spPr>
+        <p:txBody>
+          <a:bodyPr/>
+          <a:lstStyle>
+            <a:lvl1pPr latinLnBrk="0">
+              <a:defRPr>
+                <a:solidFill>
+                  <a:schemeClr val="bg2"/>
+                </a:solidFill>
+              </a:defRPr>
+            </a:lvl1pPr>
+          </a:lstStyle>
+          <a:p>
+            <a:r>
+              <a:rPr lang="en-US" noProof="0" dirty="0"/>
+              <a:t>Table of Contents</a:t>
+            </a:r>
+          </a:p>
+        </p:txBody>
+      </p:sp>
+      <p:pic>
+        <p:nvPicPr>
+          <p:cNvPr id="3" name="Picture 2">
+            <a:extLst>
+              <a:ext uri="{FF2B5EF4-FFF2-40B4-BE49-F238E27FC236}">
+                <a16:creationId xmlns:a16="http://schemas.microsoft.com/office/drawing/2014/main" id="{4FD808AB-EC49-1578-0005-D58D2A365AA1}"/>
+              </a:ext>
+            </a:extLst>
+          </p:cNvPr>
+          <p:cNvPicPr>
+            <a:picLocks noChangeAspect="1"/>
+          </p:cNvPicPr>
+          <p:nvPr userDrawn="1"/>
+        </p:nvPicPr>
+        <p:blipFill>
+          <a:blip r:embed="rId2" cstate="print">
+            <a:extLst>
+              <a:ext uri="{28A0092B-C50C-407E-A947-70E740481C1C}">
+                <a14:useLocalDpi xmlns:a14="http://schemas.microsoft.com/office/drawing/2010/main" val="0"/>
+              </a:ext>
+            </a:extLst>
+          </a:blip>
+          <a:stretch>
+            <a:fillRect/>
+          </a:stretch>
+        </p:blipFill>
+        <p:spPr>
+          <a:xfrm>
+            <a:off x="10553573" y="368999"/>
+            <a:ext cx="1443361" cy="360001"/>
+          </a:xfrm>
+          <a:prstGeom prst="rect">
+            <a:avLst/>
+          </a:prstGeom>
+        </p:spPr>
+      </p:pic>
+    </p:spTree>
+    <p:extLst>
+      <p:ext uri="{BB962C8B-B14F-4D97-AF65-F5344CB8AC3E}">
+        <p14:creationId xmlns:p14="http://schemas.microsoft.com/office/powerpoint/2010/main" val="1028724482"/>
       </p:ext>
     </p:extLst>
   </p:cSld>
@@ -8851,35 +7497,6 @@
           <a:chExt cx="0" cy="0"/>
         </a:xfrm>
       </p:grpSpPr>
-      <p:pic>
-        <p:nvPicPr>
-          <p:cNvPr id="4" name="Picture Background" descr="SoftUni Background">
-            <a:extLst>
-              <a:ext uri="{FF2B5EF4-FFF2-40B4-BE49-F238E27FC236}">
-                <a16:creationId xmlns:a16="http://schemas.microsoft.com/office/drawing/2014/main" id="{5BE90A63-DDD9-4B3B-A234-DF69B9BC812F}"/>
-              </a:ext>
-            </a:extLst>
-          </p:cNvPr>
-          <p:cNvPicPr>
-            <a:picLocks noChangeAspect="1"/>
-          </p:cNvPicPr>
-          <p:nvPr userDrawn="1"/>
-        </p:nvPicPr>
-        <p:blipFill rotWithShape="1">
-          <a:blip r:embed="rId15"/>
-          <a:srcRect b="1672"/>
-          <a:stretch/>
-        </p:blipFill>
-        <p:spPr>
-          <a:xfrm>
-            <a:off x="0" y="1"/>
-            <a:ext cx="12192000" cy="6857999"/>
-          </a:xfrm>
-          <a:prstGeom prst="rect">
-            <a:avLst/>
-          </a:prstGeom>
-        </p:spPr>
-      </p:pic>
       <p:sp>
         <p:nvSpPr>
           <p:cNvPr id="11" name="Slide Body Text">
@@ -8996,19 +7613,18 @@
   </p:cSld>
   <p:clrMap bg1="lt1" tx1="dk1" bg2="lt2" tx2="dk2" accent1="accent1" accent2="accent2" accent3="accent3" accent4="accent4" accent5="accent5" accent6="accent6" hlink="hlink" folHlink="folHlink"/>
   <p:sldLayoutIdLst>
-    <p:sldLayoutId id="2147483676" r:id="rId1"/>
+    <p:sldLayoutId id="2147483691" r:id="rId1"/>
     <p:sldLayoutId id="2147483689" r:id="rId2"/>
     <p:sldLayoutId id="2147483681" r:id="rId3"/>
-    <p:sldLayoutId id="2147483677" r:id="rId4"/>
-    <p:sldLayoutId id="2147483679" r:id="rId5"/>
-    <p:sldLayoutId id="2147483680" r:id="rId6"/>
-    <p:sldLayoutId id="2147483688" r:id="rId7"/>
-    <p:sldLayoutId id="2147483684" r:id="rId8"/>
-    <p:sldLayoutId id="2147483690" r:id="rId9"/>
+    <p:sldLayoutId id="2147483679" r:id="rId4"/>
+    <p:sldLayoutId id="2147483680" r:id="rId5"/>
+    <p:sldLayoutId id="2147483688" r:id="rId6"/>
+    <p:sldLayoutId id="2147483684" r:id="rId7"/>
+    <p:sldLayoutId id="2147483690" r:id="rId8"/>
+    <p:sldLayoutId id="2147483677" r:id="rId9"/>
     <p:sldLayoutId id="2147483683" r:id="rId10"/>
     <p:sldLayoutId id="2147483685" r:id="rId11"/>
     <p:sldLayoutId id="2147483686" r:id="rId12"/>
-    <p:sldLayoutId id="2147483687" r:id="rId13"/>
   </p:sldLayoutIdLst>
   <mc:AlternateContent xmlns:mc="http://schemas.openxmlformats.org/markup-compatibility/2006" xmlns:p14="http://schemas.microsoft.com/office/powerpoint/2010/main">
     <mc:Choice Requires="p14">
@@ -9337,6 +7953,95 @@
       </p:grpSpPr>
       <p:sp>
         <p:nvSpPr>
+          <p:cNvPr id="16" name="Text Placeholder 15">
+            <a:extLst>
+              <a:ext uri="{FF2B5EF4-FFF2-40B4-BE49-F238E27FC236}">
+                <a16:creationId xmlns:a16="http://schemas.microsoft.com/office/drawing/2014/main" id="{1E41DE5F-465F-458F-B96C-CC1A3A6DA364}"/>
+              </a:ext>
+            </a:extLst>
+          </p:cNvPr>
+          <p:cNvSpPr>
+            <a:spLocks noGrp="1"/>
+          </p:cNvSpPr>
+          <p:nvPr>
+            <p:ph type="body" sz="quarter" idx="22"/>
+          </p:nvPr>
+        </p:nvSpPr>
+        <p:spPr>
+          <a:xfrm>
+            <a:off x="6390120" y="5805475"/>
+            <a:ext cx="5248260" cy="341313"/>
+          </a:xfrm>
+        </p:spPr>
+        <p:txBody>
+          <a:bodyPr/>
+          <a:lstStyle/>
+          <a:p>
+            <a:r>
+              <a:rPr lang="bg-BG" sz="1800"/>
+              <a:t>Софтуерни и хардуерни науки</a:t>
+            </a:r>
+            <a:endParaRPr lang="bg-BG" sz="1800" dirty="0"/>
+          </a:p>
+        </p:txBody>
+      </p:sp>
+      <p:sp>
+        <p:nvSpPr>
+          <p:cNvPr id="15" name="Text Placeholder 14">
+            <a:extLst>
+              <a:ext uri="{FF2B5EF4-FFF2-40B4-BE49-F238E27FC236}">
+                <a16:creationId xmlns:a16="http://schemas.microsoft.com/office/drawing/2014/main" id="{B78792C2-A5A6-4E58-99AD-FFDD293C3B2A}"/>
+              </a:ext>
+            </a:extLst>
+          </p:cNvPr>
+          <p:cNvSpPr>
+            <a:spLocks noGrp="1"/>
+          </p:cNvSpPr>
+          <p:nvPr>
+            <p:ph type="body" sz="quarter" idx="21"/>
+          </p:nvPr>
+        </p:nvSpPr>
+        <p:spPr>
+          <a:xfrm>
+            <a:off x="6390120" y="5425188"/>
+            <a:ext cx="5248260" cy="374236"/>
+          </a:xfrm>
+        </p:spPr>
+        <p:txBody>
+          <a:bodyPr>
+            <a:normAutofit lnSpcReduction="10000"/>
+          </a:bodyPr>
+          <a:lstStyle/>
+          <a:p>
+            <a:r>
+              <a:rPr lang="bg-BG" sz="2000" dirty="0">
+                <a:solidFill>
+                  <a:srgbClr val="234465"/>
+                </a:solidFill>
+              </a:rPr>
+              <a:t>Курс "</a:t>
+            </a:r>
+            <a:r>
+              <a:rPr lang="ru-RU" sz="2000" dirty="0">
+                <a:solidFill>
+                  <a:srgbClr val="234465"/>
+                </a:solidFill>
+              </a:rPr>
+              <a:t>Структури от данни и алгоритми</a:t>
+            </a:r>
+            <a:r>
+              <a:rPr lang="bg-BG" sz="2000" dirty="0">
+                <a:solidFill>
+                  <a:srgbClr val="234465"/>
+                </a:solidFill>
+              </a:rPr>
+              <a:t>"</a:t>
+            </a:r>
+          </a:p>
+        </p:txBody>
+      </p:sp>
+      <p:sp>
+        <p:nvSpPr>
           <p:cNvPr id="14" name="Text Placeholder 13">
             <a:extLst>
               <a:ext uri="{FF2B5EF4-FFF2-40B4-BE49-F238E27FC236}">
@@ -9351,18 +8056,43 @@
             <p:ph type="body" sz="quarter" idx="18"/>
           </p:nvPr>
         </p:nvSpPr>
-        <p:spPr/>
+        <p:spPr>
+          <a:xfrm>
+            <a:off x="534046" y="5805232"/>
+            <a:ext cx="4751953" cy="341556"/>
+          </a:xfrm>
+        </p:spPr>
         <p:txBody>
           <a:bodyPr/>
           <a:lstStyle/>
           <a:p>
-            <a:r>
-              <a:rPr lang="en-US" sz="1600" dirty="0">
+            <a:pPr marL="0" indent="0" algn="l" rtl="0" eaLnBrk="1" fontAlgn="base" latinLnBrk="0" hangingPunct="1">
+              <a:lnSpc>
+                <a:spcPct val="105000"/>
+              </a:lnSpc>
+              <a:spcBef>
+                <a:spcPts val="0"/>
+              </a:spcBef>
+              <a:spcAft>
+                <a:spcPts val="0"/>
+              </a:spcAft>
+            </a:pPr>
+            <a:r>
+              <a:rPr lang="en-US" sz="1600" b="0" kern="1200" dirty="0">
+                <a:solidFill>
+                  <a:srgbClr val="1A334C"/>
+                </a:solidFill>
+                <a:effectLst/>
+                <a:latin typeface="Calibri" panose="020F0502020204030204" pitchFamily="34" charset="0"/>
+                <a:ea typeface="+mn-ea"/>
+                <a:cs typeface="+mn-cs"/>
                 <a:hlinkClick r:id="rId2"/>
               </a:rPr>
-              <a:t>https://softuni.bg</a:t>
-            </a:r>
-            <a:endParaRPr lang="en-US" dirty="0"/>
+              <a:t>https://github.com/BG-IT-Edu</a:t>
+            </a:r>
+            <a:endParaRPr lang="bg-BG" sz="1600" dirty="0">
+              <a:effectLst/>
+            </a:endParaRPr>
           </a:p>
         </p:txBody>
       </p:sp>
@@ -9388,65 +8118,12 @@
           <a:lstStyle/>
           <a:p>
             <a:r>
-              <a:rPr lang="en-US" sz="1800" dirty="0"/>
-              <a:t>Software University</a:t>
-            </a:r>
-            <a:endParaRPr lang="en-US" dirty="0"/>
-          </a:p>
-        </p:txBody>
-      </p:sp>
-      <p:sp>
-        <p:nvSpPr>
-          <p:cNvPr id="16" name="Text Placeholder 15">
-            <a:extLst>
-              <a:ext uri="{FF2B5EF4-FFF2-40B4-BE49-F238E27FC236}">
-                <a16:creationId xmlns:a16="http://schemas.microsoft.com/office/drawing/2014/main" id="{1E41DE5F-465F-458F-B96C-CC1A3A6DA364}"/>
-              </a:ext>
-            </a:extLst>
-          </p:cNvPr>
-          <p:cNvSpPr>
-            <a:spLocks noGrp="1"/>
-          </p:cNvSpPr>
-          <p:nvPr>
-            <p:ph type="body" sz="quarter" idx="20"/>
-          </p:nvPr>
-        </p:nvSpPr>
-        <p:spPr/>
-        <p:txBody>
-          <a:bodyPr/>
-          <a:lstStyle/>
-          <a:p>
-            <a:r>
-              <a:rPr lang="en-US" dirty="0"/>
-              <a:t>Technical Trainers</a:t>
-            </a:r>
-          </a:p>
-        </p:txBody>
-      </p:sp>
-      <p:sp>
-        <p:nvSpPr>
-          <p:cNvPr id="15" name="Text Placeholder 14">
-            <a:extLst>
-              <a:ext uri="{FF2B5EF4-FFF2-40B4-BE49-F238E27FC236}">
-                <a16:creationId xmlns:a16="http://schemas.microsoft.com/office/drawing/2014/main" id="{B78792C2-A5A6-4E58-99AD-FFDD293C3B2A}"/>
-              </a:ext>
-            </a:extLst>
-          </p:cNvPr>
-          <p:cNvSpPr>
-            <a:spLocks noGrp="1"/>
-          </p:cNvSpPr>
-          <p:nvPr>
-            <p:ph type="body" sz="quarter" idx="19"/>
-          </p:nvPr>
-        </p:nvSpPr>
-        <p:spPr/>
-        <p:txBody>
-          <a:bodyPr/>
-          <a:lstStyle/>
-          <a:p>
-            <a:r>
-              <a:rPr lang="en-US" noProof="1"/>
-              <a:t>SoftUni Team</a:t>
+              <a:rPr lang="bg-BG" dirty="0">
+                <a:solidFill>
+                  <a:srgbClr val="234465"/>
+                </a:solidFill>
+              </a:rPr>
+              <a:t>Проект "Отворено учебно съдържание по програмиране и ИТ", СофтУни Фондация</a:t>
             </a:r>
           </a:p>
         </p:txBody>
@@ -9467,12 +8144,7 @@
             <p:ph type="subTitle" idx="1"/>
           </p:nvPr>
         </p:nvSpPr>
-        <p:spPr>
-          <a:xfrm>
-            <a:off x="178500" y="1404000"/>
-            <a:ext cx="10777500" cy="1143780"/>
-          </a:xfrm>
-        </p:spPr>
+        <p:spPr/>
         <p:txBody>
           <a:bodyPr>
             <a:noAutofit/>
@@ -9528,12 +8200,7 @@
             <p:ph type="title"/>
           </p:nvPr>
         </p:nvSpPr>
-        <p:spPr>
-          <a:xfrm>
-            <a:off x="554182" y="369000"/>
-            <a:ext cx="11083636" cy="980775"/>
-          </a:xfrm>
-        </p:spPr>
+        <p:spPr/>
         <p:txBody>
           <a:bodyPr>
             <a:normAutofit/>
@@ -9541,69 +8208,23 @@
           <a:lstStyle/>
           <a:p>
             <a:r>
-              <a:rPr lang="bg-BG" sz="5400" dirty="0"/>
+              <a:rPr lang="bg-BG" sz="5400"/>
               <a:t>Компонентно тестване (</a:t>
             </a:r>
             <a:r>
-              <a:rPr lang="en-US" sz="5400" dirty="0"/>
-              <a:t>Unit testing)</a:t>
-            </a:r>
+              <a:rPr lang="en-US" sz="5400"/>
+              <a:t>Unit Testing)</a:t>
+            </a:r>
+            <a:endParaRPr lang="en-US" sz="5400" dirty="0"/>
           </a:p>
         </p:txBody>
       </p:sp>
       <p:pic>
         <p:nvPicPr>
-          <p:cNvPr id="1026" name="Picture 2" descr="unit testing Archives - ROXL">
+          <p:cNvPr id="3" name="Picture 2">
             <a:extLst>
               <a:ext uri="{FF2B5EF4-FFF2-40B4-BE49-F238E27FC236}">
-                <a16:creationId xmlns:a16="http://schemas.microsoft.com/office/drawing/2014/main" id="{21DF554D-B577-4180-8D1E-F6ECDC61FB1C}"/>
-              </a:ext>
-            </a:extLst>
-          </p:cNvPr>
-          <p:cNvPicPr>
-            <a:picLocks noChangeAspect="1" noChangeArrowheads="1"/>
-          </p:cNvPicPr>
-          <p:nvPr/>
-        </p:nvPicPr>
-        <p:blipFill rotWithShape="1">
-          <a:blip r:embed="rId3" cstate="print">
-            <a:extLst>
-              <a:ext uri="{28A0092B-C50C-407E-A947-70E740481C1C}">
-                <a14:useLocalDpi xmlns:a14="http://schemas.microsoft.com/office/drawing/2010/main" val="0"/>
-              </a:ext>
-            </a:extLst>
-          </a:blip>
-          <a:srcRect l="10367" r="10367"/>
-          <a:stretch/>
-        </p:blipFill>
-        <p:spPr bwMode="auto">
-          <a:xfrm>
-            <a:off x="603322" y="3089179"/>
-            <a:ext cx="2165142" cy="1517479"/>
-          </a:xfrm>
-          <a:prstGeom prst="roundRect">
-            <a:avLst>
-              <a:gd name="adj" fmla="val 4925"/>
-            </a:avLst>
-          </a:prstGeom>
-          <a:noFill/>
-          <a:extLst>
-            <a:ext uri="{909E8E84-426E-40DD-AFC4-6F175D3DCCD1}">
-              <a14:hiddenFill xmlns:a14="http://schemas.microsoft.com/office/drawing/2010/main">
-                <a:solidFill>
-                  <a:srgbClr val="FFFFFF"/>
-                </a:solidFill>
-              </a14:hiddenFill>
-            </a:ext>
-          </a:extLst>
-        </p:spPr>
-      </p:pic>
-      <p:pic>
-        <p:nvPicPr>
-          <p:cNvPr id="9" name="Picture 8">
-            <a:extLst>
-              <a:ext uri="{FF2B5EF4-FFF2-40B4-BE49-F238E27FC236}">
-                <a16:creationId xmlns:a16="http://schemas.microsoft.com/office/drawing/2014/main" id="{9BAD3BD5-1323-4B6B-B43A-6FF4F62A56EE}"/>
+                <a16:creationId xmlns:a16="http://schemas.microsoft.com/office/drawing/2014/main" id="{3FD6E16F-4315-AD5A-113A-D903E8A88B1A}"/>
               </a:ext>
             </a:extLst>
           </p:cNvPr>
@@ -9613,15 +8234,15 @@
           <p:nvPr/>
         </p:nvPicPr>
         <p:blipFill>
-          <a:blip r:embed="rId4"/>
+          <a:blip r:embed="rId3"/>
           <a:stretch>
             <a:fillRect/>
           </a:stretch>
         </p:blipFill>
         <p:spPr>
           <a:xfrm>
-            <a:off x="4161000" y="3024412"/>
-            <a:ext cx="3686658" cy="2009986"/>
+            <a:off x="7761000" y="2819582"/>
+            <a:ext cx="3934889" cy="2145323"/>
           </a:xfrm>
           <a:prstGeom prst="rect">
             <a:avLst/>
@@ -9638,7 +8259,7 @@
     </p:spTree>
     <p:extLst>
       <p:ext uri="{BB962C8B-B14F-4D97-AF65-F5344CB8AC3E}">
-        <p14:creationId xmlns:p14="http://schemas.microsoft.com/office/powerpoint/2010/main" val="2925354745"/>
+        <p14:creationId xmlns:p14="http://schemas.microsoft.com/office/powerpoint/2010/main" val="3381051142"/>
       </p:ext>
     </p:extLst>
   </p:cSld>
@@ -9673,64 +8294,6 @@
           <a:chExt cx="0" cy="0"/>
         </a:xfrm>
       </p:grpSpPr>
-      <p:sp>
-        <p:nvSpPr>
-          <p:cNvPr id="11" name="Subtitle 10">
-            <a:extLst>
-              <a:ext uri="{FF2B5EF4-FFF2-40B4-BE49-F238E27FC236}">
-                <a16:creationId xmlns:a16="http://schemas.microsoft.com/office/drawing/2014/main" id="{B36EF010-6E50-434B-8C09-CB2CF70DD0F2}"/>
-              </a:ext>
-            </a:extLst>
-          </p:cNvPr>
-          <p:cNvSpPr>
-            <a:spLocks noGrp="1"/>
-          </p:cNvSpPr>
-          <p:nvPr>
-            <p:ph type="subTitle" sz="quarter" idx="11"/>
-          </p:nvPr>
-        </p:nvSpPr>
-        <p:spPr/>
-        <p:txBody>
-          <a:bodyPr/>
-          <a:lstStyle/>
-          <a:p>
-            <a:r>
-              <a:rPr lang="bg-BG" dirty="0"/>
-              <a:t>Концепции</a:t>
-            </a:r>
-            <a:endParaRPr lang="en-US" dirty="0"/>
-          </a:p>
-        </p:txBody>
-      </p:sp>
-      <p:sp>
-        <p:nvSpPr>
-          <p:cNvPr id="10" name="Title 9">
-            <a:extLst>
-              <a:ext uri="{FF2B5EF4-FFF2-40B4-BE49-F238E27FC236}">
-                <a16:creationId xmlns:a16="http://schemas.microsoft.com/office/drawing/2014/main" id="{60B76CFA-00C0-4DDE-BD16-6B629CEA64A8}"/>
-              </a:ext>
-            </a:extLst>
-          </p:cNvPr>
-          <p:cNvSpPr>
-            <a:spLocks noGrp="1"/>
-          </p:cNvSpPr>
-          <p:nvPr>
-            <p:ph type="title" sz="quarter" idx="10"/>
-          </p:nvPr>
-        </p:nvSpPr>
-        <p:spPr/>
-        <p:txBody>
-          <a:bodyPr/>
-          <a:lstStyle/>
-          <a:p>
-            <a:r>
-              <a:rPr lang="bg-BG" dirty="0"/>
-              <a:t>Технологични рамки за тестване</a:t>
-            </a:r>
-            <a:endParaRPr lang="en-US" dirty="0"/>
-          </a:p>
-        </p:txBody>
-      </p:sp>
       <p:pic>
         <p:nvPicPr>
           <p:cNvPr id="5" name="Picture 4">
@@ -9778,138 +8341,64 @@
       </p:pic>
       <p:sp>
         <p:nvSpPr>
-          <p:cNvPr id="6" name="Slide Number">
+          <p:cNvPr id="3" name="Подзаглавие 2">
             <a:extLst>
               <a:ext uri="{FF2B5EF4-FFF2-40B4-BE49-F238E27FC236}">
-                <a16:creationId xmlns:a16="http://schemas.microsoft.com/office/drawing/2014/main" id="{005B758C-C4F1-4739-98F6-647522733E8C}"/>
+                <a16:creationId xmlns:a16="http://schemas.microsoft.com/office/drawing/2014/main" id="{AACE3FE4-5D6D-306A-1051-8F54FC645DD9}"/>
               </a:ext>
             </a:extLst>
           </p:cNvPr>
-          <p:cNvSpPr txBox="1">
-            <a:spLocks/>
+          <p:cNvSpPr>
+            <a:spLocks noGrp="1"/>
           </p:cNvSpPr>
-          <p:nvPr/>
+          <p:nvPr>
+            <p:ph type="subTitle" sz="quarter" idx="11"/>
+          </p:nvPr>
         </p:nvSpPr>
-        <p:spPr>
-          <a:xfrm>
-            <a:off x="11753030" y="6507000"/>
-            <a:ext cx="367414" cy="297000"/>
-          </a:xfrm>
-          <a:prstGeom prst="rect">
-            <a:avLst/>
-          </a:prstGeom>
-        </p:spPr>
+        <p:spPr/>
         <p:txBody>
-          <a:bodyPr vert="horz" lIns="91440" tIns="45720" rIns="91440" bIns="45720" rtlCol="0" anchor="b"/>
-          <a:lstStyle>
-            <a:defPPr>
-              <a:defRPr lang="en-US"/>
-            </a:defPPr>
-            <a:lvl1pPr marL="0" algn="r" defTabSz="914400" rtl="0" eaLnBrk="1" latinLnBrk="0" hangingPunct="1">
-              <a:defRPr sz="1000" kern="1200">
-                <a:solidFill>
-                  <a:schemeClr val="tx1"/>
-                </a:solidFill>
-                <a:latin typeface="+mn-lt"/>
-                <a:ea typeface="+mn-ea"/>
-                <a:cs typeface="+mn-cs"/>
-              </a:defRPr>
-            </a:lvl1pPr>
-            <a:lvl2pPr marL="457200" algn="l" defTabSz="914400" rtl="0" eaLnBrk="1" latinLnBrk="0" hangingPunct="1">
-              <a:defRPr sz="1800" kern="1200">
-                <a:solidFill>
-                  <a:schemeClr val="tx1"/>
-                </a:solidFill>
-                <a:latin typeface="+mn-lt"/>
-                <a:ea typeface="+mn-ea"/>
-                <a:cs typeface="+mn-cs"/>
-              </a:defRPr>
-            </a:lvl2pPr>
-            <a:lvl3pPr marL="914400" algn="l" defTabSz="914400" rtl="0" eaLnBrk="1" latinLnBrk="0" hangingPunct="1">
-              <a:defRPr sz="1800" kern="1200">
-                <a:solidFill>
-                  <a:schemeClr val="tx1"/>
-                </a:solidFill>
-                <a:latin typeface="+mn-lt"/>
-                <a:ea typeface="+mn-ea"/>
-                <a:cs typeface="+mn-cs"/>
-              </a:defRPr>
-            </a:lvl3pPr>
-            <a:lvl4pPr marL="1371600" algn="l" defTabSz="914400" rtl="0" eaLnBrk="1" latinLnBrk="0" hangingPunct="1">
-              <a:defRPr sz="1800" kern="1200">
-                <a:solidFill>
-                  <a:schemeClr val="tx1"/>
-                </a:solidFill>
-                <a:latin typeface="+mn-lt"/>
-                <a:ea typeface="+mn-ea"/>
-                <a:cs typeface="+mn-cs"/>
-              </a:defRPr>
-            </a:lvl4pPr>
-            <a:lvl5pPr marL="1828800" algn="l" defTabSz="914400" rtl="0" eaLnBrk="1" latinLnBrk="0" hangingPunct="1">
-              <a:defRPr sz="1800" kern="1200">
-                <a:solidFill>
-                  <a:schemeClr val="tx1"/>
-                </a:solidFill>
-                <a:latin typeface="+mn-lt"/>
-                <a:ea typeface="+mn-ea"/>
-                <a:cs typeface="+mn-cs"/>
-              </a:defRPr>
-            </a:lvl5pPr>
-            <a:lvl6pPr marL="2286000" algn="l" defTabSz="914400" rtl="0" eaLnBrk="1" latinLnBrk="0" hangingPunct="1">
-              <a:defRPr sz="1800" kern="1200">
-                <a:solidFill>
-                  <a:schemeClr val="tx1"/>
-                </a:solidFill>
-                <a:latin typeface="+mn-lt"/>
-                <a:ea typeface="+mn-ea"/>
-                <a:cs typeface="+mn-cs"/>
-              </a:defRPr>
-            </a:lvl6pPr>
-            <a:lvl7pPr marL="2743200" algn="l" defTabSz="914400" rtl="0" eaLnBrk="1" latinLnBrk="0" hangingPunct="1">
-              <a:defRPr sz="1800" kern="1200">
-                <a:solidFill>
-                  <a:schemeClr val="tx1"/>
-                </a:solidFill>
-                <a:latin typeface="+mn-lt"/>
-                <a:ea typeface="+mn-ea"/>
-                <a:cs typeface="+mn-cs"/>
-              </a:defRPr>
-            </a:lvl7pPr>
-            <a:lvl8pPr marL="3200400" algn="l" defTabSz="914400" rtl="0" eaLnBrk="1" latinLnBrk="0" hangingPunct="1">
-              <a:defRPr sz="1800" kern="1200">
-                <a:solidFill>
-                  <a:schemeClr val="tx1"/>
-                </a:solidFill>
-                <a:latin typeface="+mn-lt"/>
-                <a:ea typeface="+mn-ea"/>
-                <a:cs typeface="+mn-cs"/>
-              </a:defRPr>
-            </a:lvl8pPr>
-            <a:lvl9pPr marL="3657600" algn="l" defTabSz="914400" rtl="0" eaLnBrk="1" latinLnBrk="0" hangingPunct="1">
-              <a:defRPr sz="1800" kern="1200">
-                <a:solidFill>
-                  <a:schemeClr val="tx1"/>
-                </a:solidFill>
-                <a:latin typeface="+mn-lt"/>
-                <a:ea typeface="+mn-ea"/>
-                <a:cs typeface="+mn-cs"/>
-              </a:defRPr>
-            </a:lvl9pPr>
-          </a:lstStyle>
-          <a:p>
-            <a:fld id="{2BF067CD-8E6B-4360-9AA8-C5DF2A48A6D1}" type="slidenum">
-              <a:rPr lang="en-US" smtClean="0"/>
-              <a:pPr/>
-              <a:t>10</a:t>
-            </a:fld>
-            <a:endParaRPr lang="en-US" dirty="0"/>
+          <a:bodyPr/>
+          <a:lstStyle/>
+          <a:p>
+            <a:r>
+              <a:rPr lang="bg-BG" dirty="0"/>
+              <a:t>Концепции</a:t>
+            </a:r>
+          </a:p>
+        </p:txBody>
+      </p:sp>
+      <p:sp>
+        <p:nvSpPr>
+          <p:cNvPr id="7" name="Заглавие 6">
+            <a:extLst>
+              <a:ext uri="{FF2B5EF4-FFF2-40B4-BE49-F238E27FC236}">
+                <a16:creationId xmlns:a16="http://schemas.microsoft.com/office/drawing/2014/main" id="{2D42C12F-BEDD-F196-6EA3-472DEC902E25}"/>
+              </a:ext>
+            </a:extLst>
+          </p:cNvPr>
+          <p:cNvSpPr>
+            <a:spLocks noGrp="1"/>
+          </p:cNvSpPr>
+          <p:nvPr>
+            <p:ph type="title" sz="quarter" idx="10"/>
+          </p:nvPr>
+        </p:nvSpPr>
+        <p:spPr/>
+        <p:txBody>
+          <a:bodyPr/>
+          <a:lstStyle/>
+          <a:p>
+            <a:r>
+              <a:rPr lang="bg-BG" dirty="0"/>
+              <a:t>Технологични рамки за тестване</a:t>
+            </a:r>
           </a:p>
         </p:txBody>
       </p:sp>
     </p:spTree>
     <p:extLst>
       <p:ext uri="{BB962C8B-B14F-4D97-AF65-F5344CB8AC3E}">
-        <p14:creationId xmlns:p14="http://schemas.microsoft.com/office/powerpoint/2010/main" val="2224126210"/>
+        <p14:creationId xmlns:p14="http://schemas.microsoft.com/office/powerpoint/2010/main" val="354622940"/>
       </p:ext>
     </p:extLst>
   </p:cSld>
@@ -10241,10 +8730,10 @@
       </p:sp>
       <p:sp>
         <p:nvSpPr>
-          <p:cNvPr id="5" name="Slide Number">
+          <p:cNvPr id="2" name="Slide Number">
             <a:extLst>
               <a:ext uri="{FF2B5EF4-FFF2-40B4-BE49-F238E27FC236}">
-                <a16:creationId xmlns:a16="http://schemas.microsoft.com/office/drawing/2014/main" id="{2D1C8855-A5DF-4357-8B20-7F4B48E4A144}"/>
+                <a16:creationId xmlns:a16="http://schemas.microsoft.com/office/drawing/2014/main" id="{B0EA5D0B-D6D1-E48A-5E97-D593915614DC}"/>
               </a:ext>
             </a:extLst>
           </p:cNvPr>
@@ -10284,7 +8773,7 @@
     </p:spTree>
     <p:extLst>
       <p:ext uri="{BB962C8B-B14F-4D97-AF65-F5344CB8AC3E}">
-        <p14:creationId xmlns:p14="http://schemas.microsoft.com/office/powerpoint/2010/main" val="1786444357"/>
+        <p14:creationId xmlns:p14="http://schemas.microsoft.com/office/powerpoint/2010/main" val="1220792778"/>
       </p:ext>
     </p:extLst>
   </p:cSld>
@@ -11114,10 +9603,10 @@
       </p:pic>
       <p:sp>
         <p:nvSpPr>
-          <p:cNvPr id="7" name="Slide Number">
+          <p:cNvPr id="2" name="Slide Number">
             <a:extLst>
               <a:ext uri="{FF2B5EF4-FFF2-40B4-BE49-F238E27FC236}">
-                <a16:creationId xmlns:a16="http://schemas.microsoft.com/office/drawing/2014/main" id="{C88130C3-A59A-4683-A1E6-938814FB428C}"/>
+                <a16:creationId xmlns:a16="http://schemas.microsoft.com/office/drawing/2014/main" id="{0D8E49E2-990D-1E8F-7D2F-38F02A4A1025}"/>
               </a:ext>
             </a:extLst>
           </p:cNvPr>
@@ -11157,7 +9646,7 @@
     </p:spTree>
     <p:extLst>
       <p:ext uri="{BB962C8B-B14F-4D97-AF65-F5344CB8AC3E}">
-        <p14:creationId xmlns:p14="http://schemas.microsoft.com/office/powerpoint/2010/main" val="1789751377"/>
+        <p14:creationId xmlns:p14="http://schemas.microsoft.com/office/powerpoint/2010/main" val="3796495482"/>
       </p:ext>
     </p:extLst>
   </p:cSld>
@@ -12047,10 +10536,10 @@
       </p:sp>
       <p:sp>
         <p:nvSpPr>
-          <p:cNvPr id="5" name="Slide Number">
+          <p:cNvPr id="2" name="Slide Number">
             <a:extLst>
               <a:ext uri="{FF2B5EF4-FFF2-40B4-BE49-F238E27FC236}">
-                <a16:creationId xmlns:a16="http://schemas.microsoft.com/office/drawing/2014/main" id="{DF367DB8-278D-40EE-A023-BFA17BD5D63F}"/>
+                <a16:creationId xmlns:a16="http://schemas.microsoft.com/office/drawing/2014/main" id="{BCEF6068-DB47-BC25-FEED-CC8CB96DBB95}"/>
               </a:ext>
             </a:extLst>
           </p:cNvPr>
@@ -12090,7 +10579,7 @@
     </p:spTree>
     <p:extLst>
       <p:ext uri="{BB962C8B-B14F-4D97-AF65-F5344CB8AC3E}">
-        <p14:creationId xmlns:p14="http://schemas.microsoft.com/office/powerpoint/2010/main" val="2180795482"/>
+        <p14:creationId xmlns:p14="http://schemas.microsoft.com/office/powerpoint/2010/main" val="3420546030"/>
       </p:ext>
     </p:extLst>
   </p:cSld>
@@ -12333,51 +10822,6 @@
           <a:chExt cx="0" cy="0"/>
         </a:xfrm>
       </p:grpSpPr>
-      <p:sp>
-        <p:nvSpPr>
-          <p:cNvPr id="5" name="Title 4">
-            <a:extLst>
-              <a:ext uri="{FF2B5EF4-FFF2-40B4-BE49-F238E27FC236}">
-                <a16:creationId xmlns:a16="http://schemas.microsoft.com/office/drawing/2014/main" id="{B9F7F13A-6D50-4605-AB7B-E1D7510C7478}"/>
-              </a:ext>
-            </a:extLst>
-          </p:cNvPr>
-          <p:cNvSpPr>
-            <a:spLocks noGrp="1"/>
-          </p:cNvSpPr>
-          <p:nvPr>
-            <p:ph type="title" sz="quarter" idx="10"/>
-          </p:nvPr>
-        </p:nvSpPr>
-        <p:spPr/>
-        <p:txBody>
-          <a:bodyPr/>
-          <a:lstStyle/>
-          <a:p>
-            <a:r>
-              <a:rPr lang="bg-BG" dirty="0"/>
-              <a:t>Конфигурация</a:t>
-            </a:r>
-            <a:r>
-              <a:rPr lang="en-US" dirty="0"/>
-              <a:t> </a:t>
-            </a:r>
-            <a:r>
-              <a:rPr lang="bg-BG" dirty="0"/>
-              <a:t>и</a:t>
-            </a:r>
-            <a:r>
-              <a:rPr lang="en-US" dirty="0"/>
-              <a:t> </a:t>
-            </a:r>
-            <a:r>
-              <a:rPr lang="bg-BG" dirty="0"/>
-              <a:t>първи тест</a:t>
-            </a:r>
-            <a:endParaRPr lang="en-US" dirty="0"/>
-          </a:p>
-        </p:txBody>
-      </p:sp>
       <p:pic>
         <p:nvPicPr>
           <p:cNvPr id="7" name="Picture 6">
@@ -12414,10 +10858,38 @@
           </a:prstGeom>
         </p:spPr>
       </p:pic>
+      <p:sp>
+        <p:nvSpPr>
+          <p:cNvPr id="3" name="Заглавие 2">
+            <a:extLst>
+              <a:ext uri="{FF2B5EF4-FFF2-40B4-BE49-F238E27FC236}">
+                <a16:creationId xmlns:a16="http://schemas.microsoft.com/office/drawing/2014/main" id="{709DD02F-1233-22B5-49A3-F0913A9BEC9C}"/>
+              </a:ext>
+            </a:extLst>
+          </p:cNvPr>
+          <p:cNvSpPr>
+            <a:spLocks noGrp="1"/>
+          </p:cNvSpPr>
+          <p:nvPr>
+            <p:ph type="title" sz="quarter" idx="10"/>
+          </p:nvPr>
+        </p:nvSpPr>
+        <p:spPr/>
+        <p:txBody>
+          <a:bodyPr/>
+          <a:lstStyle/>
+          <a:p>
+            <a:r>
+              <a:rPr lang="bg-BG"/>
+              <a:t>Конфигурация и първи тест</a:t>
+            </a:r>
+          </a:p>
+        </p:txBody>
+      </p:sp>
     </p:spTree>
     <p:extLst>
       <p:ext uri="{BB962C8B-B14F-4D97-AF65-F5344CB8AC3E}">
-        <p14:creationId xmlns:p14="http://schemas.microsoft.com/office/powerpoint/2010/main" val="1058770493"/>
+        <p14:creationId xmlns:p14="http://schemas.microsoft.com/office/powerpoint/2010/main" val="1342654689"/>
       </p:ext>
     </p:extLst>
   </p:cSld>
@@ -12716,10 +11188,10 @@
       </p:pic>
       <p:sp>
         <p:nvSpPr>
-          <p:cNvPr id="6" name="Slide Number">
+          <p:cNvPr id="2" name="Slide Number">
             <a:extLst>
               <a:ext uri="{FF2B5EF4-FFF2-40B4-BE49-F238E27FC236}">
-                <a16:creationId xmlns:a16="http://schemas.microsoft.com/office/drawing/2014/main" id="{87950ED7-B31B-43B8-A521-C164013A762A}"/>
+                <a16:creationId xmlns:a16="http://schemas.microsoft.com/office/drawing/2014/main" id="{E0EB6DCE-52F6-5E77-0A47-301CFAE16782}"/>
               </a:ext>
             </a:extLst>
           </p:cNvPr>
@@ -12847,7 +11319,7 @@
     </p:spTree>
     <p:extLst>
       <p:ext uri="{BB962C8B-B14F-4D97-AF65-F5344CB8AC3E}">
-        <p14:creationId xmlns:p14="http://schemas.microsoft.com/office/powerpoint/2010/main" val="3533406386"/>
+        <p14:creationId xmlns:p14="http://schemas.microsoft.com/office/powerpoint/2010/main" val="2766592326"/>
       </p:ext>
     </p:extLst>
   </p:cSld>
@@ -13424,10 +11896,10 @@
       </p:pic>
       <p:sp>
         <p:nvSpPr>
-          <p:cNvPr id="7" name="Slide Number">
+          <p:cNvPr id="2" name="Slide Number">
             <a:extLst>
               <a:ext uri="{FF2B5EF4-FFF2-40B4-BE49-F238E27FC236}">
-                <a16:creationId xmlns:a16="http://schemas.microsoft.com/office/drawing/2014/main" id="{38F04EEA-64D1-4011-8DF0-C9F5DB2895F5}"/>
+                <a16:creationId xmlns:a16="http://schemas.microsoft.com/office/drawing/2014/main" id="{500C17AF-5AFE-29FA-329E-CAC882F62064}"/>
               </a:ext>
             </a:extLst>
           </p:cNvPr>
@@ -13467,7 +11939,7 @@
     </p:spTree>
     <p:extLst>
       <p:ext uri="{BB962C8B-B14F-4D97-AF65-F5344CB8AC3E}">
-        <p14:creationId xmlns:p14="http://schemas.microsoft.com/office/powerpoint/2010/main" val="3869301584"/>
+        <p14:creationId xmlns:p14="http://schemas.microsoft.com/office/powerpoint/2010/main" val="2421360596"/>
       </p:ext>
     </p:extLst>
   </p:cSld>
@@ -13864,10 +12336,10 @@
       </p:pic>
       <p:sp>
         <p:nvSpPr>
-          <p:cNvPr id="7" name="Slide Number">
+          <p:cNvPr id="2" name="Slide Number">
             <a:extLst>
               <a:ext uri="{FF2B5EF4-FFF2-40B4-BE49-F238E27FC236}">
-                <a16:creationId xmlns:a16="http://schemas.microsoft.com/office/drawing/2014/main" id="{4041726D-20FE-4320-A1B9-F7666ECA7EF6}"/>
+                <a16:creationId xmlns:a16="http://schemas.microsoft.com/office/drawing/2014/main" id="{8EF6E337-1E8E-2F5C-3C41-1F8A59CD80D2}"/>
               </a:ext>
             </a:extLst>
           </p:cNvPr>
@@ -13907,7 +12379,7 @@
     </p:spTree>
     <p:extLst>
       <p:ext uri="{BB962C8B-B14F-4D97-AF65-F5344CB8AC3E}">
-        <p14:creationId xmlns:p14="http://schemas.microsoft.com/office/powerpoint/2010/main" val="212169159"/>
+        <p14:creationId xmlns:p14="http://schemas.microsoft.com/office/powerpoint/2010/main" val="1215743521"/>
       </p:ext>
     </p:extLst>
   </p:cSld>
@@ -14119,10 +12591,10 @@
       </p:pic>
       <p:sp>
         <p:nvSpPr>
-          <p:cNvPr id="7" name="Slide Number">
+          <p:cNvPr id="2" name="Slide Number">
             <a:extLst>
               <a:ext uri="{FF2B5EF4-FFF2-40B4-BE49-F238E27FC236}">
-                <a16:creationId xmlns:a16="http://schemas.microsoft.com/office/drawing/2014/main" id="{5125C178-D39D-4BC5-A3C6-989C48C748A3}"/>
+                <a16:creationId xmlns:a16="http://schemas.microsoft.com/office/drawing/2014/main" id="{FA3C391F-0F89-DF7E-A500-9EC2E3EADF2E}"/>
               </a:ext>
             </a:extLst>
           </p:cNvPr>
@@ -14162,7 +12634,7 @@
     </p:spTree>
     <p:extLst>
       <p:ext uri="{BB962C8B-B14F-4D97-AF65-F5344CB8AC3E}">
-        <p14:creationId xmlns:p14="http://schemas.microsoft.com/office/powerpoint/2010/main" val="709913169"/>
+        <p14:creationId xmlns:p14="http://schemas.microsoft.com/office/powerpoint/2010/main" val="3254647988"/>
       </p:ext>
     </p:extLst>
   </p:cSld>
@@ -14379,10 +12851,10 @@
       </p:pic>
       <p:sp>
         <p:nvSpPr>
-          <p:cNvPr id="6" name="Slide Number">
+          <p:cNvPr id="2" name="Slide Number">
             <a:extLst>
               <a:ext uri="{FF2B5EF4-FFF2-40B4-BE49-F238E27FC236}">
-                <a16:creationId xmlns:a16="http://schemas.microsoft.com/office/drawing/2014/main" id="{555D02B1-B4CB-4E74-8B34-3E835535B882}"/>
+                <a16:creationId xmlns:a16="http://schemas.microsoft.com/office/drawing/2014/main" id="{49E9FF86-CF29-244E-3729-651356BFC1A2}"/>
               </a:ext>
             </a:extLst>
           </p:cNvPr>
@@ -14422,7 +12894,7 @@
     </p:spTree>
     <p:extLst>
       <p:ext uri="{BB962C8B-B14F-4D97-AF65-F5344CB8AC3E}">
-        <p14:creationId xmlns:p14="http://schemas.microsoft.com/office/powerpoint/2010/main" val="2344694519"/>
+        <p14:creationId xmlns:p14="http://schemas.microsoft.com/office/powerpoint/2010/main" val="471803793"/>
       </p:ext>
     </p:extLst>
   </p:cSld>
@@ -14803,10 +13275,10 @@
       </p:sp>
       <p:sp>
         <p:nvSpPr>
-          <p:cNvPr id="6" name="Slide Number">
+          <p:cNvPr id="2" name="Slide Number">
             <a:extLst>
               <a:ext uri="{FF2B5EF4-FFF2-40B4-BE49-F238E27FC236}">
-                <a16:creationId xmlns:a16="http://schemas.microsoft.com/office/drawing/2014/main" id="{90CC9FD4-C8C7-4BAB-A32D-59D165E76DD7}"/>
+                <a16:creationId xmlns:a16="http://schemas.microsoft.com/office/drawing/2014/main" id="{8BE50D32-2043-68FB-8BB8-D0695162385A}"/>
               </a:ext>
             </a:extLst>
           </p:cNvPr>
@@ -14934,7 +13406,7 @@
     </p:spTree>
     <p:extLst>
       <p:ext uri="{BB962C8B-B14F-4D97-AF65-F5344CB8AC3E}">
-        <p14:creationId xmlns:p14="http://schemas.microsoft.com/office/powerpoint/2010/main" val="278989531"/>
+        <p14:creationId xmlns:p14="http://schemas.microsoft.com/office/powerpoint/2010/main" val="1473591238"/>
       </p:ext>
     </p:extLst>
   </p:cSld>
@@ -15542,10 +14014,10 @@
       </p:pic>
       <p:sp>
         <p:nvSpPr>
-          <p:cNvPr id="7" name="Slide Number">
+          <p:cNvPr id="2" name="Slide Number">
             <a:extLst>
               <a:ext uri="{FF2B5EF4-FFF2-40B4-BE49-F238E27FC236}">
-                <a16:creationId xmlns:a16="http://schemas.microsoft.com/office/drawing/2014/main" id="{85E02919-2571-445E-8C42-F559FE580C61}"/>
+                <a16:creationId xmlns:a16="http://schemas.microsoft.com/office/drawing/2014/main" id="{1BBA18E2-A6C5-4941-C5D0-DD2DB8930A27}"/>
               </a:ext>
             </a:extLst>
           </p:cNvPr>
@@ -15585,7 +14057,7 @@
     </p:spTree>
     <p:extLst>
       <p:ext uri="{BB962C8B-B14F-4D97-AF65-F5344CB8AC3E}">
-        <p14:creationId xmlns:p14="http://schemas.microsoft.com/office/powerpoint/2010/main" val="321117473"/>
+        <p14:creationId xmlns:p14="http://schemas.microsoft.com/office/powerpoint/2010/main" val="1972820827"/>
       </p:ext>
     </p:extLst>
   </p:cSld>
@@ -15812,10 +14284,10 @@
       </p:pic>
       <p:sp>
         <p:nvSpPr>
-          <p:cNvPr id="7" name="Slide Number">
+          <p:cNvPr id="2" name="Slide Number">
             <a:extLst>
               <a:ext uri="{FF2B5EF4-FFF2-40B4-BE49-F238E27FC236}">
-                <a16:creationId xmlns:a16="http://schemas.microsoft.com/office/drawing/2014/main" id="{0BB79AB8-E40D-4F40-A2F1-F02C02E9E747}"/>
+                <a16:creationId xmlns:a16="http://schemas.microsoft.com/office/drawing/2014/main" id="{06E47CCD-7385-CB9F-1F94-0B6737F68E76}"/>
               </a:ext>
             </a:extLst>
           </p:cNvPr>
@@ -15855,7 +14327,7 @@
     </p:spTree>
     <p:extLst>
       <p:ext uri="{BB962C8B-B14F-4D97-AF65-F5344CB8AC3E}">
-        <p14:creationId xmlns:p14="http://schemas.microsoft.com/office/powerpoint/2010/main" val="2778502607"/>
+        <p14:creationId xmlns:p14="http://schemas.microsoft.com/office/powerpoint/2010/main" val="1163837138"/>
       </p:ext>
     </p:extLst>
   </p:cSld>
@@ -16124,10 +14596,10 @@
       </p:pic>
       <p:sp>
         <p:nvSpPr>
-          <p:cNvPr id="7" name="Slide Number">
+          <p:cNvPr id="2" name="Slide Number">
             <a:extLst>
               <a:ext uri="{FF2B5EF4-FFF2-40B4-BE49-F238E27FC236}">
-                <a16:creationId xmlns:a16="http://schemas.microsoft.com/office/drawing/2014/main" id="{A1F3B5DB-F57E-444C-8608-6DF822CF0D5F}"/>
+                <a16:creationId xmlns:a16="http://schemas.microsoft.com/office/drawing/2014/main" id="{D7AE9EAE-279E-B7EB-331D-AF7AC63727CE}"/>
               </a:ext>
             </a:extLst>
           </p:cNvPr>
@@ -16167,7 +14639,7 @@
     </p:spTree>
     <p:extLst>
       <p:ext uri="{BB962C8B-B14F-4D97-AF65-F5344CB8AC3E}">
-        <p14:creationId xmlns:p14="http://schemas.microsoft.com/office/powerpoint/2010/main" val="1478223419"/>
+        <p14:creationId xmlns:p14="http://schemas.microsoft.com/office/powerpoint/2010/main" val="2087185095"/>
       </p:ext>
     </p:extLst>
   </p:cSld>
@@ -16628,10 +15100,10 @@
       </p:pic>
       <p:sp>
         <p:nvSpPr>
-          <p:cNvPr id="7" name="Slide Number">
+          <p:cNvPr id="2" name="Slide Number">
             <a:extLst>
               <a:ext uri="{FF2B5EF4-FFF2-40B4-BE49-F238E27FC236}">
-                <a16:creationId xmlns:a16="http://schemas.microsoft.com/office/drawing/2014/main" id="{A6C71823-5DF8-4B82-A385-F05DF7C5229C}"/>
+                <a16:creationId xmlns:a16="http://schemas.microsoft.com/office/drawing/2014/main" id="{B78C0B3D-7C34-8B65-3C32-2CB61DA120F0}"/>
               </a:ext>
             </a:extLst>
           </p:cNvPr>
@@ -16671,7 +15143,7 @@
     </p:spTree>
     <p:extLst>
       <p:ext uri="{BB962C8B-B14F-4D97-AF65-F5344CB8AC3E}">
-        <p14:creationId xmlns:p14="http://schemas.microsoft.com/office/powerpoint/2010/main" val="1768563831"/>
+        <p14:creationId xmlns:p14="http://schemas.microsoft.com/office/powerpoint/2010/main" val="405429501"/>
       </p:ext>
     </p:extLst>
   </p:cSld>
@@ -17663,10 +16135,10 @@
       </p:pic>
       <p:sp>
         <p:nvSpPr>
-          <p:cNvPr id="13" name="Slide Number">
+          <p:cNvPr id="2" name="Slide Number">
             <a:extLst>
               <a:ext uri="{FF2B5EF4-FFF2-40B4-BE49-F238E27FC236}">
-                <a16:creationId xmlns:a16="http://schemas.microsoft.com/office/drawing/2014/main" id="{A7E56393-BF82-4611-85EA-680B625B17DC}"/>
+                <a16:creationId xmlns:a16="http://schemas.microsoft.com/office/drawing/2014/main" id="{7B22744B-4C8F-3CD5-88A6-EAA9EA5C2C1D}"/>
               </a:ext>
             </a:extLst>
           </p:cNvPr>
@@ -17706,7 +16178,7 @@
     </p:spTree>
     <p:extLst>
       <p:ext uri="{BB962C8B-B14F-4D97-AF65-F5344CB8AC3E}">
-        <p14:creationId xmlns:p14="http://schemas.microsoft.com/office/powerpoint/2010/main" val="2437525731"/>
+        <p14:creationId xmlns:p14="http://schemas.microsoft.com/office/powerpoint/2010/main" val="3931573871"/>
       </p:ext>
     </p:extLst>
   </p:cSld>
@@ -19104,10 +17576,10 @@
       </p:sp>
       <p:sp>
         <p:nvSpPr>
-          <p:cNvPr id="10" name="Slide Number">
+          <p:cNvPr id="2" name="Slide Number">
             <a:extLst>
               <a:ext uri="{FF2B5EF4-FFF2-40B4-BE49-F238E27FC236}">
-                <a16:creationId xmlns:a16="http://schemas.microsoft.com/office/drawing/2014/main" id="{E2870312-5DB3-45EA-829A-71891D6C4DD7}"/>
+                <a16:creationId xmlns:a16="http://schemas.microsoft.com/office/drawing/2014/main" id="{CDA3B620-2C3F-A536-0F53-40EF256838D2}"/>
               </a:ext>
             </a:extLst>
           </p:cNvPr>
@@ -19147,7 +17619,7 @@
     </p:spTree>
     <p:extLst>
       <p:ext uri="{BB962C8B-B14F-4D97-AF65-F5344CB8AC3E}">
-        <p14:creationId xmlns:p14="http://schemas.microsoft.com/office/powerpoint/2010/main" val="4163444600"/>
+        <p14:creationId xmlns:p14="http://schemas.microsoft.com/office/powerpoint/2010/main" val="3858128659"/>
       </p:ext>
     </p:extLst>
   </p:cSld>
@@ -19654,34 +18126,6 @@
       </p:grpSpPr>
       <p:sp>
         <p:nvSpPr>
-          <p:cNvPr id="5" name="Title 4">
-            <a:extLst>
-              <a:ext uri="{FF2B5EF4-FFF2-40B4-BE49-F238E27FC236}">
-                <a16:creationId xmlns:a16="http://schemas.microsoft.com/office/drawing/2014/main" id="{B9F7F13A-6D50-4605-AB7B-E1D7510C7478}"/>
-              </a:ext>
-            </a:extLst>
-          </p:cNvPr>
-          <p:cNvSpPr>
-            <a:spLocks noGrp="1"/>
-          </p:cNvSpPr>
-          <p:nvPr>
-            <p:ph type="title" sz="quarter" idx="10"/>
-          </p:nvPr>
-        </p:nvSpPr>
-        <p:spPr/>
-        <p:txBody>
-          <a:bodyPr/>
-          <a:lstStyle/>
-          <a:p>
-            <a:r>
-              <a:rPr lang="en-US" dirty="0"/>
-              <a:t>Arrange, Act, Assert</a:t>
-            </a:r>
-          </a:p>
-        </p:txBody>
-      </p:sp>
-      <p:sp>
-        <p:nvSpPr>
           <p:cNvPr id="7" name="TextBox 6">
             <a:extLst>
               <a:ext uri="{FF2B5EF4-FFF2-40B4-BE49-F238E27FC236}">
@@ -19723,10 +18167,39 @@
           </a:p>
         </p:txBody>
       </p:sp>
+      <p:sp>
+        <p:nvSpPr>
+          <p:cNvPr id="3" name="Заглавие 2">
+            <a:extLst>
+              <a:ext uri="{FF2B5EF4-FFF2-40B4-BE49-F238E27FC236}">
+                <a16:creationId xmlns:a16="http://schemas.microsoft.com/office/drawing/2014/main" id="{F2D22E76-0877-4AC4-8862-6AE850FEB6B6}"/>
+              </a:ext>
+            </a:extLst>
+          </p:cNvPr>
+          <p:cNvSpPr>
+            <a:spLocks noGrp="1"/>
+          </p:cNvSpPr>
+          <p:nvPr>
+            <p:ph type="title" sz="quarter" idx="10"/>
+          </p:nvPr>
+        </p:nvSpPr>
+        <p:spPr/>
+        <p:txBody>
+          <a:bodyPr/>
+          <a:lstStyle/>
+          <a:p>
+            <a:r>
+              <a:rPr lang="en-US"/>
+              <a:t>Arrange, Act, Assert</a:t>
+            </a:r>
+            <a:endParaRPr lang="bg-BG"/>
+          </a:p>
+        </p:txBody>
+      </p:sp>
     </p:spTree>
     <p:extLst>
       <p:ext uri="{BB962C8B-B14F-4D97-AF65-F5344CB8AC3E}">
-        <p14:creationId xmlns:p14="http://schemas.microsoft.com/office/powerpoint/2010/main" val="1904482400"/>
+        <p14:creationId xmlns:p14="http://schemas.microsoft.com/office/powerpoint/2010/main" val="1924815130"/>
       </p:ext>
     </p:extLst>
   </p:cSld>
@@ -20386,10 +18859,10 @@
       </p:sp>
       <p:sp>
         <p:nvSpPr>
-          <p:cNvPr id="7" name="Slide Number">
+          <p:cNvPr id="3" name="Slide Number">
             <a:extLst>
               <a:ext uri="{FF2B5EF4-FFF2-40B4-BE49-F238E27FC236}">
-                <a16:creationId xmlns:a16="http://schemas.microsoft.com/office/drawing/2014/main" id="{FD0762C6-CF60-4C34-82D0-36EC8AAE768A}"/>
+                <a16:creationId xmlns:a16="http://schemas.microsoft.com/office/drawing/2014/main" id="{38CB0774-0F12-CF17-A9B7-1DEB2D366660}"/>
               </a:ext>
             </a:extLst>
           </p:cNvPr>
@@ -20429,7 +18902,7 @@
     </p:spTree>
     <p:extLst>
       <p:ext uri="{BB962C8B-B14F-4D97-AF65-F5344CB8AC3E}">
-        <p14:creationId xmlns:p14="http://schemas.microsoft.com/office/powerpoint/2010/main" val="3532701918"/>
+        <p14:creationId xmlns:p14="http://schemas.microsoft.com/office/powerpoint/2010/main" val="3353665070"/>
       </p:ext>
     </p:extLst>
   </p:cSld>
@@ -20874,47 +19347,6 @@
           <a:chExt cx="0" cy="0"/>
         </a:xfrm>
       </p:grpSpPr>
-      <p:sp>
-        <p:nvSpPr>
-          <p:cNvPr id="2" name="Title 1">
-            <a:extLst>
-              <a:ext uri="{FF2B5EF4-FFF2-40B4-BE49-F238E27FC236}">
-                <a16:creationId xmlns:a16="http://schemas.microsoft.com/office/drawing/2014/main" id="{E8F90A76-8479-4155-8044-508DEF77D0E0}"/>
-              </a:ext>
-            </a:extLst>
-          </p:cNvPr>
-          <p:cNvSpPr>
-            <a:spLocks noGrp="1"/>
-          </p:cNvSpPr>
-          <p:nvPr>
-            <p:ph type="title" sz="quarter" idx="10"/>
-          </p:nvPr>
-        </p:nvSpPr>
-        <p:spPr>
-          <a:xfrm>
-            <a:off x="615108" y="4914000"/>
-            <a:ext cx="10961783" cy="768084"/>
-          </a:xfrm>
-        </p:spPr>
-        <p:txBody>
-          <a:bodyPr/>
-          <a:lstStyle/>
-          <a:p>
-            <a:r>
-              <a:rPr lang="bg-BG" dirty="0"/>
-              <a:t>Проверка на резултатите и </a:t>
-            </a:r>
-            <a:br>
-              <a:rPr lang="bg-BG" dirty="0"/>
-            </a:br>
-            <a:r>
-              <a:rPr lang="bg-BG" dirty="0"/>
-              <a:t>изходните изисквания</a:t>
-            </a:r>
-            <a:endParaRPr lang="en-US" dirty="0"/>
-          </a:p>
-        </p:txBody>
-      </p:sp>
       <p:pic>
         <p:nvPicPr>
           <p:cNvPr id="7" name="Picture 6">
@@ -20951,10 +19383,50 @@
           </a:prstGeom>
         </p:spPr>
       </p:pic>
+      <p:sp>
+        <p:nvSpPr>
+          <p:cNvPr id="4" name="Заглавие 3">
+            <a:extLst>
+              <a:ext uri="{FF2B5EF4-FFF2-40B4-BE49-F238E27FC236}">
+                <a16:creationId xmlns:a16="http://schemas.microsoft.com/office/drawing/2014/main" id="{37A3D02B-ED89-EB02-59A9-C8AD4EC979F1}"/>
+              </a:ext>
+            </a:extLst>
+          </p:cNvPr>
+          <p:cNvSpPr>
+            <a:spLocks noGrp="1"/>
+          </p:cNvSpPr>
+          <p:nvPr>
+            <p:ph type="title" sz="quarter" idx="10"/>
+          </p:nvPr>
+        </p:nvSpPr>
+        <p:spPr>
+          <a:xfrm>
+            <a:off x="615109" y="4704824"/>
+            <a:ext cx="10961783" cy="1604175"/>
+          </a:xfrm>
+        </p:spPr>
+        <p:txBody>
+          <a:bodyPr/>
+          <a:lstStyle/>
+          <a:p>
+            <a:r>
+              <a:rPr lang="bg-BG" dirty="0"/>
+              <a:t>Проверка на резултатите и </a:t>
+            </a:r>
+            <a:br>
+              <a:rPr lang="bg-BG" dirty="0"/>
+            </a:br>
+            <a:r>
+              <a:rPr lang="bg-BG" dirty="0"/>
+              <a:t>изходните изисквания</a:t>
+            </a:r>
+          </a:p>
+        </p:txBody>
+      </p:sp>
     </p:spTree>
     <p:extLst>
       <p:ext uri="{BB962C8B-B14F-4D97-AF65-F5344CB8AC3E}">
-        <p14:creationId xmlns:p14="http://schemas.microsoft.com/office/powerpoint/2010/main" val="1665456101"/>
+        <p14:creationId xmlns:p14="http://schemas.microsoft.com/office/powerpoint/2010/main" val="2888540458"/>
       </p:ext>
     </p:extLst>
   </p:cSld>
@@ -21479,10 +19951,10 @@
       </p:sp>
       <p:sp>
         <p:nvSpPr>
-          <p:cNvPr id="10" name="Slide Number">
+          <p:cNvPr id="2" name="Slide Number">
             <a:extLst>
               <a:ext uri="{FF2B5EF4-FFF2-40B4-BE49-F238E27FC236}">
-                <a16:creationId xmlns:a16="http://schemas.microsoft.com/office/drawing/2014/main" id="{61EB2D09-9700-4D46-9DED-38DE5B7E26D2}"/>
+                <a16:creationId xmlns:a16="http://schemas.microsoft.com/office/drawing/2014/main" id="{AB445B8F-D60F-9086-D0EE-85C580A56C8E}"/>
               </a:ext>
             </a:extLst>
           </p:cNvPr>
@@ -21522,7 +19994,7 @@
     </p:spTree>
     <p:extLst>
       <p:ext uri="{BB962C8B-B14F-4D97-AF65-F5344CB8AC3E}">
-        <p14:creationId xmlns:p14="http://schemas.microsoft.com/office/powerpoint/2010/main" val="3892091952"/>
+        <p14:creationId xmlns:p14="http://schemas.microsoft.com/office/powerpoint/2010/main" val="2141811299"/>
       </p:ext>
     </p:extLst>
   </p:cSld>
@@ -21771,83 +20243,6 @@
           <a:chExt cx="0" cy="0"/>
         </a:xfrm>
       </p:grpSpPr>
-      <p:sp>
-        <p:nvSpPr>
-          <p:cNvPr id="4" name="Subtitle 3">
-            <a:extLst>
-              <a:ext uri="{FF2B5EF4-FFF2-40B4-BE49-F238E27FC236}">
-                <a16:creationId xmlns:a16="http://schemas.microsoft.com/office/drawing/2014/main" id="{39BAD322-FD8A-3051-B710-013DEC64564B}"/>
-              </a:ext>
-            </a:extLst>
-          </p:cNvPr>
-          <p:cNvSpPr>
-            <a:spLocks noGrp="1"/>
-          </p:cNvSpPr>
-          <p:nvPr>
-            <p:ph type="subTitle" sz="quarter" idx="11"/>
-          </p:nvPr>
-        </p:nvSpPr>
-        <p:spPr>
-          <a:xfrm>
-            <a:off x="613906" y="5931428"/>
-            <a:ext cx="10961783" cy="768084"/>
-          </a:xfrm>
-        </p:spPr>
-        <p:txBody>
-          <a:bodyPr/>
-          <a:lstStyle/>
-          <a:p>
-            <a:r>
-              <a:rPr lang="bg-BG" sz="3600" dirty="0"/>
-              <a:t>Проверка на работата на кода</a:t>
-            </a:r>
-          </a:p>
-        </p:txBody>
-      </p:sp>
-      <p:sp>
-        <p:nvSpPr>
-          <p:cNvPr id="2" name="Title 1">
-            <a:extLst>
-              <a:ext uri="{FF2B5EF4-FFF2-40B4-BE49-F238E27FC236}">
-                <a16:creationId xmlns:a16="http://schemas.microsoft.com/office/drawing/2014/main" id="{E8F90A76-8479-4155-8044-508DEF77D0E0}"/>
-              </a:ext>
-            </a:extLst>
-          </p:cNvPr>
-          <p:cNvSpPr>
-            <a:spLocks noGrp="1"/>
-          </p:cNvSpPr>
-          <p:nvPr>
-            <p:ph type="title" sz="quarter" idx="10"/>
-          </p:nvPr>
-        </p:nvSpPr>
-        <p:spPr>
-          <a:xfrm>
-            <a:off x="613907" y="4509000"/>
-            <a:ext cx="10963732" cy="1378650"/>
-          </a:xfrm>
-        </p:spPr>
-        <p:txBody>
-          <a:bodyPr/>
-          <a:lstStyle/>
-          <a:p>
-            <a:r>
-              <a:rPr lang="bg-BG" sz="5000" dirty="0"/>
-              <a:t>Компонентно тестване</a:t>
-            </a:r>
-            <a:br>
-              <a:rPr lang="bg-BG" sz="5000" dirty="0"/>
-            </a:br>
-            <a:r>
-              <a:rPr lang="bg-BG" sz="5000" dirty="0"/>
-              <a:t>(</a:t>
-            </a:r>
-            <a:r>
-              <a:rPr lang="en-US" sz="5000" dirty="0"/>
-              <a:t>Unit Testing)</a:t>
-            </a:r>
-          </a:p>
-        </p:txBody>
-      </p:sp>
       <p:pic>
         <p:nvPicPr>
           <p:cNvPr id="7" name="Picture 6">
@@ -21884,10 +20279,72 @@
           </a:prstGeom>
         </p:spPr>
       </p:pic>
+      <p:sp>
+        <p:nvSpPr>
+          <p:cNvPr id="5" name="Подзаглавие 4">
+            <a:extLst>
+              <a:ext uri="{FF2B5EF4-FFF2-40B4-BE49-F238E27FC236}">
+                <a16:creationId xmlns:a16="http://schemas.microsoft.com/office/drawing/2014/main" id="{F82BC4F0-DC9E-3C7C-C80B-DC33EE713F5C}"/>
+              </a:ext>
+            </a:extLst>
+          </p:cNvPr>
+          <p:cNvSpPr>
+            <a:spLocks noGrp="1"/>
+          </p:cNvSpPr>
+          <p:nvPr>
+            <p:ph type="subTitle" sz="quarter" idx="11"/>
+          </p:nvPr>
+        </p:nvSpPr>
+        <p:spPr/>
+        <p:txBody>
+          <a:bodyPr/>
+          <a:lstStyle/>
+          <a:p>
+            <a:r>
+              <a:rPr lang="ru-RU" dirty="0"/>
+              <a:t>Проверка на работата на кода</a:t>
+            </a:r>
+            <a:endParaRPr lang="bg-BG" dirty="0"/>
+          </a:p>
+        </p:txBody>
+      </p:sp>
+      <p:sp>
+        <p:nvSpPr>
+          <p:cNvPr id="8" name="Заглавие 7">
+            <a:extLst>
+              <a:ext uri="{FF2B5EF4-FFF2-40B4-BE49-F238E27FC236}">
+                <a16:creationId xmlns:a16="http://schemas.microsoft.com/office/drawing/2014/main" id="{4C5D0C96-0C17-3AE0-BA15-70EADC2656BB}"/>
+              </a:ext>
+            </a:extLst>
+          </p:cNvPr>
+          <p:cNvSpPr>
+            <a:spLocks noGrp="1"/>
+          </p:cNvSpPr>
+          <p:nvPr>
+            <p:ph type="title" sz="quarter" idx="10"/>
+          </p:nvPr>
+        </p:nvSpPr>
+        <p:spPr/>
+        <p:txBody>
+          <a:bodyPr/>
+          <a:lstStyle/>
+          <a:p>
+            <a:r>
+              <a:rPr lang="bg-BG" dirty="0"/>
+              <a:t>Компонентно тестване (</a:t>
+            </a:r>
+            <a:r>
+              <a:rPr lang="en-US" dirty="0"/>
+              <a:t>Unit Testing)</a:t>
+            </a:r>
+            <a:endParaRPr lang="bg-BG" dirty="0"/>
+          </a:p>
+        </p:txBody>
+      </p:sp>
     </p:spTree>
     <p:extLst>
       <p:ext uri="{BB962C8B-B14F-4D97-AF65-F5344CB8AC3E}">
-        <p14:creationId xmlns:p14="http://schemas.microsoft.com/office/powerpoint/2010/main" val="3614569254"/>
+        <p14:creationId xmlns:p14="http://schemas.microsoft.com/office/powerpoint/2010/main" val="2995695129"/>
       </p:ext>
     </p:extLst>
   </p:cSld>
@@ -22394,10 +20851,10 @@
       </p:sp>
       <p:sp>
         <p:nvSpPr>
-          <p:cNvPr id="11" name="Slide Number">
+          <p:cNvPr id="2" name="Slide Number">
             <a:extLst>
               <a:ext uri="{FF2B5EF4-FFF2-40B4-BE49-F238E27FC236}">
-                <a16:creationId xmlns:a16="http://schemas.microsoft.com/office/drawing/2014/main" id="{41085559-FF08-46FB-B10E-DB64CD87926C}"/>
+                <a16:creationId xmlns:a16="http://schemas.microsoft.com/office/drawing/2014/main" id="{02C6F33C-52F2-9019-6EFF-7E1E61A6E008}"/>
               </a:ext>
             </a:extLst>
           </p:cNvPr>
@@ -22437,7 +20894,7 @@
     </p:spTree>
     <p:extLst>
       <p:ext uri="{BB962C8B-B14F-4D97-AF65-F5344CB8AC3E}">
-        <p14:creationId xmlns:p14="http://schemas.microsoft.com/office/powerpoint/2010/main" val="416767085"/>
+        <p14:creationId xmlns:p14="http://schemas.microsoft.com/office/powerpoint/2010/main" val="3021498559"/>
       </p:ext>
     </p:extLst>
   </p:cSld>
@@ -23135,10 +21592,10 @@
       </p:sp>
       <p:sp>
         <p:nvSpPr>
-          <p:cNvPr id="8" name="Slide Number">
+          <p:cNvPr id="2" name="Slide Number">
             <a:extLst>
               <a:ext uri="{FF2B5EF4-FFF2-40B4-BE49-F238E27FC236}">
-                <a16:creationId xmlns:a16="http://schemas.microsoft.com/office/drawing/2014/main" id="{9DC8452E-CBB7-4B09-A7F1-D518A1E92F35}"/>
+                <a16:creationId xmlns:a16="http://schemas.microsoft.com/office/drawing/2014/main" id="{4ACEB039-3A95-AC9F-0B53-C972600D24D1}"/>
               </a:ext>
             </a:extLst>
           </p:cNvPr>
@@ -23178,7 +21635,7 @@
     </p:spTree>
     <p:extLst>
       <p:ext uri="{BB962C8B-B14F-4D97-AF65-F5344CB8AC3E}">
-        <p14:creationId xmlns:p14="http://schemas.microsoft.com/office/powerpoint/2010/main" val="3936446913"/>
+        <p14:creationId xmlns:p14="http://schemas.microsoft.com/office/powerpoint/2010/main" val="301534296"/>
       </p:ext>
     </p:extLst>
   </p:cSld>
@@ -23722,10 +22179,10 @@
       </p:sp>
       <p:sp>
         <p:nvSpPr>
-          <p:cNvPr id="11" name="Slide Number">
+          <p:cNvPr id="2" name="Slide Number">
             <a:extLst>
               <a:ext uri="{FF2B5EF4-FFF2-40B4-BE49-F238E27FC236}">
-                <a16:creationId xmlns:a16="http://schemas.microsoft.com/office/drawing/2014/main" id="{42B5ED34-0DBD-4A80-96BA-BA1739923B3F}"/>
+                <a16:creationId xmlns:a16="http://schemas.microsoft.com/office/drawing/2014/main" id="{9A3CEDDC-E721-DDDC-5686-2EBA45315D78}"/>
               </a:ext>
             </a:extLst>
           </p:cNvPr>
@@ -23765,7 +22222,7 @@
     </p:spTree>
     <p:extLst>
       <p:ext uri="{BB962C8B-B14F-4D97-AF65-F5344CB8AC3E}">
-        <p14:creationId xmlns:p14="http://schemas.microsoft.com/office/powerpoint/2010/main" val="2349297558"/>
+        <p14:creationId xmlns:p14="http://schemas.microsoft.com/office/powerpoint/2010/main" val="1907940899"/>
       </p:ext>
     </p:extLst>
   </p:cSld>
@@ -23951,51 +22408,6 @@
           <a:chExt cx="0" cy="0"/>
         </a:xfrm>
       </p:grpSpPr>
-      <p:sp>
-        <p:nvSpPr>
-          <p:cNvPr id="5" name="Title 4">
-            <a:extLst>
-              <a:ext uri="{FF2B5EF4-FFF2-40B4-BE49-F238E27FC236}">
-                <a16:creationId xmlns:a16="http://schemas.microsoft.com/office/drawing/2014/main" id="{B9F7F13A-6D50-4605-AB7B-E1D7510C7478}"/>
-              </a:ext>
-            </a:extLst>
-          </p:cNvPr>
-          <p:cNvSpPr>
-            <a:spLocks noGrp="1"/>
-          </p:cNvSpPr>
-          <p:nvPr>
-            <p:ph type="title" sz="quarter" idx="10"/>
-          </p:nvPr>
-        </p:nvSpPr>
-        <p:spPr>
-          <a:xfrm>
-            <a:off x="615108" y="4734000"/>
-            <a:ext cx="10961783" cy="1620000"/>
-          </a:xfrm>
-        </p:spPr>
-        <p:txBody>
-          <a:bodyPr/>
-          <a:lstStyle/>
-          <a:p>
-            <a:r>
-              <a:rPr lang="bg-BG" dirty="0"/>
-              <a:t>Имплементиране на</a:t>
-            </a:r>
-            <a:r>
-              <a:rPr lang="en-US" dirty="0"/>
-              <a:t> NUnit </a:t>
-            </a:r>
-            <a:br>
-              <a:rPr lang="bg-BG" dirty="0"/>
-            </a:br>
-            <a:r>
-              <a:rPr lang="bg-BG" dirty="0"/>
-              <a:t>тестове</a:t>
-            </a:r>
-            <a:endParaRPr lang="en-US" dirty="0"/>
-          </a:p>
-        </p:txBody>
-      </p:sp>
       <p:pic>
         <p:nvPicPr>
           <p:cNvPr id="8" name="Picture 7">
@@ -24032,10 +22444,54 @@
           </a:prstGeom>
         </p:spPr>
       </p:pic>
+      <p:sp>
+        <p:nvSpPr>
+          <p:cNvPr id="3" name="Заглавие 2">
+            <a:extLst>
+              <a:ext uri="{FF2B5EF4-FFF2-40B4-BE49-F238E27FC236}">
+                <a16:creationId xmlns:a16="http://schemas.microsoft.com/office/drawing/2014/main" id="{9E81D120-F5A7-A044-7A19-864873924088}"/>
+              </a:ext>
+            </a:extLst>
+          </p:cNvPr>
+          <p:cNvSpPr>
+            <a:spLocks noGrp="1"/>
+          </p:cNvSpPr>
+          <p:nvPr>
+            <p:ph type="title" sz="quarter" idx="10"/>
+          </p:nvPr>
+        </p:nvSpPr>
+        <p:spPr>
+          <a:xfrm>
+            <a:off x="615109" y="4704824"/>
+            <a:ext cx="10961783" cy="1514175"/>
+          </a:xfrm>
+        </p:spPr>
+        <p:txBody>
+          <a:bodyPr/>
+          <a:lstStyle/>
+          <a:p>
+            <a:r>
+              <a:rPr lang="bg-BG" dirty="0"/>
+              <a:t>Имплементиране на </a:t>
+            </a:r>
+            <a:r>
+              <a:rPr lang="en-US" dirty="0"/>
+              <a:t>NUnit </a:t>
+            </a:r>
+            <a:br>
+              <a:rPr lang="en-US" dirty="0"/>
+            </a:br>
+            <a:r>
+              <a:rPr lang="bg-BG" dirty="0"/>
+              <a:t>тестове</a:t>
+            </a:r>
+          </a:p>
+        </p:txBody>
+      </p:sp>
     </p:spTree>
     <p:extLst>
       <p:ext uri="{BB962C8B-B14F-4D97-AF65-F5344CB8AC3E}">
-        <p14:creationId xmlns:p14="http://schemas.microsoft.com/office/powerpoint/2010/main" val="2953443582"/>
+        <p14:creationId xmlns:p14="http://schemas.microsoft.com/office/powerpoint/2010/main" val="1921853414"/>
       </p:ext>
     </p:extLst>
   </p:cSld>
@@ -24705,10 +23161,10 @@
       </p:pic>
       <p:sp>
         <p:nvSpPr>
-          <p:cNvPr id="7" name="Slide Number">
+          <p:cNvPr id="2" name="Slide Number">
             <a:extLst>
               <a:ext uri="{FF2B5EF4-FFF2-40B4-BE49-F238E27FC236}">
-                <a16:creationId xmlns:a16="http://schemas.microsoft.com/office/drawing/2014/main" id="{15A4DE11-0A24-478F-9037-5D619BD93DB0}"/>
+                <a16:creationId xmlns:a16="http://schemas.microsoft.com/office/drawing/2014/main" id="{2F953B73-8511-BCA9-8516-D1469696DE7E}"/>
               </a:ext>
             </a:extLst>
           </p:cNvPr>
@@ -24748,7 +23204,7 @@
     </p:spTree>
     <p:extLst>
       <p:ext uri="{BB962C8B-B14F-4D97-AF65-F5344CB8AC3E}">
-        <p14:creationId xmlns:p14="http://schemas.microsoft.com/office/powerpoint/2010/main" val="3374182007"/>
+        <p14:creationId xmlns:p14="http://schemas.microsoft.com/office/powerpoint/2010/main" val="1865187612"/>
       </p:ext>
     </p:extLst>
   </p:cSld>
@@ -25928,10 +24384,10 @@
       </p:sp>
       <p:sp>
         <p:nvSpPr>
-          <p:cNvPr id="6" name="Slide Number">
+          <p:cNvPr id="2" name="Slide Number">
             <a:extLst>
               <a:ext uri="{FF2B5EF4-FFF2-40B4-BE49-F238E27FC236}">
-                <a16:creationId xmlns:a16="http://schemas.microsoft.com/office/drawing/2014/main" id="{F9391AC7-9E06-48F0-8369-16ECB5E1502D}"/>
+                <a16:creationId xmlns:a16="http://schemas.microsoft.com/office/drawing/2014/main" id="{68424FF9-2F2C-E466-01EA-B9BEE1BBB608}"/>
               </a:ext>
             </a:extLst>
           </p:cNvPr>
@@ -25971,7 +24427,7 @@
     </p:spTree>
     <p:extLst>
       <p:ext uri="{BB962C8B-B14F-4D97-AF65-F5344CB8AC3E}">
-        <p14:creationId xmlns:p14="http://schemas.microsoft.com/office/powerpoint/2010/main" val="140961691"/>
+        <p14:creationId xmlns:p14="http://schemas.microsoft.com/office/powerpoint/2010/main" val="621661393"/>
       </p:ext>
     </p:extLst>
   </p:cSld>
@@ -27057,10 +25513,10 @@
       </p:sp>
       <p:sp>
         <p:nvSpPr>
-          <p:cNvPr id="6" name="Slide Number">
+          <p:cNvPr id="2" name="Slide Number">
             <a:extLst>
               <a:ext uri="{FF2B5EF4-FFF2-40B4-BE49-F238E27FC236}">
-                <a16:creationId xmlns:a16="http://schemas.microsoft.com/office/drawing/2014/main" id="{F44BF66E-5BAE-4C75-809A-EEB55C132CB6}"/>
+                <a16:creationId xmlns:a16="http://schemas.microsoft.com/office/drawing/2014/main" id="{0893885A-0FCB-1262-88EA-2FD44D199F9F}"/>
               </a:ext>
             </a:extLst>
           </p:cNvPr>
@@ -27100,7 +25556,7 @@
     </p:spTree>
     <p:extLst>
       <p:ext uri="{BB962C8B-B14F-4D97-AF65-F5344CB8AC3E}">
-        <p14:creationId xmlns:p14="http://schemas.microsoft.com/office/powerpoint/2010/main" val="2107693428"/>
+        <p14:creationId xmlns:p14="http://schemas.microsoft.com/office/powerpoint/2010/main" val="257463254"/>
       </p:ext>
     </p:extLst>
   </p:cSld>
@@ -28151,10 +26607,10 @@
       </p:sp>
       <p:sp>
         <p:nvSpPr>
-          <p:cNvPr id="6" name="Slide Number">
+          <p:cNvPr id="2" name="Slide Number">
             <a:extLst>
               <a:ext uri="{FF2B5EF4-FFF2-40B4-BE49-F238E27FC236}">
-                <a16:creationId xmlns:a16="http://schemas.microsoft.com/office/drawing/2014/main" id="{93351016-EFDD-4AF9-9AB3-F9444972AB4B}"/>
+                <a16:creationId xmlns:a16="http://schemas.microsoft.com/office/drawing/2014/main" id="{575D8775-7C4E-1F59-8BD3-88199A978DE9}"/>
               </a:ext>
             </a:extLst>
           </p:cNvPr>
@@ -28194,7 +26650,7 @@
     </p:spTree>
     <p:extLst>
       <p:ext uri="{BB962C8B-B14F-4D97-AF65-F5344CB8AC3E}">
-        <p14:creationId xmlns:p14="http://schemas.microsoft.com/office/powerpoint/2010/main" val="529871302"/>
+        <p14:creationId xmlns:p14="http://schemas.microsoft.com/office/powerpoint/2010/main" val="3063584483"/>
       </p:ext>
     </p:extLst>
   </p:cSld>
@@ -29023,10 +27479,10 @@
       </p:sp>
       <p:sp>
         <p:nvSpPr>
-          <p:cNvPr id="7" name="Slide Number">
+          <p:cNvPr id="2" name="Slide Number">
             <a:extLst>
               <a:ext uri="{FF2B5EF4-FFF2-40B4-BE49-F238E27FC236}">
-                <a16:creationId xmlns:a16="http://schemas.microsoft.com/office/drawing/2014/main" id="{80FA71FF-0908-42B3-BB68-13F51D06AFD0}"/>
+                <a16:creationId xmlns:a16="http://schemas.microsoft.com/office/drawing/2014/main" id="{7AA4AF93-F2DF-ABAC-B35C-314F1EDDB436}"/>
               </a:ext>
             </a:extLst>
           </p:cNvPr>
@@ -29066,7 +27522,7 @@
     </p:spTree>
     <p:extLst>
       <p:ext uri="{BB962C8B-B14F-4D97-AF65-F5344CB8AC3E}">
-        <p14:creationId xmlns:p14="http://schemas.microsoft.com/office/powerpoint/2010/main" val="2154524980"/>
+        <p14:creationId xmlns:p14="http://schemas.microsoft.com/office/powerpoint/2010/main" val="1001995940"/>
       </p:ext>
     </p:extLst>
   </p:cSld>
@@ -29635,10 +28091,10 @@
       </p:sp>
       <p:sp>
         <p:nvSpPr>
-          <p:cNvPr id="7" name="Slide Number">
+          <p:cNvPr id="2" name="Slide Number">
             <a:extLst>
               <a:ext uri="{FF2B5EF4-FFF2-40B4-BE49-F238E27FC236}">
-                <a16:creationId xmlns:a16="http://schemas.microsoft.com/office/drawing/2014/main" id="{D2DC76E3-AF78-44B2-8BAE-D143225525BD}"/>
+                <a16:creationId xmlns:a16="http://schemas.microsoft.com/office/drawing/2014/main" id="{11B8D355-5253-64EF-3458-7A5A074041CD}"/>
               </a:ext>
             </a:extLst>
           </p:cNvPr>
@@ -29678,7 +28134,7 @@
     </p:spTree>
     <p:extLst>
       <p:ext uri="{BB962C8B-B14F-4D97-AF65-F5344CB8AC3E}">
-        <p14:creationId xmlns:p14="http://schemas.microsoft.com/office/powerpoint/2010/main" val="1344637924"/>
+        <p14:creationId xmlns:p14="http://schemas.microsoft.com/office/powerpoint/2010/main" val="1899989528"/>
       </p:ext>
     </p:extLst>
   </p:cSld>
@@ -30304,10 +28760,52 @@
           </a:prstGeom>
         </p:spPr>
       </p:pic>
+      <p:sp>
+        <p:nvSpPr>
+          <p:cNvPr id="2" name="Slide Number">
+            <a:extLst>
+              <a:ext uri="{FF2B5EF4-FFF2-40B4-BE49-F238E27FC236}">
+                <a16:creationId xmlns:a16="http://schemas.microsoft.com/office/drawing/2014/main" id="{5B92BA47-D183-64B3-1B0F-4E5B0E0200F9}"/>
+              </a:ext>
+            </a:extLst>
+          </p:cNvPr>
+          <p:cNvSpPr>
+            <a:spLocks noGrp="1"/>
+          </p:cNvSpPr>
+          <p:nvPr>
+            <p:ph type="sldNum" sz="quarter" idx="5"/>
+          </p:nvPr>
+        </p:nvSpPr>
+        <p:spPr>
+          <a:xfrm>
+            <a:off x="11753030" y="6507000"/>
+            <a:ext cx="367414" cy="297000"/>
+          </a:xfrm>
+          <a:prstGeom prst="rect">
+            <a:avLst/>
+          </a:prstGeom>
+        </p:spPr>
+        <p:txBody>
+          <a:bodyPr vert="horz" lIns="91440" tIns="45720" rIns="91440" bIns="45720" rtlCol="0" anchor="b"/>
+          <a:lstStyle>
+            <a:lvl1pPr algn="r">
+              <a:defRPr sz="1000"/>
+            </a:lvl1pPr>
+          </a:lstStyle>
+          <a:p>
+            <a:fld id="{2BF067CD-8E6B-4360-9AA8-C5DF2A48A6D1}" type="slidenum">
+              <a:rPr lang="en-US" noProof="0" smtClean="0"/>
+              <a:pPr/>
+              <a:t>4</a:t>
+            </a:fld>
+            <a:endParaRPr lang="en-US" noProof="0" dirty="0"/>
+          </a:p>
+        </p:txBody>
+      </p:sp>
     </p:spTree>
     <p:extLst>
       <p:ext uri="{BB962C8B-B14F-4D97-AF65-F5344CB8AC3E}">
-        <p14:creationId xmlns:p14="http://schemas.microsoft.com/office/powerpoint/2010/main" val="2379154993"/>
+        <p14:creationId xmlns:p14="http://schemas.microsoft.com/office/powerpoint/2010/main" val="2837118315"/>
       </p:ext>
     </p:extLst>
   </p:cSld>
@@ -30794,10 +29292,10 @@
       </p:sp>
       <p:sp>
         <p:nvSpPr>
-          <p:cNvPr id="6" name="Slide Number">
+          <p:cNvPr id="2" name="Slide Number">
             <a:extLst>
               <a:ext uri="{FF2B5EF4-FFF2-40B4-BE49-F238E27FC236}">
-                <a16:creationId xmlns:a16="http://schemas.microsoft.com/office/drawing/2014/main" id="{422D7FDC-EB09-4E9D-8806-E9B383DBFF56}"/>
+                <a16:creationId xmlns:a16="http://schemas.microsoft.com/office/drawing/2014/main" id="{F00633E3-2F31-2104-B94E-2C67EBE4EDC3}"/>
               </a:ext>
             </a:extLst>
           </p:cNvPr>
@@ -30837,7 +29335,7 @@
     </p:spTree>
     <p:extLst>
       <p:ext uri="{BB962C8B-B14F-4D97-AF65-F5344CB8AC3E}">
-        <p14:creationId xmlns:p14="http://schemas.microsoft.com/office/powerpoint/2010/main" val="372398110"/>
+        <p14:creationId xmlns:p14="http://schemas.microsoft.com/office/powerpoint/2010/main" val="20612830"/>
       </p:ext>
     </p:extLst>
   </p:cSld>
@@ -31478,10 +29976,10 @@
       </p:sp>
       <p:sp>
         <p:nvSpPr>
-          <p:cNvPr id="6" name="Slide Number">
+          <p:cNvPr id="2" name="Slide Number">
             <a:extLst>
               <a:ext uri="{FF2B5EF4-FFF2-40B4-BE49-F238E27FC236}">
-                <a16:creationId xmlns:a16="http://schemas.microsoft.com/office/drawing/2014/main" id="{3DA82819-CCE6-4C17-8F91-9EDC4963C524}"/>
+                <a16:creationId xmlns:a16="http://schemas.microsoft.com/office/drawing/2014/main" id="{3781A047-B5DB-091D-7C28-ABBDFFF5E07E}"/>
               </a:ext>
             </a:extLst>
           </p:cNvPr>
@@ -31521,7 +30019,7 @@
     </p:spTree>
     <p:extLst>
       <p:ext uri="{BB962C8B-B14F-4D97-AF65-F5344CB8AC3E}">
-        <p14:creationId xmlns:p14="http://schemas.microsoft.com/office/powerpoint/2010/main" val="1485867736"/>
+        <p14:creationId xmlns:p14="http://schemas.microsoft.com/office/powerpoint/2010/main" val="291075911"/>
       </p:ext>
     </p:extLst>
   </p:cSld>
@@ -32208,10 +30706,10 @@
       </p:sp>
       <p:sp>
         <p:nvSpPr>
-          <p:cNvPr id="6" name="Slide Number">
+          <p:cNvPr id="2" name="Slide Number">
             <a:extLst>
               <a:ext uri="{FF2B5EF4-FFF2-40B4-BE49-F238E27FC236}">
-                <a16:creationId xmlns:a16="http://schemas.microsoft.com/office/drawing/2014/main" id="{04136499-2F2D-4E4E-BDD7-B18BA031B58C}"/>
+                <a16:creationId xmlns:a16="http://schemas.microsoft.com/office/drawing/2014/main" id="{80A800AA-1A9E-29A6-9CCC-B548AD422DB2}"/>
               </a:ext>
             </a:extLst>
           </p:cNvPr>
@@ -32251,7 +30749,7 @@
     </p:spTree>
     <p:extLst>
       <p:ext uri="{BB962C8B-B14F-4D97-AF65-F5344CB8AC3E}">
-        <p14:creationId xmlns:p14="http://schemas.microsoft.com/office/powerpoint/2010/main" val="1901977520"/>
+        <p14:creationId xmlns:p14="http://schemas.microsoft.com/office/powerpoint/2010/main" val="4013340561"/>
       </p:ext>
     </p:extLst>
   </p:cSld>
@@ -33031,10 +31529,10 @@
       </p:sp>
       <p:sp>
         <p:nvSpPr>
-          <p:cNvPr id="6" name="Slide Number">
+          <p:cNvPr id="2" name="Slide Number">
             <a:extLst>
               <a:ext uri="{FF2B5EF4-FFF2-40B4-BE49-F238E27FC236}">
-                <a16:creationId xmlns:a16="http://schemas.microsoft.com/office/drawing/2014/main" id="{7C7FEC4E-80B2-4328-AB5F-4E5EA4D70AFA}"/>
+                <a16:creationId xmlns:a16="http://schemas.microsoft.com/office/drawing/2014/main" id="{EB8C9C1F-F8F4-5496-AB3D-EB11AC925F3A}"/>
               </a:ext>
             </a:extLst>
           </p:cNvPr>
@@ -33074,7 +31572,7 @@
     </p:spTree>
     <p:extLst>
       <p:ext uri="{BB962C8B-B14F-4D97-AF65-F5344CB8AC3E}">
-        <p14:creationId xmlns:p14="http://schemas.microsoft.com/office/powerpoint/2010/main" val="3642036198"/>
+        <p14:creationId xmlns:p14="http://schemas.microsoft.com/office/powerpoint/2010/main" val="479149401"/>
       </p:ext>
     </p:extLst>
   </p:cSld>
@@ -33796,10 +32294,10 @@
       </p:sp>
       <p:sp>
         <p:nvSpPr>
-          <p:cNvPr id="6" name="Slide Number">
+          <p:cNvPr id="2" name="Slide Number">
             <a:extLst>
               <a:ext uri="{FF2B5EF4-FFF2-40B4-BE49-F238E27FC236}">
-                <a16:creationId xmlns:a16="http://schemas.microsoft.com/office/drawing/2014/main" id="{6E446A82-5FF4-4FC5-B60A-733AE26BCAD7}"/>
+                <a16:creationId xmlns:a16="http://schemas.microsoft.com/office/drawing/2014/main" id="{53067856-935A-6E0C-4902-DADF36E7052B}"/>
               </a:ext>
             </a:extLst>
           </p:cNvPr>
@@ -33839,7 +32337,7 @@
     </p:spTree>
     <p:extLst>
       <p:ext uri="{BB962C8B-B14F-4D97-AF65-F5344CB8AC3E}">
-        <p14:creationId xmlns:p14="http://schemas.microsoft.com/office/powerpoint/2010/main" val="324887557"/>
+        <p14:creationId xmlns:p14="http://schemas.microsoft.com/office/powerpoint/2010/main" val="714719266"/>
       </p:ext>
     </p:extLst>
   </p:cSld>
@@ -34577,10 +33075,10 @@
       </p:sp>
       <p:sp>
         <p:nvSpPr>
-          <p:cNvPr id="6" name="Slide Number">
+          <p:cNvPr id="2" name="Slide Number">
             <a:extLst>
               <a:ext uri="{FF2B5EF4-FFF2-40B4-BE49-F238E27FC236}">
-                <a16:creationId xmlns:a16="http://schemas.microsoft.com/office/drawing/2014/main" id="{1C764CB9-AE09-4332-97D6-C284BA4D95A5}"/>
+                <a16:creationId xmlns:a16="http://schemas.microsoft.com/office/drawing/2014/main" id="{93CE8936-46B7-CEC0-0A84-631E14209D85}"/>
               </a:ext>
             </a:extLst>
           </p:cNvPr>
@@ -34620,7 +33118,7 @@
     </p:spTree>
     <p:extLst>
       <p:ext uri="{BB962C8B-B14F-4D97-AF65-F5344CB8AC3E}">
-        <p14:creationId xmlns:p14="http://schemas.microsoft.com/office/powerpoint/2010/main" val="1426101880"/>
+        <p14:creationId xmlns:p14="http://schemas.microsoft.com/office/powerpoint/2010/main" val="3293473222"/>
       </p:ext>
     </p:extLst>
   </p:cSld>
@@ -35084,10 +33582,10 @@
       </p:pic>
       <p:sp>
         <p:nvSpPr>
-          <p:cNvPr id="4" name="Subtitle 3">
+          <p:cNvPr id="6" name="Подзаглавие 5">
             <a:extLst>
               <a:ext uri="{FF2B5EF4-FFF2-40B4-BE49-F238E27FC236}">
-                <a16:creationId xmlns:a16="http://schemas.microsoft.com/office/drawing/2014/main" id="{9AFDF725-09B3-8CDA-823A-1217FE2ED0C8}"/>
+                <a16:creationId xmlns:a16="http://schemas.microsoft.com/office/drawing/2014/main" id="{D03DE107-6461-1E6E-2904-CEE18BD0A8F4}"/>
               </a:ext>
             </a:extLst>
           </p:cNvPr>
@@ -35112,10 +33610,10 @@
       </p:sp>
       <p:sp>
         <p:nvSpPr>
-          <p:cNvPr id="3" name="Title 2">
+          <p:cNvPr id="8" name="Заглавие 7">
             <a:extLst>
               <a:ext uri="{FF2B5EF4-FFF2-40B4-BE49-F238E27FC236}">
-                <a16:creationId xmlns:a16="http://schemas.microsoft.com/office/drawing/2014/main" id="{FB362970-88CF-4FCD-B536-50DE82292BE6}"/>
+                <a16:creationId xmlns:a16="http://schemas.microsoft.com/office/drawing/2014/main" id="{C791F5DE-D737-1720-273C-9FDB06672DCA}"/>
               </a:ext>
             </a:extLst>
           </p:cNvPr>
@@ -35126,32 +33624,26 @@
             <p:ph type="title" sz="quarter" idx="10"/>
           </p:nvPr>
         </p:nvSpPr>
-        <p:spPr>
-          <a:xfrm>
-            <a:off x="615109" y="4704825"/>
-            <a:ext cx="10961783" cy="768084"/>
-          </a:xfrm>
-        </p:spPr>
+        <p:spPr/>
         <p:txBody>
           <a:bodyPr/>
           <a:lstStyle/>
           <a:p>
             <a:r>
-              <a:rPr lang="en-GB" dirty="0"/>
+              <a:rPr lang="en-US" dirty="0"/>
               <a:t>Data-Driven </a:t>
             </a:r>
             <a:r>
               <a:rPr lang="bg-BG" dirty="0"/>
               <a:t>тестване</a:t>
             </a:r>
-            <a:endParaRPr lang="en-GB" dirty="0"/>
           </a:p>
         </p:txBody>
       </p:sp>
     </p:spTree>
     <p:extLst>
       <p:ext uri="{BB962C8B-B14F-4D97-AF65-F5344CB8AC3E}">
-        <p14:creationId xmlns:p14="http://schemas.microsoft.com/office/powerpoint/2010/main" val="1984486446"/>
+        <p14:creationId xmlns:p14="http://schemas.microsoft.com/office/powerpoint/2010/main" val="2367040640"/>
       </p:ext>
     </p:extLst>
   </p:cSld>
@@ -35774,10 +34266,10 @@
       </p:grpSp>
       <p:sp>
         <p:nvSpPr>
-          <p:cNvPr id="18" name="Slide Number">
+          <p:cNvPr id="2" name="Slide Number">
             <a:extLst>
               <a:ext uri="{FF2B5EF4-FFF2-40B4-BE49-F238E27FC236}">
-                <a16:creationId xmlns:a16="http://schemas.microsoft.com/office/drawing/2014/main" id="{386F580F-07EA-4C3F-918B-21E733F47792}"/>
+                <a16:creationId xmlns:a16="http://schemas.microsoft.com/office/drawing/2014/main" id="{22DA5087-5463-550B-3631-51E3CADA61BB}"/>
               </a:ext>
             </a:extLst>
           </p:cNvPr>
@@ -35817,7 +34309,7 @@
     </p:spTree>
     <p:extLst>
       <p:ext uri="{BB962C8B-B14F-4D97-AF65-F5344CB8AC3E}">
-        <p14:creationId xmlns:p14="http://schemas.microsoft.com/office/powerpoint/2010/main" val="329751527"/>
+        <p14:creationId xmlns:p14="http://schemas.microsoft.com/office/powerpoint/2010/main" val="1241588344"/>
       </p:ext>
     </p:extLst>
   </p:cSld>
@@ -36053,10 +34545,10 @@
       </p:pic>
       <p:sp>
         <p:nvSpPr>
-          <p:cNvPr id="7" name="Slide Number">
+          <p:cNvPr id="2" name="Slide Number">
             <a:extLst>
               <a:ext uri="{FF2B5EF4-FFF2-40B4-BE49-F238E27FC236}">
-                <a16:creationId xmlns:a16="http://schemas.microsoft.com/office/drawing/2014/main" id="{5A6BEAE3-59A4-4DC7-B917-7165CDA7BB38}"/>
+                <a16:creationId xmlns:a16="http://schemas.microsoft.com/office/drawing/2014/main" id="{3B642983-8CDF-2BCF-DDC2-C45FC4B00DA7}"/>
               </a:ext>
             </a:extLst>
           </p:cNvPr>
@@ -36096,7 +34588,7 @@
     </p:spTree>
     <p:extLst>
       <p:ext uri="{BB962C8B-B14F-4D97-AF65-F5344CB8AC3E}">
-        <p14:creationId xmlns:p14="http://schemas.microsoft.com/office/powerpoint/2010/main" val="2229262746"/>
+        <p14:creationId xmlns:p14="http://schemas.microsoft.com/office/powerpoint/2010/main" val="2887844070"/>
       </p:ext>
     </p:extLst>
   </p:cSld>
@@ -36345,10 +34837,10 @@
       </p:pic>
       <p:sp>
         <p:nvSpPr>
-          <p:cNvPr id="7" name="Slide Number">
+          <p:cNvPr id="2" name="Slide Number">
             <a:extLst>
               <a:ext uri="{FF2B5EF4-FFF2-40B4-BE49-F238E27FC236}">
-                <a16:creationId xmlns:a16="http://schemas.microsoft.com/office/drawing/2014/main" id="{8B9810BE-C08E-42CD-8866-68EF8D8464DF}"/>
+                <a16:creationId xmlns:a16="http://schemas.microsoft.com/office/drawing/2014/main" id="{F4E80FD3-EE0F-F07A-FF85-915B773AE6C7}"/>
               </a:ext>
             </a:extLst>
           </p:cNvPr>
@@ -36388,7 +34880,7 @@
     </p:spTree>
     <p:extLst>
       <p:ext uri="{BB962C8B-B14F-4D97-AF65-F5344CB8AC3E}">
-        <p14:creationId xmlns:p14="http://schemas.microsoft.com/office/powerpoint/2010/main" val="1458694106"/>
+        <p14:creationId xmlns:p14="http://schemas.microsoft.com/office/powerpoint/2010/main" val="2362848801"/>
       </p:ext>
     </p:extLst>
   </p:cSld>
@@ -36775,10 +35267,10 @@
       </p:pic>
       <p:sp>
         <p:nvSpPr>
-          <p:cNvPr id="8" name="Slide Number">
+          <p:cNvPr id="2" name="Slide Number">
             <a:extLst>
               <a:ext uri="{FF2B5EF4-FFF2-40B4-BE49-F238E27FC236}">
-                <a16:creationId xmlns:a16="http://schemas.microsoft.com/office/drawing/2014/main" id="{ECE9F074-6E3D-4728-8C52-38DAC5F10E16}"/>
+                <a16:creationId xmlns:a16="http://schemas.microsoft.com/office/drawing/2014/main" id="{E21422F0-AE10-F0A7-651E-2CFCB73781A3}"/>
               </a:ext>
             </a:extLst>
           </p:cNvPr>
@@ -36818,7 +35310,7 @@
     </p:spTree>
     <p:extLst>
       <p:ext uri="{BB962C8B-B14F-4D97-AF65-F5344CB8AC3E}">
-        <p14:creationId xmlns:p14="http://schemas.microsoft.com/office/powerpoint/2010/main" val="3881889905"/>
+        <p14:creationId xmlns:p14="http://schemas.microsoft.com/office/powerpoint/2010/main" val="4200946563"/>
       </p:ext>
     </p:extLst>
   </p:cSld>
@@ -37085,47 +35577,6 @@
           <a:chExt cx="0" cy="0"/>
         </a:xfrm>
       </p:grpSpPr>
-      <p:sp>
-        <p:nvSpPr>
-          <p:cNvPr id="5" name="Title 4">
-            <a:extLst>
-              <a:ext uri="{FF2B5EF4-FFF2-40B4-BE49-F238E27FC236}">
-                <a16:creationId xmlns:a16="http://schemas.microsoft.com/office/drawing/2014/main" id="{B9F7F13A-6D50-4605-AB7B-E1D7510C7478}"/>
-              </a:ext>
-            </a:extLst>
-          </p:cNvPr>
-          <p:cNvSpPr>
-            <a:spLocks noGrp="1"/>
-          </p:cNvSpPr>
-          <p:nvPr>
-            <p:ph type="title" sz="quarter" idx="10"/>
-          </p:nvPr>
-        </p:nvSpPr>
-        <p:spPr>
-          <a:xfrm>
-            <a:off x="615108" y="4914000"/>
-            <a:ext cx="10961783" cy="768084"/>
-          </a:xfrm>
-        </p:spPr>
-        <p:txBody>
-          <a:bodyPr/>
-          <a:lstStyle/>
-          <a:p>
-            <a:r>
-              <a:rPr lang="bg-BG" dirty="0"/>
-              <a:t>Проверяване на кода, </a:t>
-            </a:r>
-            <a:br>
-              <a:rPr lang="bg-BG" dirty="0"/>
-            </a:br>
-            <a:r>
-              <a:rPr lang="bg-BG" dirty="0"/>
-              <a:t>обхванат от компонентните тестове</a:t>
-            </a:r>
-            <a:endParaRPr lang="en-US" dirty="0"/>
-          </a:p>
-        </p:txBody>
-      </p:sp>
       <p:pic>
         <p:nvPicPr>
           <p:cNvPr id="7" name="Picture 6">
@@ -37158,10 +35609,50 @@
           </a:prstGeom>
         </p:spPr>
       </p:pic>
+      <p:sp>
+        <p:nvSpPr>
+          <p:cNvPr id="3" name="Заглавие 2">
+            <a:extLst>
+              <a:ext uri="{FF2B5EF4-FFF2-40B4-BE49-F238E27FC236}">
+                <a16:creationId xmlns:a16="http://schemas.microsoft.com/office/drawing/2014/main" id="{1F1494BA-0F70-79BB-984D-C05EB7EB1C9B}"/>
+              </a:ext>
+            </a:extLst>
+          </p:cNvPr>
+          <p:cNvSpPr>
+            <a:spLocks noGrp="1"/>
+          </p:cNvSpPr>
+          <p:nvPr>
+            <p:ph type="title" sz="quarter" idx="10"/>
+          </p:nvPr>
+        </p:nvSpPr>
+        <p:spPr>
+          <a:xfrm>
+            <a:off x="615108" y="4554000"/>
+            <a:ext cx="10961783" cy="1694175"/>
+          </a:xfrm>
+        </p:spPr>
+        <p:txBody>
+          <a:bodyPr/>
+          <a:lstStyle/>
+          <a:p>
+            <a:r>
+              <a:rPr lang="bg-BG" dirty="0"/>
+              <a:t>Проверка на кода, </a:t>
+            </a:r>
+            <a:br>
+              <a:rPr lang="bg-BG" dirty="0"/>
+            </a:br>
+            <a:r>
+              <a:rPr lang="bg-BG" dirty="0"/>
+              <a:t>обхванат от компонентните тестове</a:t>
+            </a:r>
+          </a:p>
+        </p:txBody>
+      </p:sp>
     </p:spTree>
     <p:extLst>
       <p:ext uri="{BB962C8B-B14F-4D97-AF65-F5344CB8AC3E}">
-        <p14:creationId xmlns:p14="http://schemas.microsoft.com/office/powerpoint/2010/main" val="2993199066"/>
+        <p14:creationId xmlns:p14="http://schemas.microsoft.com/office/powerpoint/2010/main" val="2274823110"/>
       </p:ext>
     </p:extLst>
   </p:cSld>
@@ -37499,10 +35990,10 @@
       </p:pic>
       <p:sp>
         <p:nvSpPr>
-          <p:cNvPr id="6" name="Slide Number">
+          <p:cNvPr id="2" name="Slide Number">
             <a:extLst>
               <a:ext uri="{FF2B5EF4-FFF2-40B4-BE49-F238E27FC236}">
-                <a16:creationId xmlns:a16="http://schemas.microsoft.com/office/drawing/2014/main" id="{0DD79FCF-C893-4A93-A065-79B74FC47073}"/>
+                <a16:creationId xmlns:a16="http://schemas.microsoft.com/office/drawing/2014/main" id="{C8D49119-A19F-885B-EC8F-793B89AA69A3}"/>
               </a:ext>
             </a:extLst>
           </p:cNvPr>
@@ -37542,7 +36033,7 @@
     </p:spTree>
     <p:extLst>
       <p:ext uri="{BB962C8B-B14F-4D97-AF65-F5344CB8AC3E}">
-        <p14:creationId xmlns:p14="http://schemas.microsoft.com/office/powerpoint/2010/main" val="1587882785"/>
+        <p14:creationId xmlns:p14="http://schemas.microsoft.com/office/powerpoint/2010/main" val="2586617601"/>
       </p:ext>
     </p:extLst>
   </p:cSld>
@@ -38264,10 +36755,10 @@
       </p:sp>
       <p:sp>
         <p:nvSpPr>
-          <p:cNvPr id="14" name="Slide Number">
+          <p:cNvPr id="2" name="Slide Number">
             <a:extLst>
               <a:ext uri="{FF2B5EF4-FFF2-40B4-BE49-F238E27FC236}">
-                <a16:creationId xmlns:a16="http://schemas.microsoft.com/office/drawing/2014/main" id="{8D216C02-7C85-45E7-90D7-177E79CDE254}"/>
+                <a16:creationId xmlns:a16="http://schemas.microsoft.com/office/drawing/2014/main" id="{E2BD3224-5E7B-B33D-E2DA-7C1347CBF10E}"/>
               </a:ext>
             </a:extLst>
           </p:cNvPr>
@@ -38307,7 +36798,7 @@
     </p:spTree>
     <p:extLst>
       <p:ext uri="{BB962C8B-B14F-4D97-AF65-F5344CB8AC3E}">
-        <p14:creationId xmlns:p14="http://schemas.microsoft.com/office/powerpoint/2010/main" val="1061318752"/>
+        <p14:creationId xmlns:p14="http://schemas.microsoft.com/office/powerpoint/2010/main" val="3807488179"/>
       </p:ext>
     </p:extLst>
   </p:cSld>
@@ -38866,10 +37357,10 @@
       </p:sp>
       <p:sp>
         <p:nvSpPr>
-          <p:cNvPr id="8" name="Slide Number">
+          <p:cNvPr id="2" name="Slide Number">
             <a:extLst>
               <a:ext uri="{FF2B5EF4-FFF2-40B4-BE49-F238E27FC236}">
-                <a16:creationId xmlns:a16="http://schemas.microsoft.com/office/drawing/2014/main" id="{375B29A6-D17C-495F-A774-9C027F9107C6}"/>
+                <a16:creationId xmlns:a16="http://schemas.microsoft.com/office/drawing/2014/main" id="{B792A2E3-69A8-CACA-5B10-F02E8B3647F8}"/>
               </a:ext>
             </a:extLst>
           </p:cNvPr>
@@ -38909,7 +37400,7 @@
     </p:spTree>
     <p:extLst>
       <p:ext uri="{BB962C8B-B14F-4D97-AF65-F5344CB8AC3E}">
-        <p14:creationId xmlns:p14="http://schemas.microsoft.com/office/powerpoint/2010/main" val="3239109810"/>
+        <p14:creationId xmlns:p14="http://schemas.microsoft.com/office/powerpoint/2010/main" val="3091558443"/>
       </p:ext>
     </p:extLst>
   </p:cSld>
@@ -39334,10 +37825,10 @@
       </p:grpSp>
       <p:sp>
         <p:nvSpPr>
-          <p:cNvPr id="9" name="Slide Number">
+          <p:cNvPr id="2" name="Slide Number">
             <a:extLst>
               <a:ext uri="{FF2B5EF4-FFF2-40B4-BE49-F238E27FC236}">
-                <a16:creationId xmlns:a16="http://schemas.microsoft.com/office/drawing/2014/main" id="{7FBDDC04-B753-48DE-B193-86E04663C6EE}"/>
+                <a16:creationId xmlns:a16="http://schemas.microsoft.com/office/drawing/2014/main" id="{52031E4F-2C86-F915-EE75-04A82CE446ED}"/>
               </a:ext>
             </a:extLst>
           </p:cNvPr>
@@ -39377,7 +37868,7 @@
     </p:spTree>
     <p:extLst>
       <p:ext uri="{BB962C8B-B14F-4D97-AF65-F5344CB8AC3E}">
-        <p14:creationId xmlns:p14="http://schemas.microsoft.com/office/powerpoint/2010/main" val="2436273552"/>
+        <p14:creationId xmlns:p14="http://schemas.microsoft.com/office/powerpoint/2010/main" val="3869038221"/>
       </p:ext>
     </p:extLst>
   </p:cSld>
@@ -39537,7 +38028,7 @@
         <p:spPr/>
         <p:txBody>
           <a:bodyPr>
-            <a:normAutofit fontScale="90000"/>
+            <a:normAutofit/>
           </a:bodyPr>
           <a:lstStyle/>
           <a:p>
@@ -39631,10 +38122,10 @@
       </p:pic>
       <p:sp>
         <p:nvSpPr>
-          <p:cNvPr id="7" name="Slide Number">
+          <p:cNvPr id="2" name="Slide Number">
             <a:extLst>
               <a:ext uri="{FF2B5EF4-FFF2-40B4-BE49-F238E27FC236}">
-                <a16:creationId xmlns:a16="http://schemas.microsoft.com/office/drawing/2014/main" id="{8249A057-4A30-416B-9BEB-7C1BBA64EB11}"/>
+                <a16:creationId xmlns:a16="http://schemas.microsoft.com/office/drawing/2014/main" id="{1BB24E0D-6AFE-85BF-F34B-9C427A542D3C}"/>
               </a:ext>
             </a:extLst>
           </p:cNvPr>
@@ -39674,7 +38165,7 @@
     </p:spTree>
     <p:extLst>
       <p:ext uri="{BB962C8B-B14F-4D97-AF65-F5344CB8AC3E}">
-        <p14:creationId xmlns:p14="http://schemas.microsoft.com/office/powerpoint/2010/main" val="3726975754"/>
+        <p14:creationId xmlns:p14="http://schemas.microsoft.com/office/powerpoint/2010/main" val="2681816665"/>
       </p:ext>
     </p:extLst>
   </p:cSld>
@@ -40182,10 +38673,10 @@
       </p:sp>
       <p:sp>
         <p:nvSpPr>
-          <p:cNvPr id="7" name="Slide Number">
+          <p:cNvPr id="2" name="Slide Number">
             <a:extLst>
               <a:ext uri="{FF2B5EF4-FFF2-40B4-BE49-F238E27FC236}">
-                <a16:creationId xmlns:a16="http://schemas.microsoft.com/office/drawing/2014/main" id="{9339247F-D5A8-4470-A28A-B996A9C42CF0}"/>
+                <a16:creationId xmlns:a16="http://schemas.microsoft.com/office/drawing/2014/main" id="{1829D20C-3A54-A578-62AE-78C39CBC4668}"/>
               </a:ext>
             </a:extLst>
           </p:cNvPr>
@@ -40225,7 +38716,7 @@
     </p:spTree>
     <p:extLst>
       <p:ext uri="{BB962C8B-B14F-4D97-AF65-F5344CB8AC3E}">
-        <p14:creationId xmlns:p14="http://schemas.microsoft.com/office/powerpoint/2010/main" val="2741763742"/>
+        <p14:creationId xmlns:p14="http://schemas.microsoft.com/office/powerpoint/2010/main" val="79176015"/>
       </p:ext>
     </p:extLst>
   </p:cSld>
@@ -40365,47 +38856,6 @@
           <a:chExt cx="0" cy="0"/>
         </a:xfrm>
       </p:grpSpPr>
-      <p:sp>
-        <p:nvSpPr>
-          <p:cNvPr id="5" name="Title 4">
-            <a:extLst>
-              <a:ext uri="{FF2B5EF4-FFF2-40B4-BE49-F238E27FC236}">
-                <a16:creationId xmlns:a16="http://schemas.microsoft.com/office/drawing/2014/main" id="{B9F7F13A-6D50-4605-AB7B-E1D7510C7478}"/>
-              </a:ext>
-            </a:extLst>
-          </p:cNvPr>
-          <p:cNvSpPr>
-            <a:spLocks noGrp="1"/>
-          </p:cNvSpPr>
-          <p:nvPr>
-            <p:ph type="title" sz="quarter" idx="10"/>
-          </p:nvPr>
-        </p:nvSpPr>
-        <p:spPr>
-          <a:xfrm>
-            <a:off x="426000" y="4914000"/>
-            <a:ext cx="11340000" cy="768084"/>
-          </a:xfrm>
-        </p:spPr>
-        <p:txBody>
-          <a:bodyPr/>
-          <a:lstStyle/>
-          <a:p>
-            <a:r>
-              <a:rPr lang="bg-BG" dirty="0"/>
-              <a:t>Утвърдени практики</a:t>
-            </a:r>
-            <a:br>
-              <a:rPr lang="bg-BG" dirty="0"/>
-            </a:br>
-            <a:r>
-              <a:rPr lang="bg-BG" dirty="0"/>
-              <a:t>в компонентното тестване</a:t>
-            </a:r>
-            <a:endParaRPr lang="en-US" dirty="0"/>
-          </a:p>
-        </p:txBody>
-      </p:sp>
       <p:pic>
         <p:nvPicPr>
           <p:cNvPr id="4" name="Picture 3">
@@ -40443,10 +38893,50 @@
           </a:prstGeom>
         </p:spPr>
       </p:pic>
+      <p:sp>
+        <p:nvSpPr>
+          <p:cNvPr id="3" name="Заглавие 2">
+            <a:extLst>
+              <a:ext uri="{FF2B5EF4-FFF2-40B4-BE49-F238E27FC236}">
+                <a16:creationId xmlns:a16="http://schemas.microsoft.com/office/drawing/2014/main" id="{F8C06C75-CD4C-8B7E-A7E0-84EA2BF21885}"/>
+              </a:ext>
+            </a:extLst>
+          </p:cNvPr>
+          <p:cNvSpPr>
+            <a:spLocks noGrp="1"/>
+          </p:cNvSpPr>
+          <p:nvPr>
+            <p:ph type="title" sz="quarter" idx="10"/>
+          </p:nvPr>
+        </p:nvSpPr>
+        <p:spPr>
+          <a:xfrm>
+            <a:off x="615109" y="4689000"/>
+            <a:ext cx="10961783" cy="1469175"/>
+          </a:xfrm>
+        </p:spPr>
+        <p:txBody>
+          <a:bodyPr/>
+          <a:lstStyle/>
+          <a:p>
+            <a:r>
+              <a:rPr lang="bg-BG" dirty="0"/>
+              <a:t>Утвърдени практики</a:t>
+            </a:r>
+            <a:br>
+              <a:rPr lang="bg-BG" dirty="0"/>
+            </a:br>
+            <a:r>
+              <a:rPr lang="bg-BG" dirty="0"/>
+              <a:t>в компонентното тестване</a:t>
+            </a:r>
+          </a:p>
+        </p:txBody>
+      </p:sp>
     </p:spTree>
     <p:extLst>
       <p:ext uri="{BB962C8B-B14F-4D97-AF65-F5344CB8AC3E}">
-        <p14:creationId xmlns:p14="http://schemas.microsoft.com/office/powerpoint/2010/main" val="950814430"/>
+        <p14:creationId xmlns:p14="http://schemas.microsoft.com/office/powerpoint/2010/main" val="3490224735"/>
       </p:ext>
     </p:extLst>
   </p:cSld>
@@ -40903,10 +39393,10 @@
       </p:pic>
       <p:sp>
         <p:nvSpPr>
-          <p:cNvPr id="10" name="Slide Number">
+          <p:cNvPr id="2" name="Slide Number">
             <a:extLst>
               <a:ext uri="{FF2B5EF4-FFF2-40B4-BE49-F238E27FC236}">
-                <a16:creationId xmlns:a16="http://schemas.microsoft.com/office/drawing/2014/main" id="{81D75298-329A-4B3E-9AF7-D677DFBD956C}"/>
+                <a16:creationId xmlns:a16="http://schemas.microsoft.com/office/drawing/2014/main" id="{C68D2ADC-7911-C411-DFFF-EF10F15D7D2D}"/>
               </a:ext>
             </a:extLst>
           </p:cNvPr>
@@ -40946,7 +39436,7 @@
     </p:spTree>
     <p:extLst>
       <p:ext uri="{BB962C8B-B14F-4D97-AF65-F5344CB8AC3E}">
-        <p14:creationId xmlns:p14="http://schemas.microsoft.com/office/powerpoint/2010/main" val="929228871"/>
+        <p14:creationId xmlns:p14="http://schemas.microsoft.com/office/powerpoint/2010/main" val="957309992"/>
       </p:ext>
     </p:extLst>
   </p:cSld>
@@ -41675,10 +40165,10 @@
       </p:sp>
       <p:sp>
         <p:nvSpPr>
-          <p:cNvPr id="6" name="Slide Number">
+          <p:cNvPr id="3" name="Slide Number">
             <a:extLst>
               <a:ext uri="{FF2B5EF4-FFF2-40B4-BE49-F238E27FC236}">
-                <a16:creationId xmlns:a16="http://schemas.microsoft.com/office/drawing/2014/main" id="{75E073BF-8E36-404B-A54F-46B346CB1653}"/>
+                <a16:creationId xmlns:a16="http://schemas.microsoft.com/office/drawing/2014/main" id="{1C1C9848-B9A5-21E3-7BC3-223447F8641D}"/>
               </a:ext>
             </a:extLst>
           </p:cNvPr>
@@ -41718,7 +40208,7 @@
     </p:spTree>
     <p:extLst>
       <p:ext uri="{BB962C8B-B14F-4D97-AF65-F5344CB8AC3E}">
-        <p14:creationId xmlns:p14="http://schemas.microsoft.com/office/powerpoint/2010/main" val="2022731244"/>
+        <p14:creationId xmlns:p14="http://schemas.microsoft.com/office/powerpoint/2010/main" val="2594797088"/>
       </p:ext>
     </p:extLst>
   </p:cSld>
@@ -43013,10 +41503,10 @@
       </p:sp>
       <p:sp>
         <p:nvSpPr>
-          <p:cNvPr id="9" name="Slide Number">
+          <p:cNvPr id="2" name="Slide Number">
             <a:extLst>
               <a:ext uri="{FF2B5EF4-FFF2-40B4-BE49-F238E27FC236}">
-                <a16:creationId xmlns:a16="http://schemas.microsoft.com/office/drawing/2014/main" id="{5F866A00-EFDA-4A74-94BF-93CF9C395650}"/>
+                <a16:creationId xmlns:a16="http://schemas.microsoft.com/office/drawing/2014/main" id="{BF83394E-7881-C778-0DBB-50F167E14469}"/>
               </a:ext>
             </a:extLst>
           </p:cNvPr>
@@ -43056,7 +41546,7 @@
     </p:spTree>
     <p:extLst>
       <p:ext uri="{BB962C8B-B14F-4D97-AF65-F5344CB8AC3E}">
-        <p14:creationId xmlns:p14="http://schemas.microsoft.com/office/powerpoint/2010/main" val="1041765681"/>
+        <p14:creationId xmlns:p14="http://schemas.microsoft.com/office/powerpoint/2010/main" val="1455414744"/>
       </p:ext>
     </p:extLst>
   </p:cSld>
@@ -43608,10 +42098,10 @@
       </p:pic>
       <p:sp>
         <p:nvSpPr>
-          <p:cNvPr id="11" name="Slide Number">
+          <p:cNvPr id="2" name="Slide Number">
             <a:extLst>
               <a:ext uri="{FF2B5EF4-FFF2-40B4-BE49-F238E27FC236}">
-                <a16:creationId xmlns:a16="http://schemas.microsoft.com/office/drawing/2014/main" id="{F370EC59-277E-4389-AA46-57114ED4D659}"/>
+                <a16:creationId xmlns:a16="http://schemas.microsoft.com/office/drawing/2014/main" id="{F7DE1E1B-123D-F818-F1C0-AFDB578C76A6}"/>
               </a:ext>
             </a:extLst>
           </p:cNvPr>
@@ -43651,7 +42141,7 @@
     </p:spTree>
     <p:extLst>
       <p:ext uri="{BB962C8B-B14F-4D97-AF65-F5344CB8AC3E}">
-        <p14:creationId xmlns:p14="http://schemas.microsoft.com/office/powerpoint/2010/main" val="164104849"/>
+        <p14:creationId xmlns:p14="http://schemas.microsoft.com/office/powerpoint/2010/main" val="625463488"/>
       </p:ext>
     </p:extLst>
   </p:cSld>
@@ -44148,10 +42638,10 @@
       </p:sp>
       <p:sp>
         <p:nvSpPr>
-          <p:cNvPr id="9" name="Slide Number">
+          <p:cNvPr id="2" name="Slide Number">
             <a:extLst>
               <a:ext uri="{FF2B5EF4-FFF2-40B4-BE49-F238E27FC236}">
-                <a16:creationId xmlns:a16="http://schemas.microsoft.com/office/drawing/2014/main" id="{F0DCE458-0F98-43F8-AB00-85297D4D2EEC}"/>
+                <a16:creationId xmlns:a16="http://schemas.microsoft.com/office/drawing/2014/main" id="{D654E976-0C72-3B5E-6F9C-6D3609E5F87C}"/>
               </a:ext>
             </a:extLst>
           </p:cNvPr>
@@ -44191,7 +42681,7 @@
     </p:spTree>
     <p:extLst>
       <p:ext uri="{BB962C8B-B14F-4D97-AF65-F5344CB8AC3E}">
-        <p14:creationId xmlns:p14="http://schemas.microsoft.com/office/powerpoint/2010/main" val="2777677323"/>
+        <p14:creationId xmlns:p14="http://schemas.microsoft.com/office/powerpoint/2010/main" val="2546709309"/>
       </p:ext>
     </p:extLst>
   </p:cSld>
@@ -45043,10 +43533,10 @@
       </p:sp>
       <p:sp>
         <p:nvSpPr>
-          <p:cNvPr id="16" name="Slide Number">
+          <p:cNvPr id="2" name="Slide Number">
             <a:extLst>
               <a:ext uri="{FF2B5EF4-FFF2-40B4-BE49-F238E27FC236}">
-                <a16:creationId xmlns:a16="http://schemas.microsoft.com/office/drawing/2014/main" id="{98C66A8D-8531-4B82-824A-B2589C807A79}"/>
+                <a16:creationId xmlns:a16="http://schemas.microsoft.com/office/drawing/2014/main" id="{3620237A-E262-2583-F7F7-5EA18A23B6CC}"/>
               </a:ext>
             </a:extLst>
           </p:cNvPr>
@@ -45086,7 +43576,7 @@
     </p:spTree>
     <p:extLst>
       <p:ext uri="{BB962C8B-B14F-4D97-AF65-F5344CB8AC3E}">
-        <p14:creationId xmlns:p14="http://schemas.microsoft.com/office/powerpoint/2010/main" val="100870035"/>
+        <p14:creationId xmlns:p14="http://schemas.microsoft.com/office/powerpoint/2010/main" val="713009782"/>
       </p:ext>
     </p:extLst>
   </p:cSld>
@@ -45467,29 +43957,140 @@
           <a:lstStyle/>
           <a:p>
             <a:r>
-              <a:rPr lang="bg-BG" sz="8800" dirty="0">
+              <a:rPr lang="bg-BG" dirty="0"/>
+              <a:t>Въпроси</a:t>
+            </a:r>
+            <a:r>
+              <a:rPr lang="en-US" dirty="0"/>
+              <a:t>?</a:t>
+            </a:r>
+          </a:p>
+        </p:txBody>
+      </p:sp>
+      <p:sp>
+        <p:nvSpPr>
+          <p:cNvPr id="2" name="Rectangle Bottom Copyright">
+            <a:extLst>
+              <a:ext uri="{FF2B5EF4-FFF2-40B4-BE49-F238E27FC236}">
+                <a16:creationId xmlns:a16="http://schemas.microsoft.com/office/drawing/2014/main" id="{664812A4-2991-44D1-BFE9-32E55AADF8A5}"/>
+              </a:ext>
+            </a:extLst>
+          </p:cNvPr>
+          <p:cNvSpPr/>
+          <p:nvPr/>
+        </p:nvSpPr>
+        <p:spPr>
+          <a:xfrm>
+            <a:off x="111000" y="6454758"/>
+            <a:ext cx="11970000" cy="304242"/>
+          </a:xfrm>
+          <a:prstGeom prst="rect">
+            <a:avLst/>
+          </a:prstGeom>
+        </p:spPr>
+        <p:txBody>
+          <a:bodyPr wrap="square">
+            <a:noAutofit/>
+          </a:bodyPr>
+          <a:lstStyle/>
+          <a:p>
+            <a:pPr algn="ctr">
+              <a:lnSpc>
+                <a:spcPct val="100000"/>
+              </a:lnSpc>
+              <a:spcBef>
+                <a:spcPts val="0"/>
+              </a:spcBef>
+              <a:spcAft>
+                <a:spcPts val="0"/>
+              </a:spcAft>
+            </a:pPr>
+            <a:r>
+              <a:rPr lang="bg-BG" sz="1600" dirty="0">
                 <a:solidFill>
-                  <a:srgbClr val="234465"/>
+                  <a:schemeClr val="bg2"/>
                 </a:solidFill>
-              </a:rPr>
-              <a:t>Въпроси</a:t>
-            </a:r>
-            <a:r>
-              <a:rPr lang="en-US" sz="8800" dirty="0">
+                <a:effectLst/>
+                <a:latin typeface="Calibri" panose="020F0502020204030204" pitchFamily="34" charset="0"/>
+                <a:ea typeface="Calibri" panose="020F0502020204030204" pitchFamily="34" charset="0"/>
+                <a:cs typeface="Arial" panose="020B0604020202020204" pitchFamily="34" charset="0"/>
+              </a:rPr>
+              <a:t>Проект "</a:t>
+            </a:r>
+            <a:r>
+              <a:rPr lang="bg-BG" sz="1600" dirty="0">
                 <a:solidFill>
-                  <a:srgbClr val="234465"/>
+                  <a:schemeClr val="bg1">
+                    <a:lumMod val="20000"/>
+                    <a:lumOff val="80000"/>
+                  </a:schemeClr>
                 </a:solidFill>
-              </a:rPr>
-              <a:t>?</a:t>
-            </a:r>
-            <a:endParaRPr lang="en-US" sz="8800" dirty="0"/>
+                <a:effectLst/>
+                <a:latin typeface="Calibri" panose="020F0502020204030204" pitchFamily="34" charset="0"/>
+                <a:ea typeface="Calibri" panose="020F0502020204030204" pitchFamily="34" charset="0"/>
+                <a:cs typeface="Arial" panose="020B0604020202020204" pitchFamily="34" charset="0"/>
+                <a:hlinkClick r:id="rId3">
+                  <a:extLst>
+                    <a:ext uri="{A12FA001-AC4F-418D-AE19-62706E023703}">
+                      <ahyp:hlinkClr xmlns:ahyp="http://schemas.microsoft.com/office/drawing/2018/hyperlinkcolor" val="tx"/>
+                    </a:ext>
+                  </a:extLst>
+                </a:hlinkClick>
+              </a:rPr>
+              <a:t>Отворено учебно съдържание по програмиране и ИТ</a:t>
+            </a:r>
+            <a:r>
+              <a:rPr lang="bg-BG" sz="1600" dirty="0">
+                <a:solidFill>
+                  <a:schemeClr val="bg2"/>
+                </a:solidFill>
+                <a:effectLst/>
+                <a:latin typeface="Calibri" panose="020F0502020204030204" pitchFamily="34" charset="0"/>
+                <a:ea typeface="Calibri" panose="020F0502020204030204" pitchFamily="34" charset="0"/>
+                <a:cs typeface="Arial" panose="020B0604020202020204" pitchFamily="34" charset="0"/>
+              </a:rPr>
+              <a:t>", СофтУни Фондация (лиценз </a:t>
+            </a:r>
+            <a:r>
+              <a:rPr lang="en-US" sz="1600" dirty="0">
+                <a:solidFill>
+                  <a:schemeClr val="bg2"/>
+                </a:solidFill>
+                <a:effectLst/>
+                <a:latin typeface="Calibri" panose="020F0502020204030204" pitchFamily="34" charset="0"/>
+                <a:ea typeface="Calibri" panose="020F0502020204030204" pitchFamily="34" charset="0"/>
+                <a:cs typeface="Arial" panose="020B0604020202020204" pitchFamily="34" charset="0"/>
+              </a:rPr>
+              <a:t>CC-BY-NC-SA</a:t>
+            </a:r>
+            <a:r>
+              <a:rPr lang="bg-BG" sz="1600" dirty="0">
+                <a:solidFill>
+                  <a:schemeClr val="bg2"/>
+                </a:solidFill>
+                <a:effectLst/>
+                <a:latin typeface="Calibri" panose="020F0502020204030204" pitchFamily="34" charset="0"/>
+                <a:ea typeface="Calibri" panose="020F0502020204030204" pitchFamily="34" charset="0"/>
+                <a:cs typeface="Arial" panose="020B0604020202020204" pitchFamily="34" charset="0"/>
+              </a:rPr>
+              <a:t>)</a:t>
+            </a:r>
+            <a:endParaRPr lang="bg-BG" sz="2400" dirty="0">
+              <a:solidFill>
+                <a:schemeClr val="bg2"/>
+              </a:solidFill>
+              <a:effectLst/>
+              <a:latin typeface="Calibri" panose="020F0502020204030204" pitchFamily="34" charset="0"/>
+              <a:ea typeface="Calibri" panose="020F0502020204030204" pitchFamily="34" charset="0"/>
+              <a:cs typeface="Arial" panose="020B0604020202020204" pitchFamily="34" charset="0"/>
+            </a:endParaRPr>
           </a:p>
         </p:txBody>
       </p:sp>
     </p:spTree>
     <p:extLst>
       <p:ext uri="{BB962C8B-B14F-4D97-AF65-F5344CB8AC3E}">
-        <p14:creationId xmlns:p14="http://schemas.microsoft.com/office/powerpoint/2010/main" val="1426932535"/>
+        <p14:creationId xmlns:p14="http://schemas.microsoft.com/office/powerpoint/2010/main" val="2710605270"/>
       </p:ext>
     </p:extLst>
   </p:cSld>
@@ -45543,11 +44144,13 @@
         <p:spPr>
           <a:xfrm>
             <a:off x="190402" y="1269001"/>
-            <a:ext cx="11818096" cy="5455890"/>
+            <a:ext cx="9865598" cy="2474999"/>
           </a:xfrm>
         </p:spPr>
         <p:txBody>
-          <a:bodyPr/>
+          <a:bodyPr>
+            <a:normAutofit/>
+          </a:bodyPr>
           <a:lstStyle/>
           <a:p>
             <a:pPr>
@@ -45556,113 +44159,42 @@
               </a:lnSpc>
             </a:pPr>
             <a:r>
-              <a:rPr lang="bg-BG" dirty="0"/>
+              <a:rPr lang="bg-BG" sz="3200" dirty="0"/>
               <a:t>Този курс</a:t>
             </a:r>
             <a:r>
-              <a:rPr lang="en-US" dirty="0"/>
+              <a:rPr lang="en-US" sz="3200" dirty="0"/>
               <a:t> (</a:t>
             </a:r>
             <a:r>
-              <a:rPr lang="bg-BG" dirty="0"/>
+              <a:rPr lang="bg-BG" sz="3200" dirty="0"/>
               <a:t>презентации, примери, демонстрационен код, упражнения, домашни, видео и други активи</a:t>
             </a:r>
             <a:r>
-              <a:rPr lang="en-US" dirty="0"/>
+              <a:rPr lang="en-US" sz="3200" dirty="0"/>
               <a:t>) </a:t>
             </a:r>
             <a:r>
-              <a:rPr lang="bg-BG" dirty="0"/>
+              <a:rPr lang="bg-BG" sz="3200" dirty="0"/>
               <a:t>представлява</a:t>
             </a:r>
             <a:r>
-              <a:rPr lang="en-US" dirty="0"/>
+              <a:rPr lang="en-US" sz="3200" dirty="0"/>
               <a:t> </a:t>
             </a:r>
             <a:r>
-              <a:rPr lang="bg-BG" b="1" dirty="0"/>
-              <a:t>защитено авторско съдържание</a:t>
-            </a:r>
-            <a:endParaRPr lang="en-US" dirty="0"/>
-          </a:p>
-          <a:p>
-            <a:pPr>
-              <a:lnSpc>
-                <a:spcPct val="120000"/>
-              </a:lnSpc>
-            </a:pPr>
-            <a:r>
-              <a:rPr lang="bg-BG" dirty="0"/>
-              <a:t>Нерегламентирано копиране</a:t>
-            </a:r>
-            <a:r>
-              <a:rPr lang="en-US" dirty="0"/>
-              <a:t>,</a:t>
-            </a:r>
-            <a:r>
-              <a:rPr lang="bg-BG" dirty="0"/>
-              <a:t> разпространение или използване е незаконно</a:t>
-            </a:r>
-          </a:p>
-          <a:p>
-            <a:pPr>
-              <a:lnSpc>
-                <a:spcPct val="120000"/>
-              </a:lnSpc>
-            </a:pPr>
-            <a:r>
-              <a:rPr lang="en-US" dirty="0"/>
-              <a:t>© </a:t>
-            </a:r>
-            <a:r>
-              <a:rPr lang="bg-BG" dirty="0" err="1"/>
-              <a:t>СофтУни</a:t>
-            </a:r>
-            <a:r>
-              <a:rPr lang="en-US" dirty="0"/>
-              <a:t> – </a:t>
-            </a:r>
-            <a:r>
-              <a:rPr lang="en-US" dirty="0">
-                <a:hlinkClick r:id="rId3"/>
-              </a:rPr>
-              <a:t>https://softuni.org</a:t>
-            </a:r>
-            <a:endParaRPr lang="en-US" dirty="0"/>
-          </a:p>
-          <a:p>
-            <a:pPr>
-              <a:lnSpc>
-                <a:spcPct val="120000"/>
-              </a:lnSpc>
-            </a:pPr>
-            <a:r>
-              <a:rPr lang="en-US" dirty="0"/>
-              <a:t>© </a:t>
-            </a:r>
-            <a:r>
-              <a:rPr lang="bg-BG" dirty="0"/>
-              <a:t>Софтуерен университет</a:t>
-            </a:r>
-            <a:r>
-              <a:rPr lang="en-US" dirty="0"/>
-              <a:t> – </a:t>
-            </a:r>
-            <a:r>
-              <a:rPr lang="en-US" dirty="0">
-                <a:hlinkClick r:id="rId4"/>
-              </a:rPr>
-              <a:t>https://softuni.bg</a:t>
-            </a:r>
-            <a:endParaRPr lang="bg-BG" dirty="0"/>
-          </a:p>
-          <a:p>
-            <a:pPr>
-              <a:lnSpc>
-                <a:spcPct val="120000"/>
-              </a:lnSpc>
-            </a:pPr>
-            <a:endParaRPr lang="bg-BG" dirty="0"/>
+              <a:rPr lang="bg-BG" sz="3200" b="1" dirty="0"/>
+              <a:t>свободно учебно съдържание </a:t>
+            </a:r>
+            <a:r>
+              <a:rPr lang="bg-BG" sz="3200" dirty="0"/>
+              <a:t>и се разпространява под свободен лиценз </a:t>
+            </a:r>
+            <a:r>
+              <a:rPr lang="en-US" sz="3200" b="1" dirty="0"/>
+              <a:t>CC-BY-NC-SA</a:t>
+            </a:r>
+            <a:endParaRPr lang="bg-BG" sz="3200" dirty="0"/>
           </a:p>
         </p:txBody>
       </p:sp>
@@ -45671,7 +44203,7 @@
           <p:cNvPr id="6" name="Picture License" descr="License">
             <a:extLst>
               <a:ext uri="{FF2B5EF4-FFF2-40B4-BE49-F238E27FC236}">
-                <a16:creationId xmlns:a16="http://schemas.microsoft.com/office/drawing/2014/main" id="{A10A2585-858C-4B1E-8846-27CF1C15729E}"/>
+                <a16:creationId xmlns:a16="http://schemas.microsoft.com/office/drawing/2014/main" id="{82BA520F-A037-4E01-AA18-27D9F1E930A6}"/>
               </a:ext>
             </a:extLst>
           </p:cNvPr>
@@ -45681,7 +44213,7 @@
           <p:nvPr/>
         </p:nvPicPr>
         <p:blipFill>
-          <a:blip r:embed="rId5">
+          <a:blip r:embed="rId3">
             <a:clrChange>
               <a:clrFrom>
                 <a:srgbClr val="FFFFFF"/>
@@ -45699,8 +44231,8 @@
         </p:blipFill>
         <p:spPr>
           <a:xfrm>
-            <a:off x="9745023" y="4445455"/>
-            <a:ext cx="1930977" cy="2043545"/>
+            <a:off x="10226175" y="1440120"/>
+            <a:ext cx="1198986" cy="1268880"/>
           </a:xfrm>
           <a:prstGeom prst="rect">
             <a:avLst/>
@@ -45737,10 +44269,171 @@
       </p:sp>
       <p:sp>
         <p:nvSpPr>
-          <p:cNvPr id="7" name="Slide Number">
+          <p:cNvPr id="11" name="TextBox 10">
             <a:extLst>
               <a:ext uri="{FF2B5EF4-FFF2-40B4-BE49-F238E27FC236}">
-                <a16:creationId xmlns:a16="http://schemas.microsoft.com/office/drawing/2014/main" id="{C0A63BCB-ED80-4686-8667-6AA9E12BA02B}"/>
+                <a16:creationId xmlns:a16="http://schemas.microsoft.com/office/drawing/2014/main" id="{0C18DF19-B750-4C88-975B-661A6BF61F5E}"/>
+              </a:ext>
+            </a:extLst>
+          </p:cNvPr>
+          <p:cNvSpPr txBox="1"/>
+          <p:nvPr/>
+        </p:nvSpPr>
+        <p:spPr>
+          <a:xfrm>
+            <a:off x="190401" y="3927519"/>
+            <a:ext cx="11710599" cy="1979644"/>
+          </a:xfrm>
+          <a:prstGeom prst="rect">
+            <a:avLst/>
+          </a:prstGeom>
+          <a:noFill/>
+          <a:ln w="12700">
+            <a:noFill/>
+          </a:ln>
+        </p:spPr>
+        <p:txBody>
+          <a:bodyPr wrap="square">
+            <a:spAutoFit/>
+          </a:bodyPr>
+          <a:lstStyle/>
+          <a:p>
+            <a:pPr marL="360363" indent="-360363" defTabSz="1218438">
+              <a:lnSpc>
+                <a:spcPct val="120000"/>
+              </a:lnSpc>
+              <a:spcBef>
+                <a:spcPts val="600"/>
+              </a:spcBef>
+              <a:spcAft>
+                <a:spcPts val="600"/>
+              </a:spcAft>
+              <a:buFont typeface="Wingdings" panose="05000000000000000000" pitchFamily="2" charset="2"/>
+              <a:buChar char="§"/>
+              <a:defRPr/>
+            </a:pPr>
+            <a:r>
+              <a:rPr lang="bg-BG" sz="3200" dirty="0"/>
+              <a:t>Проект "</a:t>
+            </a:r>
+            <a:r>
+              <a:rPr lang="bg-BG" sz="3200" b="1" dirty="0"/>
+              <a:t>Отворено учебно съдържание по програмиране и ИТ</a:t>
+            </a:r>
+            <a:r>
+              <a:rPr lang="bg-BG" sz="3200" dirty="0"/>
+              <a:t>" към Фондация "Софтуерен университет"</a:t>
+            </a:r>
+            <a:r>
+              <a:rPr lang="en-US" sz="3200" dirty="0"/>
+              <a:t>:</a:t>
+            </a:r>
+            <a:endParaRPr lang="bg-BG" sz="3200" dirty="0"/>
+          </a:p>
+          <a:p>
+            <a:pPr marL="817563" lvl="1" indent="-360363" defTabSz="1218438">
+              <a:lnSpc>
+                <a:spcPct val="120000"/>
+              </a:lnSpc>
+              <a:spcBef>
+                <a:spcPts val="600"/>
+              </a:spcBef>
+              <a:spcAft>
+                <a:spcPts val="600"/>
+              </a:spcAft>
+              <a:buFont typeface="Wingdings" panose="05000000000000000000" pitchFamily="2" charset="2"/>
+              <a:buChar char="§"/>
+              <a:defRPr/>
+            </a:pPr>
+            <a:r>
+              <a:rPr kumimoji="0" lang="en-US" sz="3200" b="0" i="0" u="none" strike="noStrike" kern="1200" cap="none" spc="0" normalizeH="0" baseline="0" noProof="0" dirty="0">
+                <a:ln>
+                  <a:noFill/>
+                </a:ln>
+                <a:solidFill>
+                  <a:srgbClr val="234465"/>
+                </a:solidFill>
+                <a:effectLst/>
+                <a:uLnTx/>
+                <a:uFillTx/>
+                <a:latin typeface="Calibri"/>
+                <a:ea typeface="+mn-ea"/>
+                <a:cs typeface="+mn-cs"/>
+                <a:hlinkClick r:id="rId4"/>
+              </a:rPr>
+              <a:t>https://github.com/BG-IT-Edu</a:t>
+            </a:r>
+            <a:endParaRPr kumimoji="0" lang="bg-BG" sz="3200" b="0" i="0" u="none" strike="noStrike" kern="1200" cap="none" spc="0" normalizeH="0" baseline="0" noProof="0" dirty="0">
+              <a:ln>
+                <a:noFill/>
+              </a:ln>
+              <a:solidFill>
+                <a:srgbClr val="234465"/>
+              </a:solidFill>
+              <a:effectLst/>
+              <a:uLnTx/>
+              <a:uFillTx/>
+              <a:latin typeface="Calibri"/>
+              <a:ea typeface="+mn-ea"/>
+              <a:cs typeface="+mn-cs"/>
+            </a:endParaRPr>
+          </a:p>
+        </p:txBody>
+      </p:sp>
+      <p:pic>
+        <p:nvPicPr>
+          <p:cNvPr id="7" name="Picture 6" title="CC-BY-NC-SA License">
+            <a:hlinkClick r:id="rId5" tooltip="This work is licensed under the &quot;Creative Commons Attribution-NonCommercial-ShareAlike 4.0 International&quot; license"/>
+            <a:extLst>
+              <a:ext uri="{FF2B5EF4-FFF2-40B4-BE49-F238E27FC236}">
+                <a16:creationId xmlns:a16="http://schemas.microsoft.com/office/drawing/2014/main" id="{F6C77C47-F7D8-A176-5C69-7FDE5C7E8003}"/>
+              </a:ext>
+            </a:extLst>
+          </p:cNvPr>
+          <p:cNvPicPr>
+            <a:picLocks noChangeAspect="1" noChangeArrowheads="1"/>
+          </p:cNvPicPr>
+          <p:nvPr/>
+        </p:nvPicPr>
+        <p:blipFill>
+          <a:blip r:embed="rId6">
+            <a:extLst>
+              <a:ext uri="{28A0092B-C50C-407E-A947-70E740481C1C}">
+                <a14:useLocalDpi xmlns:a14="http://schemas.microsoft.com/office/drawing/2010/main"/>
+              </a:ext>
+            </a:extLst>
+          </a:blip>
+          <a:srcRect/>
+          <a:stretch>
+            <a:fillRect/>
+          </a:stretch>
+        </p:blipFill>
+        <p:spPr bwMode="auto">
+          <a:xfrm>
+            <a:off x="9831000" y="2908593"/>
+            <a:ext cx="1989336" cy="696022"/>
+          </a:xfrm>
+          <a:prstGeom prst="roundRect">
+            <a:avLst>
+              <a:gd name="adj" fmla="val 3940"/>
+            </a:avLst>
+          </a:prstGeom>
+          <a:solidFill>
+            <a:srgbClr val="231F20">
+              <a:alpha val="50000"/>
+            </a:srgbClr>
+          </a:solidFill>
+          <a:ln>
+            <a:noFill/>
+          </a:ln>
+        </p:spPr>
+      </p:pic>
+      <p:sp>
+        <p:nvSpPr>
+          <p:cNvPr id="4" name="Slide Number">
+            <a:extLst>
+              <a:ext uri="{FF2B5EF4-FFF2-40B4-BE49-F238E27FC236}">
+                <a16:creationId xmlns:a16="http://schemas.microsoft.com/office/drawing/2014/main" id="{208AF818-1C7D-74A8-968A-5D8145EE8661}"/>
               </a:ext>
             </a:extLst>
           </p:cNvPr>
@@ -45780,7 +44473,7 @@
     </p:spTree>
     <p:extLst>
       <p:ext uri="{BB962C8B-B14F-4D97-AF65-F5344CB8AC3E}">
-        <p14:creationId xmlns:p14="http://schemas.microsoft.com/office/powerpoint/2010/main" val="869266172"/>
+        <p14:creationId xmlns:p14="http://schemas.microsoft.com/office/powerpoint/2010/main" val="1181811835"/>
       </p:ext>
     </p:extLst>
   </p:cSld>
@@ -45817,36 +44510,6 @@
       </p:grpSpPr>
       <p:sp>
         <p:nvSpPr>
-          <p:cNvPr id="2" name="Контейнер за номер на слайда 1">
-            <a:extLst>
-              <a:ext uri="{FF2B5EF4-FFF2-40B4-BE49-F238E27FC236}">
-                <a16:creationId xmlns:a16="http://schemas.microsoft.com/office/drawing/2014/main" id="{CC75BC3E-EB38-239C-5AA1-5519B59873CB}"/>
-              </a:ext>
-            </a:extLst>
-          </p:cNvPr>
-          <p:cNvSpPr>
-            <a:spLocks noGrp="1"/>
-          </p:cNvSpPr>
-          <p:nvPr>
-            <p:ph type="sldNum" sz="quarter" idx="5"/>
-          </p:nvPr>
-        </p:nvSpPr>
-        <p:spPr/>
-        <p:txBody>
-          <a:bodyPr/>
-          <a:lstStyle/>
-          <a:p>
-            <a:fld id="{2BF067CD-8E6B-4360-9AA8-C5DF2A48A6D1}" type="slidenum">
-              <a:rPr lang="en-US" noProof="0" smtClean="0"/>
-              <a:pPr/>
-              <a:t>7</a:t>
-            </a:fld>
-            <a:endParaRPr lang="en-US" noProof="0" dirty="0"/>
-          </a:p>
-        </p:txBody>
-      </p:sp>
-      <p:sp>
-        <p:nvSpPr>
           <p:cNvPr id="3" name="Текстов контейнер 2">
             <a:extLst>
               <a:ext uri="{FF2B5EF4-FFF2-40B4-BE49-F238E27FC236}">
@@ -45990,10 +44653,52 @@
           </a:p>
         </p:txBody>
       </p:sp>
+      <p:sp>
+        <p:nvSpPr>
+          <p:cNvPr id="5" name="Slide Number">
+            <a:extLst>
+              <a:ext uri="{FF2B5EF4-FFF2-40B4-BE49-F238E27FC236}">
+                <a16:creationId xmlns:a16="http://schemas.microsoft.com/office/drawing/2014/main" id="{5B00A023-1172-8BBE-EF32-B86E3846A685}"/>
+              </a:ext>
+            </a:extLst>
+          </p:cNvPr>
+          <p:cNvSpPr>
+            <a:spLocks noGrp="1"/>
+          </p:cNvSpPr>
+          <p:nvPr>
+            <p:ph type="sldNum" sz="quarter" idx="5"/>
+          </p:nvPr>
+        </p:nvSpPr>
+        <p:spPr>
+          <a:xfrm>
+            <a:off x="11753030" y="6507000"/>
+            <a:ext cx="367414" cy="297000"/>
+          </a:xfrm>
+          <a:prstGeom prst="rect">
+            <a:avLst/>
+          </a:prstGeom>
+        </p:spPr>
+        <p:txBody>
+          <a:bodyPr vert="horz" lIns="91440" tIns="45720" rIns="91440" bIns="45720" rtlCol="0" anchor="b"/>
+          <a:lstStyle>
+            <a:lvl1pPr algn="r">
+              <a:defRPr sz="1000"/>
+            </a:lvl1pPr>
+          </a:lstStyle>
+          <a:p>
+            <a:fld id="{2BF067CD-8E6B-4360-9AA8-C5DF2A48A6D1}" type="slidenum">
+              <a:rPr lang="en-US" noProof="0" smtClean="0"/>
+              <a:pPr/>
+              <a:t>7</a:t>
+            </a:fld>
+            <a:endParaRPr lang="en-US" noProof="0" dirty="0"/>
+          </a:p>
+        </p:txBody>
+      </p:sp>
     </p:spTree>
     <p:extLst>
       <p:ext uri="{BB962C8B-B14F-4D97-AF65-F5344CB8AC3E}">
-        <p14:creationId xmlns:p14="http://schemas.microsoft.com/office/powerpoint/2010/main" val="3720045985"/>
+        <p14:creationId xmlns:p14="http://schemas.microsoft.com/office/powerpoint/2010/main" val="3989468930"/>
       </p:ext>
     </p:extLst>
   </p:cSld>
@@ -46109,36 +44814,6 @@
       </p:grpSpPr>
       <p:sp>
         <p:nvSpPr>
-          <p:cNvPr id="2" name="Контейнер за номер на слайда 1">
-            <a:extLst>
-              <a:ext uri="{FF2B5EF4-FFF2-40B4-BE49-F238E27FC236}">
-                <a16:creationId xmlns:a16="http://schemas.microsoft.com/office/drawing/2014/main" id="{CC75BC3E-EB38-239C-5AA1-5519B59873CB}"/>
-              </a:ext>
-            </a:extLst>
-          </p:cNvPr>
-          <p:cNvSpPr>
-            <a:spLocks noGrp="1"/>
-          </p:cNvSpPr>
-          <p:nvPr>
-            <p:ph type="sldNum" sz="quarter" idx="5"/>
-          </p:nvPr>
-        </p:nvSpPr>
-        <p:spPr/>
-        <p:txBody>
-          <a:bodyPr/>
-          <a:lstStyle/>
-          <a:p>
-            <a:fld id="{2BF067CD-8E6B-4360-9AA8-C5DF2A48A6D1}" type="slidenum">
-              <a:rPr lang="en-US" noProof="0" smtClean="0"/>
-              <a:pPr/>
-              <a:t>8</a:t>
-            </a:fld>
-            <a:endParaRPr lang="en-US" noProof="0" dirty="0"/>
-          </a:p>
-        </p:txBody>
-      </p:sp>
-      <p:sp>
-        <p:nvSpPr>
           <p:cNvPr id="3" name="Текстов контейнер 2">
             <a:extLst>
               <a:ext uri="{FF2B5EF4-FFF2-40B4-BE49-F238E27FC236}">
@@ -46338,10 +45013,52 @@
           </a:p>
         </p:txBody>
       </p:sp>
+      <p:sp>
+        <p:nvSpPr>
+          <p:cNvPr id="5" name="Slide Number">
+            <a:extLst>
+              <a:ext uri="{FF2B5EF4-FFF2-40B4-BE49-F238E27FC236}">
+                <a16:creationId xmlns:a16="http://schemas.microsoft.com/office/drawing/2014/main" id="{4C746F56-4156-C1CA-0882-B4E88F03483A}"/>
+              </a:ext>
+            </a:extLst>
+          </p:cNvPr>
+          <p:cNvSpPr>
+            <a:spLocks noGrp="1"/>
+          </p:cNvSpPr>
+          <p:nvPr>
+            <p:ph type="sldNum" sz="quarter" idx="5"/>
+          </p:nvPr>
+        </p:nvSpPr>
+        <p:spPr>
+          <a:xfrm>
+            <a:off x="11753030" y="6507000"/>
+            <a:ext cx="367414" cy="297000"/>
+          </a:xfrm>
+          <a:prstGeom prst="rect">
+            <a:avLst/>
+          </a:prstGeom>
+        </p:spPr>
+        <p:txBody>
+          <a:bodyPr vert="horz" lIns="91440" tIns="45720" rIns="91440" bIns="45720" rtlCol="0" anchor="b"/>
+          <a:lstStyle>
+            <a:lvl1pPr algn="r">
+              <a:defRPr sz="1000"/>
+            </a:lvl1pPr>
+          </a:lstStyle>
+          <a:p>
+            <a:fld id="{2BF067CD-8E6B-4360-9AA8-C5DF2A48A6D1}" type="slidenum">
+              <a:rPr lang="en-US" noProof="0" smtClean="0"/>
+              <a:pPr/>
+              <a:t>8</a:t>
+            </a:fld>
+            <a:endParaRPr lang="en-US" noProof="0" dirty="0"/>
+          </a:p>
+        </p:txBody>
+      </p:sp>
     </p:spTree>
     <p:extLst>
       <p:ext uri="{BB962C8B-B14F-4D97-AF65-F5344CB8AC3E}">
-        <p14:creationId xmlns:p14="http://schemas.microsoft.com/office/powerpoint/2010/main" val="4184429731"/>
+        <p14:creationId xmlns:p14="http://schemas.microsoft.com/office/powerpoint/2010/main" val="3426693170"/>
       </p:ext>
     </p:extLst>
   </p:cSld>
@@ -46635,36 +45352,6 @@
       </p:grpSpPr>
       <p:sp>
         <p:nvSpPr>
-          <p:cNvPr id="2" name="Контейнер за номер на слайда 1">
-            <a:extLst>
-              <a:ext uri="{FF2B5EF4-FFF2-40B4-BE49-F238E27FC236}">
-                <a16:creationId xmlns:a16="http://schemas.microsoft.com/office/drawing/2014/main" id="{D23494CF-8236-EC12-B846-40CAB5714A7B}"/>
-              </a:ext>
-            </a:extLst>
-          </p:cNvPr>
-          <p:cNvSpPr>
-            <a:spLocks noGrp="1"/>
-          </p:cNvSpPr>
-          <p:nvPr>
-            <p:ph type="sldNum" sz="quarter" idx="5"/>
-          </p:nvPr>
-        </p:nvSpPr>
-        <p:spPr/>
-        <p:txBody>
-          <a:bodyPr/>
-          <a:lstStyle/>
-          <a:p>
-            <a:fld id="{2BF067CD-8E6B-4360-9AA8-C5DF2A48A6D1}" type="slidenum">
-              <a:rPr lang="en-US" noProof="0" smtClean="0"/>
-              <a:pPr/>
-              <a:t>9</a:t>
-            </a:fld>
-            <a:endParaRPr lang="en-US" noProof="0" dirty="0"/>
-          </a:p>
-        </p:txBody>
-      </p:sp>
-      <p:sp>
-        <p:nvSpPr>
           <p:cNvPr id="3" name="Текстов контейнер 2">
             <a:extLst>
               <a:ext uri="{FF2B5EF4-FFF2-40B4-BE49-F238E27FC236}">
@@ -46822,10 +45509,52 @@
           </a:p>
         </p:txBody>
       </p:sp>
+      <p:sp>
+        <p:nvSpPr>
+          <p:cNvPr id="5" name="Slide Number">
+            <a:extLst>
+              <a:ext uri="{FF2B5EF4-FFF2-40B4-BE49-F238E27FC236}">
+                <a16:creationId xmlns:a16="http://schemas.microsoft.com/office/drawing/2014/main" id="{0C1EE98A-EC1C-9A41-485B-1B6E456ED49B}"/>
+              </a:ext>
+            </a:extLst>
+          </p:cNvPr>
+          <p:cNvSpPr>
+            <a:spLocks noGrp="1"/>
+          </p:cNvSpPr>
+          <p:nvPr>
+            <p:ph type="sldNum" sz="quarter" idx="5"/>
+          </p:nvPr>
+        </p:nvSpPr>
+        <p:spPr>
+          <a:xfrm>
+            <a:off x="11753030" y="6507000"/>
+            <a:ext cx="367414" cy="297000"/>
+          </a:xfrm>
+          <a:prstGeom prst="rect">
+            <a:avLst/>
+          </a:prstGeom>
+        </p:spPr>
+        <p:txBody>
+          <a:bodyPr vert="horz" lIns="91440" tIns="45720" rIns="91440" bIns="45720" rtlCol="0" anchor="b"/>
+          <a:lstStyle>
+            <a:lvl1pPr algn="r">
+              <a:defRPr sz="1000"/>
+            </a:lvl1pPr>
+          </a:lstStyle>
+          <a:p>
+            <a:fld id="{2BF067CD-8E6B-4360-9AA8-C5DF2A48A6D1}" type="slidenum">
+              <a:rPr lang="en-US" noProof="0" smtClean="0"/>
+              <a:pPr/>
+              <a:t>9</a:t>
+            </a:fld>
+            <a:endParaRPr lang="en-US" noProof="0" dirty="0"/>
+          </a:p>
+        </p:txBody>
+      </p:sp>
     </p:spTree>
     <p:extLst>
       <p:ext uri="{BB962C8B-B14F-4D97-AF65-F5344CB8AC3E}">
-        <p14:creationId xmlns:p14="http://schemas.microsoft.com/office/powerpoint/2010/main" val="1482369869"/>
+        <p14:creationId xmlns:p14="http://schemas.microsoft.com/office/powerpoint/2010/main" val="192810081"/>
       </p:ext>
     </p:extLst>
   </p:cSld>
@@ -46974,12 +45703,12 @@
 <file path=ppt/theme/theme1.xml><?xml version="1.0" encoding="utf-8"?>
 <a:theme xmlns:a="http://schemas.openxmlformats.org/drawingml/2006/main" name="SoftUni">
   <a:themeElements>
-    <a:clrScheme name="Custom 28">
+    <a:clrScheme name="Custom 2">
       <a:dk1>
         <a:srgbClr val="234465"/>
       </a:dk1>
       <a:lt1>
-        <a:srgbClr val="FFA000"/>
+        <a:srgbClr val="BF7800"/>
       </a:lt1>
       <a:dk2>
         <a:srgbClr val="234465"/>
@@ -46988,7 +45717,7 @@
         <a:srgbClr val="FFFFFF"/>
       </a:lt2>
       <a:accent1>
-        <a:srgbClr val="F29600"/>
+        <a:srgbClr val="FFA000"/>
       </a:accent1>
       <a:accent2>
         <a:srgbClr val="00B050"/>
@@ -47006,10 +45735,10 @@
         <a:srgbClr val="F4F5F7"/>
       </a:accent6>
       <a:hlink>
-        <a:srgbClr val="F2AC44"/>
+        <a:srgbClr val="BF7800"/>
       </a:hlink>
       <a:folHlink>
-        <a:srgbClr val="F6C781"/>
+        <a:srgbClr val="EF9511"/>
       </a:folHlink>
     </a:clrScheme>
     <a:fontScheme name="SoftUni">
